--- a/수업자료/3. 멀티미디어와입력양식.pptx
+++ b/수업자료/3. 멀티미디어와입력양식.pptx
@@ -1,78 +1,78 @@
 
 <file path=ppt/presentation.xml><?xml version="1.0" encoding="utf-8"?>
-<p:presentation xmlns:a="http://schemas.openxmlformats.org/drawingml/2006/main" xmlns:r="http://schemas.openxmlformats.org/officeDocument/2006/relationships" xmlns:mc="http://schemas.openxmlformats.org/markup-compatibility/2006" xmlns:mv="urn:schemas-microsoft-com:mac:vml" xmlns:p="http://schemas.openxmlformats.org/presentationml/2006/main" xmlns:c="http://schemas.openxmlformats.org/drawingml/2006/chart" xmlns:dgm="http://schemas.openxmlformats.org/drawingml/2006/diagram" xmlns:o="urn:schemas-microsoft-com:office:office" xmlns:v="urn:schemas-microsoft-com:vml" xmlns:pvml="urn:schemas-microsoft-com:office:powerpoint" xmlns:com="http://schemas.openxmlformats.org/drawingml/2006/compatibility" xmlns:p14="http://schemas.microsoft.com/office/powerpoint/2010/main" xmlns:p15="http://schemas.microsoft.com/office/powerpoint/2012/main" xmlns:ahyp="http://schemas.microsoft.com/office/drawing/2018/hyperlinkcolor" autoCompressPictures="0" strictFirstAndLastChars="0" saveSubsetFonts="1" showSpecialPlsOnTitleSld="0">
+<p:presentation xmlns:r="http://schemas.openxmlformats.org/officeDocument/2006/relationships" xmlns:c="http://schemas.openxmlformats.org/drawingml/2006/chart" xmlns:a="http://schemas.openxmlformats.org/drawingml/2006/main" xmlns:dgm="http://schemas.openxmlformats.org/drawingml/2006/diagram" xmlns:dsp="http://schemas.microsoft.com/office/drawing/2008/diagram" xmlns:p="http://schemas.openxmlformats.org/presentationml/2006/main" showSpecialPlsOnTitleSld="0" strictFirstAndLastChars="0" saveSubsetFonts="1" autoCompressPictures="0">
   <p:sldMasterIdLst>
-    <p:sldMasterId id="2147483648" r:id="rId5"/>
+    <p:sldMasterId id="2147483654" r:id="rId1"/>
   </p:sldMasterIdLst>
   <p:notesMasterIdLst>
-    <p:notesMasterId r:id="rId6"/>
+    <p:notesMasterId r:id="rId2"/>
   </p:notesMasterIdLst>
   <p:sldIdLst>
-    <p:sldId id="256" r:id="rId7"/>
-    <p:sldId id="257" r:id="rId8"/>
-    <p:sldId id="258" r:id="rId9"/>
-    <p:sldId id="259" r:id="rId10"/>
-    <p:sldId id="260" r:id="rId11"/>
-    <p:sldId id="261" r:id="rId12"/>
-    <p:sldId id="262" r:id="rId13"/>
-    <p:sldId id="263" r:id="rId14"/>
-    <p:sldId id="264" r:id="rId15"/>
-    <p:sldId id="265" r:id="rId16"/>
-    <p:sldId id="266" r:id="rId17"/>
-    <p:sldId id="267" r:id="rId18"/>
-    <p:sldId id="268" r:id="rId19"/>
-    <p:sldId id="269" r:id="rId20"/>
-    <p:sldId id="270" r:id="rId21"/>
-    <p:sldId id="271" r:id="rId22"/>
-    <p:sldId id="272" r:id="rId23"/>
-    <p:sldId id="273" r:id="rId24"/>
-    <p:sldId id="274" r:id="rId25"/>
-    <p:sldId id="275" r:id="rId26"/>
-    <p:sldId id="276" r:id="rId27"/>
-    <p:sldId id="277" r:id="rId28"/>
-    <p:sldId id="278" r:id="rId29"/>
-    <p:sldId id="279" r:id="rId30"/>
-    <p:sldId id="280" r:id="rId31"/>
-    <p:sldId id="281" r:id="rId32"/>
-    <p:sldId id="282" r:id="rId33"/>
-    <p:sldId id="283" r:id="rId34"/>
-    <p:sldId id="284" r:id="rId35"/>
-    <p:sldId id="285" r:id="rId36"/>
-    <p:sldId id="286" r:id="rId37"/>
-    <p:sldId id="287" r:id="rId38"/>
-    <p:sldId id="288" r:id="rId39"/>
-    <p:sldId id="289" r:id="rId40"/>
-    <p:sldId id="290" r:id="rId41"/>
-    <p:sldId id="291" r:id="rId42"/>
-    <p:sldId id="292" r:id="rId43"/>
-    <p:sldId id="293" r:id="rId44"/>
-    <p:sldId id="294" r:id="rId45"/>
-    <p:sldId id="295" r:id="rId46"/>
-    <p:sldId id="296" r:id="rId47"/>
-    <p:sldId id="297" r:id="rId48"/>
-    <p:sldId id="298" r:id="rId49"/>
-    <p:sldId id="299" r:id="rId50"/>
-    <p:sldId id="300" r:id="rId51"/>
-    <p:sldId id="301" r:id="rId52"/>
-    <p:sldId id="302" r:id="rId53"/>
-    <p:sldId id="303" r:id="rId54"/>
-    <p:sldId id="304" r:id="rId55"/>
-    <p:sldId id="305" r:id="rId56"/>
-    <p:sldId id="306" r:id="rId57"/>
-    <p:sldId id="307" r:id="rId58"/>
-    <p:sldId id="308" r:id="rId59"/>
-    <p:sldId id="309" r:id="rId60"/>
-    <p:sldId id="310" r:id="rId61"/>
-    <p:sldId id="311" r:id="rId62"/>
-    <p:sldId id="312" r:id="rId63"/>
-    <p:sldId id="313" r:id="rId64"/>
-    <p:sldId id="314" r:id="rId65"/>
-    <p:sldId id="315" r:id="rId66"/>
+    <p:sldId id="256" r:id="rId3"/>
+    <p:sldId id="257" r:id="rId4"/>
+    <p:sldId id="258" r:id="rId5"/>
+    <p:sldId id="259" r:id="rId6"/>
+    <p:sldId id="260" r:id="rId7"/>
+    <p:sldId id="261" r:id="rId8"/>
+    <p:sldId id="262" r:id="rId9"/>
+    <p:sldId id="263" r:id="rId10"/>
+    <p:sldId id="264" r:id="rId11"/>
+    <p:sldId id="265" r:id="rId12"/>
+    <p:sldId id="266" r:id="rId13"/>
+    <p:sldId id="267" r:id="rId14"/>
+    <p:sldId id="268" r:id="rId15"/>
+    <p:sldId id="269" r:id="rId16"/>
+    <p:sldId id="270" r:id="rId17"/>
+    <p:sldId id="271" r:id="rId18"/>
+    <p:sldId id="272" r:id="rId19"/>
+    <p:sldId id="273" r:id="rId20"/>
+    <p:sldId id="274" r:id="rId21"/>
+    <p:sldId id="275" r:id="rId22"/>
+    <p:sldId id="276" r:id="rId23"/>
+    <p:sldId id="277" r:id="rId24"/>
+    <p:sldId id="278" r:id="rId25"/>
+    <p:sldId id="279" r:id="rId26"/>
+    <p:sldId id="280" r:id="rId27"/>
+    <p:sldId id="281" r:id="rId28"/>
+    <p:sldId id="282" r:id="rId29"/>
+    <p:sldId id="283" r:id="rId30"/>
+    <p:sldId id="284" r:id="rId31"/>
+    <p:sldId id="285" r:id="rId32"/>
+    <p:sldId id="286" r:id="rId33"/>
+    <p:sldId id="287" r:id="rId34"/>
+    <p:sldId id="288" r:id="rId35"/>
+    <p:sldId id="289" r:id="rId36"/>
+    <p:sldId id="290" r:id="rId37"/>
+    <p:sldId id="291" r:id="rId38"/>
+    <p:sldId id="292" r:id="rId39"/>
+    <p:sldId id="293" r:id="rId40"/>
+    <p:sldId id="294" r:id="rId41"/>
+    <p:sldId id="295" r:id="rId42"/>
+    <p:sldId id="296" r:id="rId43"/>
+    <p:sldId id="297" r:id="rId44"/>
+    <p:sldId id="298" r:id="rId45"/>
+    <p:sldId id="299" r:id="rId46"/>
+    <p:sldId id="300" r:id="rId47"/>
+    <p:sldId id="301" r:id="rId48"/>
+    <p:sldId id="302" r:id="rId49"/>
+    <p:sldId id="303" r:id="rId50"/>
+    <p:sldId id="304" r:id="rId51"/>
+    <p:sldId id="305" r:id="rId52"/>
+    <p:sldId id="306" r:id="rId53"/>
+    <p:sldId id="307" r:id="rId54"/>
+    <p:sldId id="308" r:id="rId55"/>
+    <p:sldId id="309" r:id="rId56"/>
+    <p:sldId id="310" r:id="rId57"/>
+    <p:sldId id="311" r:id="rId58"/>
+    <p:sldId id="312" r:id="rId59"/>
+    <p:sldId id="313" r:id="rId60"/>
+    <p:sldId id="314" r:id="rId61"/>
+    <p:sldId id="315" r:id="rId62"/>
   </p:sldIdLst>
-  <p:sldSz cy="8910625" cx="11879250"/>
+  <p:sldSz cx="11879250" cy="8910625"/>
   <p:notesSz cx="7104050" cy="10234600"/>
   <p:defaultTextStyle>
-    <a:defPPr lvl="0" marR="0" rtl="0" algn="l">
+    <a:defPPr marR="0" lvl="0" algn="l" rtl="0">
       <a:lnSpc>
         <a:spcPct val="100000"/>
       </a:lnSpc>
@@ -83,7 +83,7 @@
         <a:spcPts val="0"/>
       </a:spcAft>
     </a:defPPr>
-    <a:lvl1pPr lvl="0" marR="0" rtl="0" algn="l">
+    <a:lvl1pPr marR="0" lvl="0" algn="l" rtl="0">
       <a:lnSpc>
         <a:spcPct val="100000"/>
       </a:lnSpc>
@@ -97,7 +97,7 @@
         <a:srgbClr val="000000"/>
       </a:buClr>
       <a:buFont typeface="Arial"/>
-      <a:defRPr b="0" i="0" sz="1400" u="none" cap="none" strike="noStrike">
+      <a:defRPr sz="1400" b="0" i="0" u="none" strike="noStrike" cap="none">
         <a:solidFill>
           <a:srgbClr val="000000"/>
         </a:solidFill>
@@ -107,7 +107,7 @@
         <a:sym typeface="Arial"/>
       </a:defRPr>
     </a:lvl1pPr>
-    <a:lvl2pPr lvl="1" marR="0" rtl="0" algn="l">
+    <a:lvl2pPr marR="0" lvl="1" algn="l" rtl="0">
       <a:lnSpc>
         <a:spcPct val="100000"/>
       </a:lnSpc>
@@ -121,7 +121,7 @@
         <a:srgbClr val="000000"/>
       </a:buClr>
       <a:buFont typeface="Arial"/>
-      <a:defRPr b="0" i="0" sz="1400" u="none" cap="none" strike="noStrike">
+      <a:defRPr sz="1400" b="0" i="0" u="none" strike="noStrike" cap="none">
         <a:solidFill>
           <a:srgbClr val="000000"/>
         </a:solidFill>
@@ -131,7 +131,7 @@
         <a:sym typeface="Arial"/>
       </a:defRPr>
     </a:lvl2pPr>
-    <a:lvl3pPr lvl="2" marR="0" rtl="0" algn="l">
+    <a:lvl3pPr marR="0" lvl="2" algn="l" rtl="0">
       <a:lnSpc>
         <a:spcPct val="100000"/>
       </a:lnSpc>
@@ -145,7 +145,7 @@
         <a:srgbClr val="000000"/>
       </a:buClr>
       <a:buFont typeface="Arial"/>
-      <a:defRPr b="0" i="0" sz="1400" u="none" cap="none" strike="noStrike">
+      <a:defRPr sz="1400" b="0" i="0" u="none" strike="noStrike" cap="none">
         <a:solidFill>
           <a:srgbClr val="000000"/>
         </a:solidFill>
@@ -155,7 +155,7 @@
         <a:sym typeface="Arial"/>
       </a:defRPr>
     </a:lvl3pPr>
-    <a:lvl4pPr lvl="3" marR="0" rtl="0" algn="l">
+    <a:lvl4pPr marR="0" lvl="3" algn="l" rtl="0">
       <a:lnSpc>
         <a:spcPct val="100000"/>
       </a:lnSpc>
@@ -169,7 +169,7 @@
         <a:srgbClr val="000000"/>
       </a:buClr>
       <a:buFont typeface="Arial"/>
-      <a:defRPr b="0" i="0" sz="1400" u="none" cap="none" strike="noStrike">
+      <a:defRPr sz="1400" b="0" i="0" u="none" strike="noStrike" cap="none">
         <a:solidFill>
           <a:srgbClr val="000000"/>
         </a:solidFill>
@@ -179,7 +179,7 @@
         <a:sym typeface="Arial"/>
       </a:defRPr>
     </a:lvl4pPr>
-    <a:lvl5pPr lvl="4" marR="0" rtl="0" algn="l">
+    <a:lvl5pPr marR="0" lvl="4" algn="l" rtl="0">
       <a:lnSpc>
         <a:spcPct val="100000"/>
       </a:lnSpc>
@@ -193,7 +193,7 @@
         <a:srgbClr val="000000"/>
       </a:buClr>
       <a:buFont typeface="Arial"/>
-      <a:defRPr b="0" i="0" sz="1400" u="none" cap="none" strike="noStrike">
+      <a:defRPr sz="1400" b="0" i="0" u="none" strike="noStrike" cap="none">
         <a:solidFill>
           <a:srgbClr val="000000"/>
         </a:solidFill>
@@ -203,7 +203,7 @@
         <a:sym typeface="Arial"/>
       </a:defRPr>
     </a:lvl5pPr>
-    <a:lvl6pPr lvl="5" marR="0" rtl="0" algn="l">
+    <a:lvl6pPr marR="0" lvl="5" algn="l" rtl="0">
       <a:lnSpc>
         <a:spcPct val="100000"/>
       </a:lnSpc>
@@ -217,7 +217,7 @@
         <a:srgbClr val="000000"/>
       </a:buClr>
       <a:buFont typeface="Arial"/>
-      <a:defRPr b="0" i="0" sz="1400" u="none" cap="none" strike="noStrike">
+      <a:defRPr sz="1400" b="0" i="0" u="none" strike="noStrike" cap="none">
         <a:solidFill>
           <a:srgbClr val="000000"/>
         </a:solidFill>
@@ -227,7 +227,7 @@
         <a:sym typeface="Arial"/>
       </a:defRPr>
     </a:lvl6pPr>
-    <a:lvl7pPr lvl="6" marR="0" rtl="0" algn="l">
+    <a:lvl7pPr marR="0" lvl="6" algn="l" rtl="0">
       <a:lnSpc>
         <a:spcPct val="100000"/>
       </a:lnSpc>
@@ -241,7 +241,7 @@
         <a:srgbClr val="000000"/>
       </a:buClr>
       <a:buFont typeface="Arial"/>
-      <a:defRPr b="0" i="0" sz="1400" u="none" cap="none" strike="noStrike">
+      <a:defRPr sz="1400" b="0" i="0" u="none" strike="noStrike" cap="none">
         <a:solidFill>
           <a:srgbClr val="000000"/>
         </a:solidFill>
@@ -251,7 +251,7 @@
         <a:sym typeface="Arial"/>
       </a:defRPr>
     </a:lvl7pPr>
-    <a:lvl8pPr lvl="7" marR="0" rtl="0" algn="l">
+    <a:lvl8pPr marR="0" lvl="7" algn="l" rtl="0">
       <a:lnSpc>
         <a:spcPct val="100000"/>
       </a:lnSpc>
@@ -265,7 +265,7 @@
         <a:srgbClr val="000000"/>
       </a:buClr>
       <a:buFont typeface="Arial"/>
-      <a:defRPr b="0" i="0" sz="1400" u="none" cap="none" strike="noStrike">
+      <a:defRPr sz="1400" b="0" i="0" u="none" strike="noStrike" cap="none">
         <a:solidFill>
           <a:srgbClr val="000000"/>
         </a:solidFill>
@@ -275,7 +275,7 @@
         <a:sym typeface="Arial"/>
       </a:defRPr>
     </a:lvl8pPr>
-    <a:lvl9pPr lvl="8" marR="0" rtl="0" algn="l">
+    <a:lvl9pPr marR="0" lvl="8" algn="l" rtl="0">
       <a:lnSpc>
         <a:spcPct val="100000"/>
       </a:lnSpc>
@@ -289,7 +289,7 @@
         <a:srgbClr val="000000"/>
       </a:buClr>
       <a:buFont typeface="Arial"/>
-      <a:defRPr b="0" i="0" sz="1400" u="none" cap="none" strike="noStrike">
+      <a:defRPr sz="1400" b="0" i="0" u="none" strike="noStrike" cap="none">
         <a:solidFill>
           <a:srgbClr val="000000"/>
         </a:solidFill>
@@ -300,47 +300,14 @@
       </a:defRPr>
     </a:lvl9pPr>
   </p:defaultTextStyle>
-  <p:extLst>
-    <p:ext uri="{EFAFB233-063F-42B5-8137-9DF3F51BA10A}">
-      <p15:sldGuideLst>
-        <p15:guide id="1" orient="horz" pos="2807">
-          <p15:clr>
-            <a:srgbClr val="A4A3A4"/>
-          </p15:clr>
-        </p15:guide>
-        <p15:guide id="2" pos="3742">
-          <p15:clr>
-            <a:srgbClr val="A4A3A4"/>
-          </p15:clr>
-        </p15:guide>
-      </p15:sldGuideLst>
-    </p:ext>
-    <p:ext uri="{2D200454-40CA-4A62-9FC3-DE9A4176ACB9}">
-      <p15:notesGuideLst>
-        <p15:guide id="1" orient="horz" pos="3224">
-          <p15:clr>
-            <a:srgbClr val="A4A3A4"/>
-          </p15:clr>
-        </p15:guide>
-        <p15:guide id="2" pos="2238">
-          <p15:clr>
-            <a:srgbClr val="A4A3A4"/>
-          </p15:clr>
-        </p15:guide>
-      </p15:notesGuideLst>
-    </p:ext>
-    <p:ext uri="http://customooxmlschemas.google.com/">
-      <go:slidesCustomData xmlns:go="http://customooxmlschemas.google.com/" r:id="rId67" roundtripDataSignature="AMtx7mgRqw1PzDHR9l/7rSF+jS1KJOaCLw=="/>
-    </p:ext>
-  </p:extLst>
 </p:presentation>
 </file>
 
 <file path=ppt/notesMasters/notesMaster1.xml><?xml version="1.0" encoding="utf-8"?>
-<p:notesMaster xmlns:a="http://schemas.openxmlformats.org/drawingml/2006/main" xmlns:r="http://schemas.openxmlformats.org/officeDocument/2006/relationships" xmlns:mc="http://schemas.openxmlformats.org/markup-compatibility/2006" xmlns:mv="urn:schemas-microsoft-com:mac:vml" xmlns:p="http://schemas.openxmlformats.org/presentationml/2006/main" xmlns:c="http://schemas.openxmlformats.org/drawingml/2006/chart" xmlns:dgm="http://schemas.openxmlformats.org/drawingml/2006/diagram" xmlns:o="urn:schemas-microsoft-com:office:office" xmlns:v="urn:schemas-microsoft-com:vml" xmlns:pvml="urn:schemas-microsoft-com:office:powerpoint" xmlns:com="http://schemas.openxmlformats.org/drawingml/2006/compatibility" xmlns:p14="http://schemas.microsoft.com/office/powerpoint/2010/main" xmlns:p15="http://schemas.microsoft.com/office/powerpoint/2012/main" xmlns:ahyp="http://schemas.microsoft.com/office/drawing/2018/hyperlinkcolor">
+<p:notesMaster xmlns:r="http://schemas.openxmlformats.org/officeDocument/2006/relationships" xmlns:c="http://schemas.openxmlformats.org/drawingml/2006/chart" xmlns:a="http://schemas.openxmlformats.org/drawingml/2006/main" xmlns:dgm="http://schemas.openxmlformats.org/drawingml/2006/diagram" xmlns:dsp="http://schemas.microsoft.com/office/drawing/2008/diagram" xmlns:p="http://schemas.openxmlformats.org/presentationml/2006/main">
   <p:cSld>
     <p:bg>
-      <p:bgPr>
+      <p:bgPr shadeToTitle="0">
         <a:solidFill>
           <a:schemeClr val="lt1"/>
         </a:solidFill>
@@ -348,7 +315,7 @@
     </p:bg>
     <p:spTree>
       <p:nvGrpSpPr>
-        <p:cNvPr id="2" name="Shape 2"/>
+        <p:cNvPr id="1" name=""/>
         <p:cNvGrpSpPr/>
         <p:nvPr/>
       </p:nvGrpSpPr>
@@ -363,9 +330,11 @@
       <p:sp>
         <p:nvSpPr>
           <p:cNvPr id="3" name="Google Shape;3;n"/>
-          <p:cNvSpPr txBox="1"/>
+          <p:cNvSpPr txBox="1">
+            <a:spLocks noGrp="1"/>
+          </p:cNvSpPr>
           <p:nvPr>
-            <p:ph idx="2" type="hdr"/>
+            <p:ph type="hdr" idx="2"/>
           </p:nvPr>
         </p:nvSpPr>
         <p:spPr>
@@ -382,11 +351,11 @@
           </a:ln>
         </p:spPr>
         <p:txBody>
-          <a:bodyPr anchorCtr="0" anchor="t" bIns="49525" lIns="99075" spcFirstLastPara="1" rIns="99075" wrap="square" tIns="49525">
+          <a:bodyPr wrap="square" lIns="99075" tIns="49525" rIns="99075" bIns="49525" anchor="t" anchorCtr="0">
             <a:noAutofit/>
           </a:bodyPr>
           <a:lstStyle>
-            <a:lvl1pPr lvl="0" marR="0" rtl="0" algn="l">
+            <a:lvl1pPr marR="0" lvl="0" algn="l" rtl="0">
               <a:lnSpc>
                 <a:spcPct val="100000"/>
               </a:lnSpc>
@@ -402,7 +371,7 @@
               <a:buSzPts val="1400"/>
               <a:buFont typeface="Arial"/>
               <a:buNone/>
-              <a:defRPr b="0" i="0" sz="1300" u="none" cap="none" strike="noStrike">
+              <a:defRPr sz="1300" b="0" i="0" u="none" strike="noStrike" cap="none">
                 <a:solidFill>
                   <a:schemeClr val="dk1"/>
                 </a:solidFill>
@@ -412,7 +381,7 @@
                 <a:sym typeface="Arial"/>
               </a:defRPr>
             </a:lvl1pPr>
-            <a:lvl2pPr lvl="1" marR="0" rtl="0" algn="l">
+            <a:lvl2pPr marR="0" lvl="1" algn="l" rtl="0">
               <a:lnSpc>
                 <a:spcPct val="100000"/>
               </a:lnSpc>
@@ -428,7 +397,7 @@
               <a:buSzPts val="1400"/>
               <a:buFont typeface="Arial"/>
               <a:buNone/>
-              <a:defRPr b="0" i="0" sz="1800" u="none" cap="none" strike="noStrike">
+              <a:defRPr sz="1800" b="0" i="0" u="none" strike="noStrike" cap="none">
                 <a:solidFill>
                   <a:schemeClr val="dk1"/>
                 </a:solidFill>
@@ -438,7 +407,7 @@
                 <a:sym typeface="Arial"/>
               </a:defRPr>
             </a:lvl2pPr>
-            <a:lvl3pPr lvl="2" marR="0" rtl="0" algn="l">
+            <a:lvl3pPr marR="0" lvl="2" algn="l" rtl="0">
               <a:lnSpc>
                 <a:spcPct val="100000"/>
               </a:lnSpc>
@@ -454,7 +423,7 @@
               <a:buSzPts val="1400"/>
               <a:buFont typeface="Arial"/>
               <a:buNone/>
-              <a:defRPr b="0" i="0" sz="1800" u="none" cap="none" strike="noStrike">
+              <a:defRPr sz="1800" b="0" i="0" u="none" strike="noStrike" cap="none">
                 <a:solidFill>
                   <a:schemeClr val="dk1"/>
                 </a:solidFill>
@@ -464,7 +433,7 @@
                 <a:sym typeface="Arial"/>
               </a:defRPr>
             </a:lvl3pPr>
-            <a:lvl4pPr lvl="3" marR="0" rtl="0" algn="l">
+            <a:lvl4pPr marR="0" lvl="3" algn="l" rtl="0">
               <a:lnSpc>
                 <a:spcPct val="100000"/>
               </a:lnSpc>
@@ -480,7 +449,7 @@
               <a:buSzPts val="1400"/>
               <a:buFont typeface="Arial"/>
               <a:buNone/>
-              <a:defRPr b="0" i="0" sz="1800" u="none" cap="none" strike="noStrike">
+              <a:defRPr sz="1800" b="0" i="0" u="none" strike="noStrike" cap="none">
                 <a:solidFill>
                   <a:schemeClr val="dk1"/>
                 </a:solidFill>
@@ -490,7 +459,7 @@
                 <a:sym typeface="Arial"/>
               </a:defRPr>
             </a:lvl4pPr>
-            <a:lvl5pPr lvl="4" marR="0" rtl="0" algn="l">
+            <a:lvl5pPr marR="0" lvl="4" algn="l" rtl="0">
               <a:lnSpc>
                 <a:spcPct val="100000"/>
               </a:lnSpc>
@@ -506,7 +475,7 @@
               <a:buSzPts val="1400"/>
               <a:buFont typeface="Arial"/>
               <a:buNone/>
-              <a:defRPr b="0" i="0" sz="1800" u="none" cap="none" strike="noStrike">
+              <a:defRPr sz="1800" b="0" i="0" u="none" strike="noStrike" cap="none">
                 <a:solidFill>
                   <a:schemeClr val="dk1"/>
                 </a:solidFill>
@@ -516,7 +485,7 @@
                 <a:sym typeface="Arial"/>
               </a:defRPr>
             </a:lvl5pPr>
-            <a:lvl6pPr lvl="5" marR="0" rtl="0" algn="l">
+            <a:lvl6pPr marR="0" lvl="5" algn="l" rtl="0">
               <a:lnSpc>
                 <a:spcPct val="100000"/>
               </a:lnSpc>
@@ -532,7 +501,7 @@
               <a:buSzPts val="1400"/>
               <a:buFont typeface="Arial"/>
               <a:buNone/>
-              <a:defRPr b="0" i="0" sz="1800" u="none" cap="none" strike="noStrike">
+              <a:defRPr sz="1800" b="0" i="0" u="none" strike="noStrike" cap="none">
                 <a:solidFill>
                   <a:schemeClr val="dk1"/>
                 </a:solidFill>
@@ -542,7 +511,7 @@
                 <a:sym typeface="Arial"/>
               </a:defRPr>
             </a:lvl6pPr>
-            <a:lvl7pPr lvl="6" marR="0" rtl="0" algn="l">
+            <a:lvl7pPr marR="0" lvl="6" algn="l" rtl="0">
               <a:lnSpc>
                 <a:spcPct val="100000"/>
               </a:lnSpc>
@@ -558,7 +527,7 @@
               <a:buSzPts val="1400"/>
               <a:buFont typeface="Arial"/>
               <a:buNone/>
-              <a:defRPr b="0" i="0" sz="1800" u="none" cap="none" strike="noStrike">
+              <a:defRPr sz="1800" b="0" i="0" u="none" strike="noStrike" cap="none">
                 <a:solidFill>
                   <a:schemeClr val="dk1"/>
                 </a:solidFill>
@@ -568,7 +537,7 @@
                 <a:sym typeface="Arial"/>
               </a:defRPr>
             </a:lvl7pPr>
-            <a:lvl8pPr lvl="7" marR="0" rtl="0" algn="l">
+            <a:lvl8pPr marR="0" lvl="7" algn="l" rtl="0">
               <a:lnSpc>
                 <a:spcPct val="100000"/>
               </a:lnSpc>
@@ -584,7 +553,7 @@
               <a:buSzPts val="1400"/>
               <a:buFont typeface="Arial"/>
               <a:buNone/>
-              <a:defRPr b="0" i="0" sz="1800" u="none" cap="none" strike="noStrike">
+              <a:defRPr sz="1800" b="0" i="0" u="none" strike="noStrike" cap="none">
                 <a:solidFill>
                   <a:schemeClr val="dk1"/>
                 </a:solidFill>
@@ -594,7 +563,7 @@
                 <a:sym typeface="Arial"/>
               </a:defRPr>
             </a:lvl8pPr>
-            <a:lvl9pPr lvl="8" marR="0" rtl="0" algn="l">
+            <a:lvl9pPr marR="0" lvl="8" algn="l" rtl="0">
               <a:lnSpc>
                 <a:spcPct val="100000"/>
               </a:lnSpc>
@@ -610,7 +579,7 @@
               <a:buSzPts val="1400"/>
               <a:buFont typeface="Arial"/>
               <a:buNone/>
-              <a:defRPr b="0" i="0" sz="1800" u="none" cap="none" strike="noStrike">
+              <a:defRPr sz="1800" b="0" i="0" u="none" strike="noStrike" cap="none">
                 <a:solidFill>
                   <a:schemeClr val="dk1"/>
                 </a:solidFill>
@@ -621,15 +590,26 @@
               </a:defRPr>
             </a:lvl9pPr>
           </a:lstStyle>
-          <a:p/>
+          <a:p>
+            <a:pPr>
+              <a:defRPr/>
+            </a:pPr>
+            <a:r>
+              <a:rPr lang="ko-KR" altLang="en-US"/>
+              <a:t/>
+            </a:r>
+            <a:endParaRPr lang="ko-KR" altLang="en-US"/>
+          </a:p>
         </p:txBody>
       </p:sp>
       <p:sp>
         <p:nvSpPr>
           <p:cNvPr id="4" name="Google Shape;4;n"/>
-          <p:cNvSpPr txBox="1"/>
+          <p:cNvSpPr txBox="1">
+            <a:spLocks noGrp="1"/>
+          </p:cNvSpPr>
           <p:nvPr>
-            <p:ph idx="10" type="dt"/>
+            <p:ph type="dt" idx="10"/>
           </p:nvPr>
         </p:nvSpPr>
         <p:spPr>
@@ -646,11 +626,11 @@
           </a:ln>
         </p:spPr>
         <p:txBody>
-          <a:bodyPr anchorCtr="0" anchor="t" bIns="49525" lIns="99075" spcFirstLastPara="1" rIns="99075" wrap="square" tIns="49525">
+          <a:bodyPr wrap="square" lIns="99075" tIns="49525" rIns="99075" bIns="49525" anchor="t" anchorCtr="0">
             <a:noAutofit/>
           </a:bodyPr>
           <a:lstStyle>
-            <a:lvl1pPr lvl="0" marR="0" rtl="0" algn="r">
+            <a:lvl1pPr marR="0" lvl="0" algn="r" rtl="0">
               <a:lnSpc>
                 <a:spcPct val="100000"/>
               </a:lnSpc>
@@ -666,7 +646,7 @@
               <a:buSzPts val="1400"/>
               <a:buFont typeface="Arial"/>
               <a:buNone/>
-              <a:defRPr b="0" i="0" sz="1300" u="none" cap="none" strike="noStrike">
+              <a:defRPr sz="1300" b="0" i="0" u="none" strike="noStrike" cap="none">
                 <a:solidFill>
                   <a:schemeClr val="dk1"/>
                 </a:solidFill>
@@ -676,7 +656,7 @@
                 <a:sym typeface="Arial"/>
               </a:defRPr>
             </a:lvl1pPr>
-            <a:lvl2pPr lvl="1" marR="0" rtl="0" algn="l">
+            <a:lvl2pPr marR="0" lvl="1" algn="l" rtl="0">
               <a:lnSpc>
                 <a:spcPct val="100000"/>
               </a:lnSpc>
@@ -692,7 +672,7 @@
               <a:buSzPts val="1400"/>
               <a:buFont typeface="Arial"/>
               <a:buNone/>
-              <a:defRPr b="0" i="0" sz="1800" u="none" cap="none" strike="noStrike">
+              <a:defRPr sz="1800" b="0" i="0" u="none" strike="noStrike" cap="none">
                 <a:solidFill>
                   <a:schemeClr val="dk1"/>
                 </a:solidFill>
@@ -702,7 +682,7 @@
                 <a:sym typeface="Arial"/>
               </a:defRPr>
             </a:lvl2pPr>
-            <a:lvl3pPr lvl="2" marR="0" rtl="0" algn="l">
+            <a:lvl3pPr marR="0" lvl="2" algn="l" rtl="0">
               <a:lnSpc>
                 <a:spcPct val="100000"/>
               </a:lnSpc>
@@ -718,7 +698,7 @@
               <a:buSzPts val="1400"/>
               <a:buFont typeface="Arial"/>
               <a:buNone/>
-              <a:defRPr b="0" i="0" sz="1800" u="none" cap="none" strike="noStrike">
+              <a:defRPr sz="1800" b="0" i="0" u="none" strike="noStrike" cap="none">
                 <a:solidFill>
                   <a:schemeClr val="dk1"/>
                 </a:solidFill>
@@ -728,7 +708,7 @@
                 <a:sym typeface="Arial"/>
               </a:defRPr>
             </a:lvl3pPr>
-            <a:lvl4pPr lvl="3" marR="0" rtl="0" algn="l">
+            <a:lvl4pPr marR="0" lvl="3" algn="l" rtl="0">
               <a:lnSpc>
                 <a:spcPct val="100000"/>
               </a:lnSpc>
@@ -744,7 +724,7 @@
               <a:buSzPts val="1400"/>
               <a:buFont typeface="Arial"/>
               <a:buNone/>
-              <a:defRPr b="0" i="0" sz="1800" u="none" cap="none" strike="noStrike">
+              <a:defRPr sz="1800" b="0" i="0" u="none" strike="noStrike" cap="none">
                 <a:solidFill>
                   <a:schemeClr val="dk1"/>
                 </a:solidFill>
@@ -754,7 +734,7 @@
                 <a:sym typeface="Arial"/>
               </a:defRPr>
             </a:lvl4pPr>
-            <a:lvl5pPr lvl="4" marR="0" rtl="0" algn="l">
+            <a:lvl5pPr marR="0" lvl="4" algn="l" rtl="0">
               <a:lnSpc>
                 <a:spcPct val="100000"/>
               </a:lnSpc>
@@ -770,7 +750,7 @@
               <a:buSzPts val="1400"/>
               <a:buFont typeface="Arial"/>
               <a:buNone/>
-              <a:defRPr b="0" i="0" sz="1800" u="none" cap="none" strike="noStrike">
+              <a:defRPr sz="1800" b="0" i="0" u="none" strike="noStrike" cap="none">
                 <a:solidFill>
                   <a:schemeClr val="dk1"/>
                 </a:solidFill>
@@ -780,7 +760,7 @@
                 <a:sym typeface="Arial"/>
               </a:defRPr>
             </a:lvl5pPr>
-            <a:lvl6pPr lvl="5" marR="0" rtl="0" algn="l">
+            <a:lvl6pPr marR="0" lvl="5" algn="l" rtl="0">
               <a:lnSpc>
                 <a:spcPct val="100000"/>
               </a:lnSpc>
@@ -796,7 +776,7 @@
               <a:buSzPts val="1400"/>
               <a:buFont typeface="Arial"/>
               <a:buNone/>
-              <a:defRPr b="0" i="0" sz="1800" u="none" cap="none" strike="noStrike">
+              <a:defRPr sz="1800" b="0" i="0" u="none" strike="noStrike" cap="none">
                 <a:solidFill>
                   <a:schemeClr val="dk1"/>
                 </a:solidFill>
@@ -806,7 +786,7 @@
                 <a:sym typeface="Arial"/>
               </a:defRPr>
             </a:lvl6pPr>
-            <a:lvl7pPr lvl="6" marR="0" rtl="0" algn="l">
+            <a:lvl7pPr marR="0" lvl="6" algn="l" rtl="0">
               <a:lnSpc>
                 <a:spcPct val="100000"/>
               </a:lnSpc>
@@ -822,7 +802,7 @@
               <a:buSzPts val="1400"/>
               <a:buFont typeface="Arial"/>
               <a:buNone/>
-              <a:defRPr b="0" i="0" sz="1800" u="none" cap="none" strike="noStrike">
+              <a:defRPr sz="1800" b="0" i="0" u="none" strike="noStrike" cap="none">
                 <a:solidFill>
                   <a:schemeClr val="dk1"/>
                 </a:solidFill>
@@ -832,7 +812,7 @@
                 <a:sym typeface="Arial"/>
               </a:defRPr>
             </a:lvl7pPr>
-            <a:lvl8pPr lvl="7" marR="0" rtl="0" algn="l">
+            <a:lvl8pPr marR="0" lvl="7" algn="l" rtl="0">
               <a:lnSpc>
                 <a:spcPct val="100000"/>
               </a:lnSpc>
@@ -848,7 +828,7 @@
               <a:buSzPts val="1400"/>
               <a:buFont typeface="Arial"/>
               <a:buNone/>
-              <a:defRPr b="0" i="0" sz="1800" u="none" cap="none" strike="noStrike">
+              <a:defRPr sz="1800" b="0" i="0" u="none" strike="noStrike" cap="none">
                 <a:solidFill>
                   <a:schemeClr val="dk1"/>
                 </a:solidFill>
@@ -858,7 +838,7 @@
                 <a:sym typeface="Arial"/>
               </a:defRPr>
             </a:lvl8pPr>
-            <a:lvl9pPr lvl="8" marR="0" rtl="0" algn="l">
+            <a:lvl9pPr marR="0" lvl="8" algn="l" rtl="0">
               <a:lnSpc>
                 <a:spcPct val="100000"/>
               </a:lnSpc>
@@ -874,7 +854,7 @@
               <a:buSzPts val="1400"/>
               <a:buFont typeface="Arial"/>
               <a:buNone/>
-              <a:defRPr b="0" i="0" sz="1800" u="none" cap="none" strike="noStrike">
+              <a:defRPr sz="1800" b="0" i="0" u="none" strike="noStrike" cap="none">
                 <a:solidFill>
                   <a:schemeClr val="dk1"/>
                 </a:solidFill>
@@ -885,15 +865,26 @@
               </a:defRPr>
             </a:lvl9pPr>
           </a:lstStyle>
-          <a:p/>
+          <a:p>
+            <a:pPr>
+              <a:defRPr/>
+            </a:pPr>
+            <a:r>
+              <a:rPr lang="ko-KR" altLang="en-US"/>
+              <a:t/>
+            </a:r>
+            <a:endParaRPr lang="ko-KR" altLang="en-US"/>
+          </a:p>
         </p:txBody>
       </p:sp>
       <p:sp>
         <p:nvSpPr>
           <p:cNvPr id="5" name="Google Shape;5;n"/>
-          <p:cNvSpPr/>
+          <p:cNvSpPr>
+            <a:spLocks noGrp="1" noRot="1" noChangeAspect="1" noTextEdit="1"/>
+          </p:cNvSpPr>
           <p:nvPr>
-            <p:ph idx="3" type="sldImg"/>
+            <p:ph type="sldImg" idx="3"/>
           </p:nvPr>
         </p:nvSpPr>
         <p:spPr>
@@ -902,9 +893,11 @@
             <a:ext cx="5116513" cy="3838575"/>
           </a:xfrm>
           <a:custGeom>
-            <a:rect b="b" l="l" r="r" t="t"/>
+            <a:avLst/>
+            <a:gdLst/>
+            <a:rect l="l" t="t" r="r" b="b"/>
             <a:pathLst>
-              <a:path extrusionOk="0" h="120000" w="120000">
+              <a:path w="120000" h="120000" extrusionOk="0">
                 <a:moveTo>
                   <a:pt x="0" y="0"/>
                 </a:moveTo>
@@ -922,23 +915,23 @@
             </a:pathLst>
           </a:custGeom>
           <a:noFill/>
-          <a:ln cap="flat" cmpd="sng" w="9525">
+          <a:ln w="9525" cap="flat" cmpd="sng">
             <a:solidFill>
               <a:srgbClr val="000000"/>
             </a:solidFill>
             <a:prstDash val="solid"/>
-            <a:miter lim="800000"/>
-            <a:headEnd len="sm" w="sm" type="none"/>
-            <a:tailEnd len="sm" w="sm" type="none"/>
+            <a:miter/>
           </a:ln>
         </p:spPr>
       </p:sp>
       <p:sp>
         <p:nvSpPr>
           <p:cNvPr id="6" name="Google Shape;6;n"/>
-          <p:cNvSpPr txBox="1"/>
+          <p:cNvSpPr txBox="1">
+            <a:spLocks noGrp="1"/>
+          </p:cNvSpPr>
           <p:nvPr>
-            <p:ph idx="1" type="body"/>
+            <p:ph type="body" idx="1"/>
           </p:nvPr>
         </p:nvSpPr>
         <p:spPr>
@@ -955,11 +948,11 @@
           </a:ln>
         </p:spPr>
         <p:txBody>
-          <a:bodyPr anchorCtr="0" anchor="t" bIns="49525" lIns="99075" spcFirstLastPara="1" rIns="99075" wrap="square" tIns="49525">
+          <a:bodyPr wrap="square" lIns="99075" tIns="49525" rIns="99075" bIns="49525" anchor="t" anchorCtr="0">
             <a:noAutofit/>
           </a:bodyPr>
           <a:lstStyle>
-            <a:lvl1pPr indent="-228600" lvl="0" marL="457200" marR="0" rtl="0" algn="l">
+            <a:lvl1pPr marL="457200" marR="0" lvl="0" indent="-228600" algn="l" rtl="0">
               <a:lnSpc>
                 <a:spcPct val="100000"/>
               </a:lnSpc>
@@ -975,7 +968,7 @@
               <a:buSzPts val="1400"/>
               <a:buFont typeface="Arial"/>
               <a:buNone/>
-              <a:defRPr b="0" i="0" sz="1559" u="none" cap="none" strike="noStrike">
+              <a:defRPr sz="1559" b="0" i="0" u="none" strike="noStrike" cap="none">
                 <a:solidFill>
                   <a:schemeClr val="dk1"/>
                 </a:solidFill>
@@ -985,7 +978,7 @@
                 <a:sym typeface="Gulim"/>
               </a:defRPr>
             </a:lvl1pPr>
-            <a:lvl2pPr indent="-228600" lvl="1" marL="914400" marR="0" rtl="0" algn="l">
+            <a:lvl2pPr marL="914400" marR="0" lvl="1" indent="-228600" algn="l" rtl="0">
               <a:lnSpc>
                 <a:spcPct val="100000"/>
               </a:lnSpc>
@@ -1001,7 +994,7 @@
               <a:buSzPts val="1400"/>
               <a:buFont typeface="Arial"/>
               <a:buNone/>
-              <a:defRPr b="0" i="0" sz="1559" u="none" cap="none" strike="noStrike">
+              <a:defRPr sz="1559" b="0" i="0" u="none" strike="noStrike" cap="none">
                 <a:solidFill>
                   <a:schemeClr val="dk1"/>
                 </a:solidFill>
@@ -1011,7 +1004,7 @@
                 <a:sym typeface="Gulim"/>
               </a:defRPr>
             </a:lvl2pPr>
-            <a:lvl3pPr indent="-228600" lvl="2" marL="1371600" marR="0" rtl="0" algn="l">
+            <a:lvl3pPr marL="1371600" marR="0" lvl="2" indent="-228600" algn="l" rtl="0">
               <a:lnSpc>
                 <a:spcPct val="100000"/>
               </a:lnSpc>
@@ -1027,7 +1020,7 @@
               <a:buSzPts val="1400"/>
               <a:buFont typeface="Arial"/>
               <a:buNone/>
-              <a:defRPr b="0" i="0" sz="1559" u="none" cap="none" strike="noStrike">
+              <a:defRPr sz="1559" b="0" i="0" u="none" strike="noStrike" cap="none">
                 <a:solidFill>
                   <a:schemeClr val="dk1"/>
                 </a:solidFill>
@@ -1037,7 +1030,7 @@
                 <a:sym typeface="Gulim"/>
               </a:defRPr>
             </a:lvl3pPr>
-            <a:lvl4pPr indent="-228600" lvl="3" marL="1828800" marR="0" rtl="0" algn="l">
+            <a:lvl4pPr marL="1828800" marR="0" lvl="3" indent="-228600" algn="l" rtl="0">
               <a:lnSpc>
                 <a:spcPct val="100000"/>
               </a:lnSpc>
@@ -1053,7 +1046,7 @@
               <a:buSzPts val="1400"/>
               <a:buFont typeface="Arial"/>
               <a:buNone/>
-              <a:defRPr b="0" i="0" sz="1559" u="none" cap="none" strike="noStrike">
+              <a:defRPr sz="1559" b="0" i="0" u="none" strike="noStrike" cap="none">
                 <a:solidFill>
                   <a:schemeClr val="dk1"/>
                 </a:solidFill>
@@ -1063,7 +1056,7 @@
                 <a:sym typeface="Gulim"/>
               </a:defRPr>
             </a:lvl4pPr>
-            <a:lvl5pPr indent="-228600" lvl="4" marL="2286000" marR="0" rtl="0" algn="l">
+            <a:lvl5pPr marL="2286000" marR="0" lvl="4" indent="-228600" algn="l" rtl="0">
               <a:lnSpc>
                 <a:spcPct val="100000"/>
               </a:lnSpc>
@@ -1079,7 +1072,7 @@
               <a:buSzPts val="1400"/>
               <a:buFont typeface="Arial"/>
               <a:buNone/>
-              <a:defRPr b="0" i="0" sz="1559" u="none" cap="none" strike="noStrike">
+              <a:defRPr sz="1559" b="0" i="0" u="none" strike="noStrike" cap="none">
                 <a:solidFill>
                   <a:schemeClr val="dk1"/>
                 </a:solidFill>
@@ -1089,7 +1082,7 @@
                 <a:sym typeface="Gulim"/>
               </a:defRPr>
             </a:lvl5pPr>
-            <a:lvl6pPr indent="-228600" lvl="5" marL="2743200" marR="0" rtl="0" algn="l">
+            <a:lvl6pPr marL="2743200" marR="0" lvl="5" indent="-228600" algn="l" rtl="0">
               <a:lnSpc>
                 <a:spcPct val="100000"/>
               </a:lnSpc>
@@ -1105,7 +1098,7 @@
               <a:buSzPts val="1400"/>
               <a:buFont typeface="Arial"/>
               <a:buNone/>
-              <a:defRPr b="0" i="0" sz="1559" u="none" cap="none" strike="noStrike">
+              <a:defRPr sz="1559" b="0" i="0" u="none" strike="noStrike" cap="none">
                 <a:solidFill>
                   <a:schemeClr val="dk1"/>
                 </a:solidFill>
@@ -1115,7 +1108,7 @@
                 <a:sym typeface="Malgun Gothic"/>
               </a:defRPr>
             </a:lvl6pPr>
-            <a:lvl7pPr indent="-228600" lvl="6" marL="3200400" marR="0" rtl="0" algn="l">
+            <a:lvl7pPr marL="3200400" marR="0" lvl="6" indent="-228600" algn="l" rtl="0">
               <a:lnSpc>
                 <a:spcPct val="100000"/>
               </a:lnSpc>
@@ -1131,7 +1124,7 @@
               <a:buSzPts val="1400"/>
               <a:buFont typeface="Arial"/>
               <a:buNone/>
-              <a:defRPr b="0" i="0" sz="1559" u="none" cap="none" strike="noStrike">
+              <a:defRPr sz="1559" b="0" i="0" u="none" strike="noStrike" cap="none">
                 <a:solidFill>
                   <a:schemeClr val="dk1"/>
                 </a:solidFill>
@@ -1141,7 +1134,7 @@
                 <a:sym typeface="Malgun Gothic"/>
               </a:defRPr>
             </a:lvl7pPr>
-            <a:lvl8pPr indent="-228600" lvl="7" marL="3657600" marR="0" rtl="0" algn="l">
+            <a:lvl8pPr marL="3657600" marR="0" lvl="7" indent="-228600" algn="l" rtl="0">
               <a:lnSpc>
                 <a:spcPct val="100000"/>
               </a:lnSpc>
@@ -1157,7 +1150,7 @@
               <a:buSzPts val="1400"/>
               <a:buFont typeface="Arial"/>
               <a:buNone/>
-              <a:defRPr b="0" i="0" sz="1559" u="none" cap="none" strike="noStrike">
+              <a:defRPr sz="1559" b="0" i="0" u="none" strike="noStrike" cap="none">
                 <a:solidFill>
                   <a:schemeClr val="dk1"/>
                 </a:solidFill>
@@ -1167,7 +1160,7 @@
                 <a:sym typeface="Malgun Gothic"/>
               </a:defRPr>
             </a:lvl8pPr>
-            <a:lvl9pPr indent="-228600" lvl="8" marL="4114800" marR="0" rtl="0" algn="l">
+            <a:lvl9pPr marL="4114800" marR="0" lvl="8" indent="-228600" algn="l" rtl="0">
               <a:lnSpc>
                 <a:spcPct val="100000"/>
               </a:lnSpc>
@@ -1183,7 +1176,7 @@
               <a:buSzPts val="1400"/>
               <a:buFont typeface="Arial"/>
               <a:buNone/>
-              <a:defRPr b="0" i="0" sz="1559" u="none" cap="none" strike="noStrike">
+              <a:defRPr sz="1559" b="0" i="0" u="none" strike="noStrike" cap="none">
                 <a:solidFill>
                   <a:schemeClr val="dk1"/>
                 </a:solidFill>
@@ -1194,15 +1187,26 @@
               </a:defRPr>
             </a:lvl9pPr>
           </a:lstStyle>
-          <a:p/>
+          <a:p>
+            <a:pPr>
+              <a:defRPr/>
+            </a:pPr>
+            <a:r>
+              <a:rPr lang="ko-KR" altLang="en-US"/>
+              <a:t/>
+            </a:r>
+            <a:endParaRPr lang="ko-KR" altLang="en-US"/>
+          </a:p>
         </p:txBody>
       </p:sp>
       <p:sp>
         <p:nvSpPr>
           <p:cNvPr id="7" name="Google Shape;7;n"/>
-          <p:cNvSpPr txBox="1"/>
+          <p:cNvSpPr txBox="1">
+            <a:spLocks noGrp="1"/>
+          </p:cNvSpPr>
           <p:nvPr>
-            <p:ph idx="11" type="ftr"/>
+            <p:ph type="ftr" idx="11"/>
           </p:nvPr>
         </p:nvSpPr>
         <p:spPr>
@@ -1219,11 +1223,11 @@
           </a:ln>
         </p:spPr>
         <p:txBody>
-          <a:bodyPr anchorCtr="0" anchor="b" bIns="49525" lIns="99075" spcFirstLastPara="1" rIns="99075" wrap="square" tIns="49525">
+          <a:bodyPr wrap="square" lIns="99075" tIns="49525" rIns="99075" bIns="49525" anchor="b" anchorCtr="0">
             <a:noAutofit/>
           </a:bodyPr>
           <a:lstStyle>
-            <a:lvl1pPr lvl="0" marR="0" rtl="0" algn="l">
+            <a:lvl1pPr marR="0" lvl="0" algn="l" rtl="0">
               <a:lnSpc>
                 <a:spcPct val="100000"/>
               </a:lnSpc>
@@ -1239,7 +1243,7 @@
               <a:buSzPts val="1400"/>
               <a:buFont typeface="Arial"/>
               <a:buNone/>
-              <a:defRPr b="0" i="0" sz="1300" u="none" cap="none" strike="noStrike">
+              <a:defRPr sz="1300" b="0" i="0" u="none" strike="noStrike" cap="none">
                 <a:solidFill>
                   <a:schemeClr val="dk1"/>
                 </a:solidFill>
@@ -1249,7 +1253,7 @@
                 <a:sym typeface="Arial"/>
               </a:defRPr>
             </a:lvl1pPr>
-            <a:lvl2pPr lvl="1" marR="0" rtl="0" algn="l">
+            <a:lvl2pPr marR="0" lvl="1" algn="l" rtl="0">
               <a:lnSpc>
                 <a:spcPct val="100000"/>
               </a:lnSpc>
@@ -1265,7 +1269,7 @@
               <a:buSzPts val="1400"/>
               <a:buFont typeface="Arial"/>
               <a:buNone/>
-              <a:defRPr b="0" i="0" sz="1800" u="none" cap="none" strike="noStrike">
+              <a:defRPr sz="1800" b="0" i="0" u="none" strike="noStrike" cap="none">
                 <a:solidFill>
                   <a:schemeClr val="dk1"/>
                 </a:solidFill>
@@ -1275,7 +1279,7 @@
                 <a:sym typeface="Arial"/>
               </a:defRPr>
             </a:lvl2pPr>
-            <a:lvl3pPr lvl="2" marR="0" rtl="0" algn="l">
+            <a:lvl3pPr marR="0" lvl="2" algn="l" rtl="0">
               <a:lnSpc>
                 <a:spcPct val="100000"/>
               </a:lnSpc>
@@ -1291,7 +1295,7 @@
               <a:buSzPts val="1400"/>
               <a:buFont typeface="Arial"/>
               <a:buNone/>
-              <a:defRPr b="0" i="0" sz="1800" u="none" cap="none" strike="noStrike">
+              <a:defRPr sz="1800" b="0" i="0" u="none" strike="noStrike" cap="none">
                 <a:solidFill>
                   <a:schemeClr val="dk1"/>
                 </a:solidFill>
@@ -1301,7 +1305,7 @@
                 <a:sym typeface="Arial"/>
               </a:defRPr>
             </a:lvl3pPr>
-            <a:lvl4pPr lvl="3" marR="0" rtl="0" algn="l">
+            <a:lvl4pPr marR="0" lvl="3" algn="l" rtl="0">
               <a:lnSpc>
                 <a:spcPct val="100000"/>
               </a:lnSpc>
@@ -1317,7 +1321,7 @@
               <a:buSzPts val="1400"/>
               <a:buFont typeface="Arial"/>
               <a:buNone/>
-              <a:defRPr b="0" i="0" sz="1800" u="none" cap="none" strike="noStrike">
+              <a:defRPr sz="1800" b="0" i="0" u="none" strike="noStrike" cap="none">
                 <a:solidFill>
                   <a:schemeClr val="dk1"/>
                 </a:solidFill>
@@ -1327,7 +1331,7 @@
                 <a:sym typeface="Arial"/>
               </a:defRPr>
             </a:lvl4pPr>
-            <a:lvl5pPr lvl="4" marR="0" rtl="0" algn="l">
+            <a:lvl5pPr marR="0" lvl="4" algn="l" rtl="0">
               <a:lnSpc>
                 <a:spcPct val="100000"/>
               </a:lnSpc>
@@ -1343,7 +1347,7 @@
               <a:buSzPts val="1400"/>
               <a:buFont typeface="Arial"/>
               <a:buNone/>
-              <a:defRPr b="0" i="0" sz="1800" u="none" cap="none" strike="noStrike">
+              <a:defRPr sz="1800" b="0" i="0" u="none" strike="noStrike" cap="none">
                 <a:solidFill>
                   <a:schemeClr val="dk1"/>
                 </a:solidFill>
@@ -1353,7 +1357,7 @@
                 <a:sym typeface="Arial"/>
               </a:defRPr>
             </a:lvl5pPr>
-            <a:lvl6pPr lvl="5" marR="0" rtl="0" algn="l">
+            <a:lvl6pPr marR="0" lvl="5" algn="l" rtl="0">
               <a:lnSpc>
                 <a:spcPct val="100000"/>
               </a:lnSpc>
@@ -1369,7 +1373,7 @@
               <a:buSzPts val="1400"/>
               <a:buFont typeface="Arial"/>
               <a:buNone/>
-              <a:defRPr b="0" i="0" sz="1800" u="none" cap="none" strike="noStrike">
+              <a:defRPr sz="1800" b="0" i="0" u="none" strike="noStrike" cap="none">
                 <a:solidFill>
                   <a:schemeClr val="dk1"/>
                 </a:solidFill>
@@ -1379,7 +1383,7 @@
                 <a:sym typeface="Arial"/>
               </a:defRPr>
             </a:lvl6pPr>
-            <a:lvl7pPr lvl="6" marR="0" rtl="0" algn="l">
+            <a:lvl7pPr marR="0" lvl="6" algn="l" rtl="0">
               <a:lnSpc>
                 <a:spcPct val="100000"/>
               </a:lnSpc>
@@ -1395,7 +1399,7 @@
               <a:buSzPts val="1400"/>
               <a:buFont typeface="Arial"/>
               <a:buNone/>
-              <a:defRPr b="0" i="0" sz="1800" u="none" cap="none" strike="noStrike">
+              <a:defRPr sz="1800" b="0" i="0" u="none" strike="noStrike" cap="none">
                 <a:solidFill>
                   <a:schemeClr val="dk1"/>
                 </a:solidFill>
@@ -1405,7 +1409,7 @@
                 <a:sym typeface="Arial"/>
               </a:defRPr>
             </a:lvl7pPr>
-            <a:lvl8pPr lvl="7" marR="0" rtl="0" algn="l">
+            <a:lvl8pPr marR="0" lvl="7" algn="l" rtl="0">
               <a:lnSpc>
                 <a:spcPct val="100000"/>
               </a:lnSpc>
@@ -1421,7 +1425,7 @@
               <a:buSzPts val="1400"/>
               <a:buFont typeface="Arial"/>
               <a:buNone/>
-              <a:defRPr b="0" i="0" sz="1800" u="none" cap="none" strike="noStrike">
+              <a:defRPr sz="1800" b="0" i="0" u="none" strike="noStrike" cap="none">
                 <a:solidFill>
                   <a:schemeClr val="dk1"/>
                 </a:solidFill>
@@ -1431,7 +1435,7 @@
                 <a:sym typeface="Arial"/>
               </a:defRPr>
             </a:lvl8pPr>
-            <a:lvl9pPr lvl="8" marR="0" rtl="0" algn="l">
+            <a:lvl9pPr marR="0" lvl="8" algn="l" rtl="0">
               <a:lnSpc>
                 <a:spcPct val="100000"/>
               </a:lnSpc>
@@ -1447,7 +1451,7 @@
               <a:buSzPts val="1400"/>
               <a:buFont typeface="Arial"/>
               <a:buNone/>
-              <a:defRPr b="0" i="0" sz="1800" u="none" cap="none" strike="noStrike">
+              <a:defRPr sz="1800" b="0" i="0" u="none" strike="noStrike" cap="none">
                 <a:solidFill>
                   <a:schemeClr val="dk1"/>
                 </a:solidFill>
@@ -1458,15 +1462,26 @@
               </a:defRPr>
             </a:lvl9pPr>
           </a:lstStyle>
-          <a:p/>
+          <a:p>
+            <a:pPr>
+              <a:defRPr/>
+            </a:pPr>
+            <a:r>
+              <a:rPr lang="ko-KR" altLang="en-US"/>
+              <a:t/>
+            </a:r>
+            <a:endParaRPr lang="ko-KR" altLang="en-US"/>
+          </a:p>
         </p:txBody>
       </p:sp>
       <p:sp>
         <p:nvSpPr>
           <p:cNvPr id="8" name="Google Shape;8;n"/>
-          <p:cNvSpPr txBox="1"/>
+          <p:cNvSpPr txBox="1">
+            <a:spLocks noGrp="1"/>
+          </p:cNvSpPr>
           <p:nvPr>
-            <p:ph idx="12" type="sldNum"/>
+            <p:ph type="sldNum" idx="12"/>
           </p:nvPr>
         </p:nvSpPr>
         <p:spPr>
@@ -1483,12 +1498,12 @@
           </a:ln>
         </p:spPr>
         <p:txBody>
-          <a:bodyPr anchorCtr="0" anchor="b" bIns="49525" lIns="99075" spcFirstLastPara="1" rIns="99075" wrap="square" tIns="49525">
+          <a:bodyPr wrap="square" lIns="99075" tIns="49525" rIns="99075" bIns="49525" anchor="b" anchorCtr="0">
             <a:noAutofit/>
           </a:bodyPr>
           <a:lstStyle/>
           <a:p>
-            <a:pPr indent="0" lvl="0" marL="0" marR="0" rtl="0" algn="r">
+            <a:pPr marL="0" marR="0" lvl="0" indent="0" algn="r" rtl="0">
               <a:lnSpc>
                 <a:spcPct val="100000"/>
               </a:lnSpc>
@@ -1501,23 +1516,42 @@
               <a:buClr>
                 <a:srgbClr val="000000"/>
               </a:buClr>
-              <a:buSzPts val="1300"/>
+              <a:buSzPct val="25000"/>
               <a:buFont typeface="Arial"/>
               <a:buNone/>
+              <a:defRPr/>
             </a:pPr>
             <a:fld id="{00000000-1234-1234-1234-123412341234}" type="slidenum">
-              <a:rPr b="0" i="0" lang="en-US" sz="1300" u="none" cap="none" strike="noStrike">
-                <a:solidFill>
-                  <a:schemeClr val="dk1"/>
-                </a:solidFill>
-                <a:latin typeface="Arial"/>
-                <a:ea typeface="Arial"/>
-                <a:cs typeface="Arial"/>
-                <a:sym typeface="Arial"/>
-              </a:rPr>
+              <a:rPr lang="en-US" sz="1300" b="0" i="0" u="none" strike="noStrike" cap="none">
+                <a:solidFill>
+                  <a:schemeClr val="dk1"/>
+                </a:solidFill>
+                <a:latin typeface="Arial"/>
+                <a:ea typeface="Arial"/>
+                <a:cs typeface="Arial"/>
+                <a:sym typeface="Arial"/>
+              </a:rPr>
+              <a:pPr marL="0" marR="0" lvl="0" indent="0" algn="r" rtl="0">
+                <a:lnSpc>
+                  <a:spcPct val="100000"/>
+                </a:lnSpc>
+                <a:spcBef>
+                  <a:spcPts val="0"/>
+                </a:spcBef>
+                <a:spcAft>
+                  <a:spcPts val="0"/>
+                </a:spcAft>
+                <a:buClr>
+                  <a:srgbClr val="000000"/>
+                </a:buClr>
+                <a:buSzPct val="25000"/>
+                <a:buFont typeface="Arial"/>
+                <a:buNone/>
+                <a:defRPr/>
+              </a:pPr>
               <a:t>‹#›</a:t>
             </a:fld>
-            <a:endParaRPr b="0" i="0" sz="1300" u="none" cap="none" strike="noStrike">
+            <a:endParaRPr sz="1300" b="0" i="0" u="none" strike="noStrike" cap="none">
               <a:solidFill>
                 <a:schemeClr val="dk1"/>
               </a:solidFill>
@@ -1531,9 +1565,10 @@
       </p:sp>
     </p:spTree>
   </p:cSld>
-  <p:clrMap accent1="accent1" accent2="accent2" accent3="accent3" accent4="accent4" accent5="accent5" accent6="accent6" bg1="lt1" bg2="dk2" tx1="dk1" tx2="lt2" folHlink="folHlink" hlink="hlink"/>
+  <p:clrMap bg1="lt1" tx1="dk1" bg2="dk2" tx2="lt2" accent1="accent1" accent2="accent2" accent3="accent3" accent4="accent4" accent5="accent5" accent6="accent6" hlink="hlink" folHlink="folHlink"/>
+  <p:hf hdr="0" ftr="0" dt="0"/>
   <p:notesStyle>
-    <a:defPPr lvl="0" marR="0" rtl="0" algn="l">
+    <a:defPPr marR="0" lvl="0" algn="l" rtl="0">
       <a:lnSpc>
         <a:spcPct val="100000"/>
       </a:lnSpc>
@@ -1544,7 +1579,7 @@
         <a:spcPts val="0"/>
       </a:spcAft>
     </a:defPPr>
-    <a:lvl1pPr lvl="0" marR="0" rtl="0" algn="l">
+    <a:lvl1pPr marR="0" lvl="0" algn="l" rtl="0">
       <a:lnSpc>
         <a:spcPct val="100000"/>
       </a:lnSpc>
@@ -1558,7 +1593,7 @@
         <a:srgbClr val="000000"/>
       </a:buClr>
       <a:buFont typeface="Arial"/>
-      <a:defRPr b="0" i="0" sz="1400" u="none" cap="none" strike="noStrike">
+      <a:defRPr sz="1400" b="0" i="0" u="none" strike="noStrike" cap="none">
         <a:solidFill>
           <a:srgbClr val="000000"/>
         </a:solidFill>
@@ -1568,7 +1603,7 @@
         <a:sym typeface="Arial"/>
       </a:defRPr>
     </a:lvl1pPr>
-    <a:lvl2pPr lvl="1" marR="0" rtl="0" algn="l">
+    <a:lvl2pPr marR="0" lvl="1" algn="l" rtl="0">
       <a:lnSpc>
         <a:spcPct val="100000"/>
       </a:lnSpc>
@@ -1582,7 +1617,7 @@
         <a:srgbClr val="000000"/>
       </a:buClr>
       <a:buFont typeface="Arial"/>
-      <a:defRPr b="0" i="0" sz="1400" u="none" cap="none" strike="noStrike">
+      <a:defRPr sz="1400" b="0" i="0" u="none" strike="noStrike" cap="none">
         <a:solidFill>
           <a:srgbClr val="000000"/>
         </a:solidFill>
@@ -1592,7 +1627,7 @@
         <a:sym typeface="Arial"/>
       </a:defRPr>
     </a:lvl2pPr>
-    <a:lvl3pPr lvl="2" marR="0" rtl="0" algn="l">
+    <a:lvl3pPr marR="0" lvl="2" algn="l" rtl="0">
       <a:lnSpc>
         <a:spcPct val="100000"/>
       </a:lnSpc>
@@ -1606,7 +1641,7 @@
         <a:srgbClr val="000000"/>
       </a:buClr>
       <a:buFont typeface="Arial"/>
-      <a:defRPr b="0" i="0" sz="1400" u="none" cap="none" strike="noStrike">
+      <a:defRPr sz="1400" b="0" i="0" u="none" strike="noStrike" cap="none">
         <a:solidFill>
           <a:srgbClr val="000000"/>
         </a:solidFill>
@@ -1616,7 +1651,7 @@
         <a:sym typeface="Arial"/>
       </a:defRPr>
     </a:lvl3pPr>
-    <a:lvl4pPr lvl="3" marR="0" rtl="0" algn="l">
+    <a:lvl4pPr marR="0" lvl="3" algn="l" rtl="0">
       <a:lnSpc>
         <a:spcPct val="100000"/>
       </a:lnSpc>
@@ -1630,7 +1665,7 @@
         <a:srgbClr val="000000"/>
       </a:buClr>
       <a:buFont typeface="Arial"/>
-      <a:defRPr b="0" i="0" sz="1400" u="none" cap="none" strike="noStrike">
+      <a:defRPr sz="1400" b="0" i="0" u="none" strike="noStrike" cap="none">
         <a:solidFill>
           <a:srgbClr val="000000"/>
         </a:solidFill>
@@ -1640,7 +1675,7 @@
         <a:sym typeface="Arial"/>
       </a:defRPr>
     </a:lvl4pPr>
-    <a:lvl5pPr lvl="4" marR="0" rtl="0" algn="l">
+    <a:lvl5pPr marR="0" lvl="4" algn="l" rtl="0">
       <a:lnSpc>
         <a:spcPct val="100000"/>
       </a:lnSpc>
@@ -1654,7 +1689,7 @@
         <a:srgbClr val="000000"/>
       </a:buClr>
       <a:buFont typeface="Arial"/>
-      <a:defRPr b="0" i="0" sz="1400" u="none" cap="none" strike="noStrike">
+      <a:defRPr sz="1400" b="0" i="0" u="none" strike="noStrike" cap="none">
         <a:solidFill>
           <a:srgbClr val="000000"/>
         </a:solidFill>
@@ -1664,7 +1699,7 @@
         <a:sym typeface="Arial"/>
       </a:defRPr>
     </a:lvl5pPr>
-    <a:lvl6pPr lvl="5" marR="0" rtl="0" algn="l">
+    <a:lvl6pPr marR="0" lvl="5" algn="l" rtl="0">
       <a:lnSpc>
         <a:spcPct val="100000"/>
       </a:lnSpc>
@@ -1678,7 +1713,7 @@
         <a:srgbClr val="000000"/>
       </a:buClr>
       <a:buFont typeface="Arial"/>
-      <a:defRPr b="0" i="0" sz="1400" u="none" cap="none" strike="noStrike">
+      <a:defRPr sz="1400" b="0" i="0" u="none" strike="noStrike" cap="none">
         <a:solidFill>
           <a:srgbClr val="000000"/>
         </a:solidFill>
@@ -1688,7 +1723,7 @@
         <a:sym typeface="Arial"/>
       </a:defRPr>
     </a:lvl6pPr>
-    <a:lvl7pPr lvl="6" marR="0" rtl="0" algn="l">
+    <a:lvl7pPr marR="0" lvl="6" algn="l" rtl="0">
       <a:lnSpc>
         <a:spcPct val="100000"/>
       </a:lnSpc>
@@ -1702,7 +1737,7 @@
         <a:srgbClr val="000000"/>
       </a:buClr>
       <a:buFont typeface="Arial"/>
-      <a:defRPr b="0" i="0" sz="1400" u="none" cap="none" strike="noStrike">
+      <a:defRPr sz="1400" b="0" i="0" u="none" strike="noStrike" cap="none">
         <a:solidFill>
           <a:srgbClr val="000000"/>
         </a:solidFill>
@@ -1712,7 +1747,7 @@
         <a:sym typeface="Arial"/>
       </a:defRPr>
     </a:lvl7pPr>
-    <a:lvl8pPr lvl="7" marR="0" rtl="0" algn="l">
+    <a:lvl8pPr marR="0" lvl="7" algn="l" rtl="0">
       <a:lnSpc>
         <a:spcPct val="100000"/>
       </a:lnSpc>
@@ -1726,7 +1761,7 @@
         <a:srgbClr val="000000"/>
       </a:buClr>
       <a:buFont typeface="Arial"/>
-      <a:defRPr b="0" i="0" sz="1400" u="none" cap="none" strike="noStrike">
+      <a:defRPr sz="1400" b="0" i="0" u="none" strike="noStrike" cap="none">
         <a:solidFill>
           <a:srgbClr val="000000"/>
         </a:solidFill>
@@ -1736,7 +1771,7 @@
         <a:sym typeface="Arial"/>
       </a:defRPr>
     </a:lvl8pPr>
-    <a:lvl9pPr lvl="8" marR="0" rtl="0" algn="l">
+    <a:lvl9pPr marR="0" lvl="8" algn="l" rtl="0">
       <a:lnSpc>
         <a:spcPct val="100000"/>
       </a:lnSpc>
@@ -1750,7 +1785,7 @@
         <a:srgbClr val="000000"/>
       </a:buClr>
       <a:buFont typeface="Arial"/>
-      <a:defRPr b="0" i="0" sz="1400" u="none" cap="none" strike="noStrike">
+      <a:defRPr sz="1400" b="0" i="0" u="none" strike="noStrike" cap="none">
         <a:solidFill>
           <a:srgbClr val="000000"/>
         </a:solidFill>
@@ -1765,11 +1800,11 @@
 </file>
 
 <file path=ppt/notesSlides/notesSlide1.xml><?xml version="1.0" encoding="utf-8"?>
-<p:notes xmlns:a="http://schemas.openxmlformats.org/drawingml/2006/main" xmlns:r="http://schemas.openxmlformats.org/officeDocument/2006/relationships" xmlns:mc="http://schemas.openxmlformats.org/markup-compatibility/2006" xmlns:mv="urn:schemas-microsoft-com:mac:vml" xmlns:p="http://schemas.openxmlformats.org/presentationml/2006/main" xmlns:c="http://schemas.openxmlformats.org/drawingml/2006/chart" xmlns:dgm="http://schemas.openxmlformats.org/drawingml/2006/diagram" xmlns:o="urn:schemas-microsoft-com:office:office" xmlns:v="urn:schemas-microsoft-com:vml" xmlns:pvml="urn:schemas-microsoft-com:office:powerpoint" xmlns:com="http://schemas.openxmlformats.org/drawingml/2006/compatibility" xmlns:p14="http://schemas.microsoft.com/office/powerpoint/2010/main" xmlns:p15="http://schemas.microsoft.com/office/powerpoint/2012/main" xmlns:ahyp="http://schemas.microsoft.com/office/drawing/2018/hyperlinkcolor" showMasterPhAnim="0" showMasterSp="0">
+<p:notes xmlns:r="http://schemas.openxmlformats.org/officeDocument/2006/relationships" xmlns:c="http://schemas.openxmlformats.org/drawingml/2006/chart" xmlns:a="http://schemas.openxmlformats.org/drawingml/2006/main" xmlns:dgm="http://schemas.openxmlformats.org/drawingml/2006/diagram" xmlns:dsp="http://schemas.microsoft.com/office/drawing/2008/diagram" xmlns:p="http://schemas.openxmlformats.org/presentationml/2006/main" showMasterSp="0" showMasterPhAnim="0">
   <p:cSld>
     <p:spTree>
       <p:nvGrpSpPr>
-        <p:cNvPr id="26" name="Shape 26"/>
+        <p:cNvPr id="1" name=""/>
         <p:cNvGrpSpPr/>
         <p:nvPr/>
       </p:nvGrpSpPr>
@@ -1784,9 +1819,11 @@
       <p:sp>
         <p:nvSpPr>
           <p:cNvPr id="27" name="Google Shape;27;p1:notes"/>
-          <p:cNvSpPr txBox="1"/>
+          <p:cNvSpPr txBox="1">
+            <a:spLocks noGrp="1"/>
+          </p:cNvSpPr>
           <p:nvPr>
-            <p:ph idx="1" type="body"/>
+            <p:ph type="body" idx="1"/>
           </p:nvPr>
         </p:nvSpPr>
         <p:spPr>
@@ -1803,37 +1840,41 @@
           </a:ln>
         </p:spPr>
         <p:txBody>
-          <a:bodyPr anchorCtr="0" anchor="t" bIns="49525" lIns="99075" spcFirstLastPara="1" rIns="99075" wrap="square" tIns="49525">
+          <a:bodyPr wrap="square" lIns="99075" tIns="49525" rIns="99075" bIns="49525" anchor="t" anchorCtr="0">
             <a:noAutofit/>
           </a:bodyPr>
           <a:lstStyle/>
           <a:p>
-            <a:pPr indent="0" lvl="0" marL="0" rtl="0" algn="l">
-              <a:lnSpc>
-                <a:spcPct val="100000"/>
-              </a:lnSpc>
-              <a:spcBef>
-                <a:spcPts val="468"/>
-              </a:spcBef>
-              <a:spcAft>
-                <a:spcPts val="0"/>
-              </a:spcAft>
-              <a:buSzPts val="1400"/>
-              <a:buNone/>
+            <a:pPr marL="0" lvl="0" indent="0" algn="l" rtl="0">
+              <a:lnSpc>
+                <a:spcPct val="100000"/>
+              </a:lnSpc>
+              <a:spcBef>
+                <a:spcPts val="467"/>
+              </a:spcBef>
+              <a:spcAft>
+                <a:spcPts val="0"/>
+              </a:spcAft>
+              <a:buSzPct val="25000"/>
+              <a:buNone/>
+              <a:defRPr/>
             </a:pPr>
             <a:r>
+              <a:rPr lang="ko-KR" altLang="en-US"/>
               <a:t/>
             </a:r>
-            <a:endParaRPr/>
+            <a:endParaRPr lang="ko-KR" altLang="en-US"/>
           </a:p>
         </p:txBody>
       </p:sp>
       <p:sp>
         <p:nvSpPr>
           <p:cNvPr id="28" name="Google Shape;28;p1:notes"/>
-          <p:cNvSpPr/>
+          <p:cNvSpPr>
+            <a:spLocks noGrp="1" noRot="1" noChangeAspect="1" noTextEdit="1"/>
+          </p:cNvSpPr>
           <p:nvPr>
-            <p:ph idx="2" type="sldImg"/>
+            <p:ph type="sldImg" idx="2"/>
           </p:nvPr>
         </p:nvSpPr>
         <p:spPr>
@@ -1842,9 +1883,11 @@
             <a:ext cx="5116513" cy="3838575"/>
           </a:xfrm>
           <a:custGeom>
-            <a:rect b="b" l="l" r="r" t="t"/>
+            <a:avLst/>
+            <a:gdLst/>
+            <a:rect l="l" t="t" r="r" b="b"/>
             <a:pathLst>
-              <a:path extrusionOk="0" h="120000" w="120000">
+              <a:path w="120000" h="120000" extrusionOk="0">
                 <a:moveTo>
                   <a:pt x="0" y="0"/>
                 </a:moveTo>
@@ -1862,14 +1905,12 @@
             </a:pathLst>
           </a:custGeom>
           <a:noFill/>
-          <a:ln cap="flat" cmpd="sng" w="9525">
+          <a:ln w="9525" cap="flat" cmpd="sng">
             <a:solidFill>
               <a:srgbClr val="000000"/>
             </a:solidFill>
             <a:prstDash val="solid"/>
-            <a:miter lim="800000"/>
-            <a:headEnd len="sm" w="sm" type="none"/>
-            <a:tailEnd len="sm" w="sm" type="none"/>
+            <a:miter/>
           </a:ln>
         </p:spPr>
       </p:sp>
@@ -1882,11 +1923,11 @@
 </file>
 
 <file path=ppt/notesSlides/notesSlide10.xml><?xml version="1.0" encoding="utf-8"?>
-<p:notes xmlns:a="http://schemas.openxmlformats.org/drawingml/2006/main" xmlns:r="http://schemas.openxmlformats.org/officeDocument/2006/relationships" xmlns:mc="http://schemas.openxmlformats.org/markup-compatibility/2006" xmlns:mv="urn:schemas-microsoft-com:mac:vml" xmlns:p="http://schemas.openxmlformats.org/presentationml/2006/main" xmlns:c="http://schemas.openxmlformats.org/drawingml/2006/chart" xmlns:dgm="http://schemas.openxmlformats.org/drawingml/2006/diagram" xmlns:o="urn:schemas-microsoft-com:office:office" xmlns:v="urn:schemas-microsoft-com:vml" xmlns:pvml="urn:schemas-microsoft-com:office:powerpoint" xmlns:com="http://schemas.openxmlformats.org/drawingml/2006/compatibility" xmlns:p14="http://schemas.microsoft.com/office/powerpoint/2010/main" xmlns:p15="http://schemas.microsoft.com/office/powerpoint/2012/main" xmlns:ahyp="http://schemas.microsoft.com/office/drawing/2018/hyperlinkcolor" showMasterPhAnim="0" showMasterSp="0">
+<p:notes xmlns:r="http://schemas.openxmlformats.org/officeDocument/2006/relationships" xmlns:c="http://schemas.openxmlformats.org/drawingml/2006/chart" xmlns:a="http://schemas.openxmlformats.org/drawingml/2006/main" xmlns:dgm="http://schemas.openxmlformats.org/drawingml/2006/diagram" xmlns:dsp="http://schemas.microsoft.com/office/drawing/2008/diagram" xmlns:p="http://schemas.openxmlformats.org/presentationml/2006/main" showMasterSp="0" showMasterPhAnim="0">
   <p:cSld>
     <p:spTree>
       <p:nvGrpSpPr>
-        <p:cNvPr id="113" name="Shape 113"/>
+        <p:cNvPr id="1" name=""/>
         <p:cNvGrpSpPr/>
         <p:nvPr/>
       </p:nvGrpSpPr>
@@ -1901,9 +1942,11 @@
       <p:sp>
         <p:nvSpPr>
           <p:cNvPr id="114" name="Google Shape;114;p10:notes"/>
-          <p:cNvSpPr txBox="1"/>
+          <p:cNvSpPr txBox="1">
+            <a:spLocks noGrp="1"/>
+          </p:cNvSpPr>
           <p:nvPr>
-            <p:ph idx="1" type="body"/>
+            <p:ph type="body" idx="1"/>
           </p:nvPr>
         </p:nvSpPr>
         <p:spPr>
@@ -1920,37 +1963,41 @@
           </a:ln>
         </p:spPr>
         <p:txBody>
-          <a:bodyPr anchorCtr="0" anchor="t" bIns="49525" lIns="99075" spcFirstLastPara="1" rIns="99075" wrap="square" tIns="49525">
+          <a:bodyPr wrap="square" lIns="99075" tIns="49525" rIns="99075" bIns="49525" anchor="t" anchorCtr="0">
             <a:noAutofit/>
           </a:bodyPr>
           <a:lstStyle/>
           <a:p>
-            <a:pPr indent="0" lvl="0" marL="0" rtl="0" algn="l">
-              <a:lnSpc>
-                <a:spcPct val="100000"/>
-              </a:lnSpc>
-              <a:spcBef>
-                <a:spcPts val="468"/>
-              </a:spcBef>
-              <a:spcAft>
-                <a:spcPts val="0"/>
-              </a:spcAft>
-              <a:buSzPts val="1400"/>
-              <a:buNone/>
+            <a:pPr marL="0" lvl="0" indent="0" algn="l" rtl="0">
+              <a:lnSpc>
+                <a:spcPct val="100000"/>
+              </a:lnSpc>
+              <a:spcBef>
+                <a:spcPts val="467"/>
+              </a:spcBef>
+              <a:spcAft>
+                <a:spcPts val="0"/>
+              </a:spcAft>
+              <a:buSzPct val="25000"/>
+              <a:buNone/>
+              <a:defRPr/>
             </a:pPr>
             <a:r>
+              <a:rPr lang="ko-KR" altLang="en-US"/>
               <a:t/>
             </a:r>
-            <a:endParaRPr/>
+            <a:endParaRPr lang="ko-KR" altLang="en-US"/>
           </a:p>
         </p:txBody>
       </p:sp>
       <p:sp>
         <p:nvSpPr>
           <p:cNvPr id="115" name="Google Shape;115;p10:notes"/>
-          <p:cNvSpPr/>
+          <p:cNvSpPr>
+            <a:spLocks noGrp="1" noRot="1" noChangeAspect="1" noTextEdit="1"/>
+          </p:cNvSpPr>
           <p:nvPr>
-            <p:ph idx="2" type="sldImg"/>
+            <p:ph type="sldImg" idx="2"/>
           </p:nvPr>
         </p:nvSpPr>
         <p:spPr>
@@ -1959,9 +2006,11 @@
             <a:ext cx="5116513" cy="3838575"/>
           </a:xfrm>
           <a:custGeom>
-            <a:rect b="b" l="l" r="r" t="t"/>
+            <a:avLst/>
+            <a:gdLst/>
+            <a:rect l="l" t="t" r="r" b="b"/>
             <a:pathLst>
-              <a:path extrusionOk="0" h="120000" w="120000">
+              <a:path w="120000" h="120000" extrusionOk="0">
                 <a:moveTo>
                   <a:pt x="0" y="0"/>
                 </a:moveTo>
@@ -1979,14 +2028,12 @@
             </a:pathLst>
           </a:custGeom>
           <a:noFill/>
-          <a:ln cap="flat" cmpd="sng" w="9525">
+          <a:ln w="9525" cap="flat" cmpd="sng">
             <a:solidFill>
               <a:srgbClr val="000000"/>
             </a:solidFill>
             <a:prstDash val="solid"/>
-            <a:miter lim="800000"/>
-            <a:headEnd len="sm" w="sm" type="none"/>
-            <a:tailEnd len="sm" w="sm" type="none"/>
+            <a:miter/>
           </a:ln>
         </p:spPr>
       </p:sp>
@@ -1999,11 +2046,11 @@
 </file>
 
 <file path=ppt/notesSlides/notesSlide11.xml><?xml version="1.0" encoding="utf-8"?>
-<p:notes xmlns:a="http://schemas.openxmlformats.org/drawingml/2006/main" xmlns:r="http://schemas.openxmlformats.org/officeDocument/2006/relationships" xmlns:mc="http://schemas.openxmlformats.org/markup-compatibility/2006" xmlns:mv="urn:schemas-microsoft-com:mac:vml" xmlns:p="http://schemas.openxmlformats.org/presentationml/2006/main" xmlns:c="http://schemas.openxmlformats.org/drawingml/2006/chart" xmlns:dgm="http://schemas.openxmlformats.org/drawingml/2006/diagram" xmlns:o="urn:schemas-microsoft-com:office:office" xmlns:v="urn:schemas-microsoft-com:vml" xmlns:pvml="urn:schemas-microsoft-com:office:powerpoint" xmlns:com="http://schemas.openxmlformats.org/drawingml/2006/compatibility" xmlns:p14="http://schemas.microsoft.com/office/powerpoint/2010/main" xmlns:p15="http://schemas.microsoft.com/office/powerpoint/2012/main" xmlns:ahyp="http://schemas.microsoft.com/office/drawing/2018/hyperlinkcolor" showMasterPhAnim="0" showMasterSp="0">
+<p:notes xmlns:r="http://schemas.openxmlformats.org/officeDocument/2006/relationships" xmlns:c="http://schemas.openxmlformats.org/drawingml/2006/chart" xmlns:a="http://schemas.openxmlformats.org/drawingml/2006/main" xmlns:dgm="http://schemas.openxmlformats.org/drawingml/2006/diagram" xmlns:dsp="http://schemas.microsoft.com/office/drawing/2008/diagram" xmlns:p="http://schemas.openxmlformats.org/presentationml/2006/main" showMasterSp="0" showMasterPhAnim="0">
   <p:cSld>
     <p:spTree>
       <p:nvGrpSpPr>
-        <p:cNvPr id="121" name="Shape 121"/>
+        <p:cNvPr id="1" name=""/>
         <p:cNvGrpSpPr/>
         <p:nvPr/>
       </p:nvGrpSpPr>
@@ -2018,9 +2065,11 @@
       <p:sp>
         <p:nvSpPr>
           <p:cNvPr id="122" name="Google Shape;122;p11:notes"/>
-          <p:cNvSpPr txBox="1"/>
+          <p:cNvSpPr txBox="1">
+            <a:spLocks noGrp="1"/>
+          </p:cNvSpPr>
           <p:nvPr>
-            <p:ph idx="1" type="body"/>
+            <p:ph type="body" idx="1"/>
           </p:nvPr>
         </p:nvSpPr>
         <p:spPr>
@@ -2037,37 +2086,41 @@
           </a:ln>
         </p:spPr>
         <p:txBody>
-          <a:bodyPr anchorCtr="0" anchor="t" bIns="49525" lIns="99075" spcFirstLastPara="1" rIns="99075" wrap="square" tIns="49525">
+          <a:bodyPr wrap="square" lIns="99075" tIns="49525" rIns="99075" bIns="49525" anchor="t" anchorCtr="0">
             <a:noAutofit/>
           </a:bodyPr>
           <a:lstStyle/>
           <a:p>
-            <a:pPr indent="0" lvl="0" marL="0" rtl="0" algn="l">
-              <a:lnSpc>
-                <a:spcPct val="100000"/>
-              </a:lnSpc>
-              <a:spcBef>
-                <a:spcPts val="468"/>
-              </a:spcBef>
-              <a:spcAft>
-                <a:spcPts val="0"/>
-              </a:spcAft>
-              <a:buSzPts val="1400"/>
-              <a:buNone/>
+            <a:pPr marL="0" lvl="0" indent="0" algn="l" rtl="0">
+              <a:lnSpc>
+                <a:spcPct val="100000"/>
+              </a:lnSpc>
+              <a:spcBef>
+                <a:spcPts val="467"/>
+              </a:spcBef>
+              <a:spcAft>
+                <a:spcPts val="0"/>
+              </a:spcAft>
+              <a:buSzPct val="25000"/>
+              <a:buNone/>
+              <a:defRPr/>
             </a:pPr>
             <a:r>
+              <a:rPr lang="ko-KR" altLang="en-US"/>
               <a:t/>
             </a:r>
-            <a:endParaRPr/>
+            <a:endParaRPr lang="ko-KR" altLang="en-US"/>
           </a:p>
         </p:txBody>
       </p:sp>
       <p:sp>
         <p:nvSpPr>
           <p:cNvPr id="123" name="Google Shape;123;p11:notes"/>
-          <p:cNvSpPr/>
+          <p:cNvSpPr>
+            <a:spLocks noGrp="1" noRot="1" noChangeAspect="1" noTextEdit="1"/>
+          </p:cNvSpPr>
           <p:nvPr>
-            <p:ph idx="2" type="sldImg"/>
+            <p:ph type="sldImg" idx="2"/>
           </p:nvPr>
         </p:nvSpPr>
         <p:spPr>
@@ -2076,9 +2129,11 @@
             <a:ext cx="5116513" cy="3838575"/>
           </a:xfrm>
           <a:custGeom>
-            <a:rect b="b" l="l" r="r" t="t"/>
+            <a:avLst/>
+            <a:gdLst/>
+            <a:rect l="l" t="t" r="r" b="b"/>
             <a:pathLst>
-              <a:path extrusionOk="0" h="120000" w="120000">
+              <a:path w="120000" h="120000" extrusionOk="0">
                 <a:moveTo>
                   <a:pt x="0" y="0"/>
                 </a:moveTo>
@@ -2096,14 +2151,12 @@
             </a:pathLst>
           </a:custGeom>
           <a:noFill/>
-          <a:ln cap="flat" cmpd="sng" w="9525">
+          <a:ln w="9525" cap="flat" cmpd="sng">
             <a:solidFill>
               <a:srgbClr val="000000"/>
             </a:solidFill>
             <a:prstDash val="solid"/>
-            <a:miter lim="800000"/>
-            <a:headEnd len="sm" w="sm" type="none"/>
-            <a:tailEnd len="sm" w="sm" type="none"/>
+            <a:miter/>
           </a:ln>
         </p:spPr>
       </p:sp>
@@ -2116,11 +2169,11 @@
 </file>
 
 <file path=ppt/notesSlides/notesSlide12.xml><?xml version="1.0" encoding="utf-8"?>
-<p:notes xmlns:a="http://schemas.openxmlformats.org/drawingml/2006/main" xmlns:r="http://schemas.openxmlformats.org/officeDocument/2006/relationships" xmlns:mc="http://schemas.openxmlformats.org/markup-compatibility/2006" xmlns:mv="urn:schemas-microsoft-com:mac:vml" xmlns:p="http://schemas.openxmlformats.org/presentationml/2006/main" xmlns:c="http://schemas.openxmlformats.org/drawingml/2006/chart" xmlns:dgm="http://schemas.openxmlformats.org/drawingml/2006/diagram" xmlns:o="urn:schemas-microsoft-com:office:office" xmlns:v="urn:schemas-microsoft-com:vml" xmlns:pvml="urn:schemas-microsoft-com:office:powerpoint" xmlns:com="http://schemas.openxmlformats.org/drawingml/2006/compatibility" xmlns:p14="http://schemas.microsoft.com/office/powerpoint/2010/main" xmlns:p15="http://schemas.microsoft.com/office/powerpoint/2012/main" xmlns:ahyp="http://schemas.microsoft.com/office/drawing/2018/hyperlinkcolor" showMasterPhAnim="0" showMasterSp="0">
+<p:notes xmlns:r="http://schemas.openxmlformats.org/officeDocument/2006/relationships" xmlns:c="http://schemas.openxmlformats.org/drawingml/2006/chart" xmlns:a="http://schemas.openxmlformats.org/drawingml/2006/main" xmlns:dgm="http://schemas.openxmlformats.org/drawingml/2006/diagram" xmlns:dsp="http://schemas.microsoft.com/office/drawing/2008/diagram" xmlns:p="http://schemas.openxmlformats.org/presentationml/2006/main" showMasterSp="0" showMasterPhAnim="0">
   <p:cSld>
     <p:spTree>
       <p:nvGrpSpPr>
-        <p:cNvPr id="129" name="Shape 129"/>
+        <p:cNvPr id="1" name=""/>
         <p:cNvGrpSpPr/>
         <p:nvPr/>
       </p:nvGrpSpPr>
@@ -2135,9 +2188,11 @@
       <p:sp>
         <p:nvSpPr>
           <p:cNvPr id="130" name="Google Shape;130;p12:notes"/>
-          <p:cNvSpPr txBox="1"/>
+          <p:cNvSpPr txBox="1">
+            <a:spLocks noGrp="1"/>
+          </p:cNvSpPr>
           <p:nvPr>
-            <p:ph idx="1" type="body"/>
+            <p:ph type="body" idx="1"/>
           </p:nvPr>
         </p:nvSpPr>
         <p:spPr>
@@ -2154,37 +2209,41 @@
           </a:ln>
         </p:spPr>
         <p:txBody>
-          <a:bodyPr anchorCtr="0" anchor="t" bIns="49525" lIns="99075" spcFirstLastPara="1" rIns="99075" wrap="square" tIns="49525">
+          <a:bodyPr wrap="square" lIns="99075" tIns="49525" rIns="99075" bIns="49525" anchor="t" anchorCtr="0">
             <a:noAutofit/>
           </a:bodyPr>
           <a:lstStyle/>
           <a:p>
-            <a:pPr indent="0" lvl="0" marL="0" rtl="0" algn="l">
-              <a:lnSpc>
-                <a:spcPct val="100000"/>
-              </a:lnSpc>
-              <a:spcBef>
-                <a:spcPts val="468"/>
-              </a:spcBef>
-              <a:spcAft>
-                <a:spcPts val="0"/>
-              </a:spcAft>
-              <a:buSzPts val="1400"/>
-              <a:buNone/>
+            <a:pPr marL="0" lvl="0" indent="0" algn="l" rtl="0">
+              <a:lnSpc>
+                <a:spcPct val="100000"/>
+              </a:lnSpc>
+              <a:spcBef>
+                <a:spcPts val="467"/>
+              </a:spcBef>
+              <a:spcAft>
+                <a:spcPts val="0"/>
+              </a:spcAft>
+              <a:buSzPct val="25000"/>
+              <a:buNone/>
+              <a:defRPr/>
             </a:pPr>
             <a:r>
+              <a:rPr lang="ko-KR" altLang="en-US"/>
               <a:t/>
             </a:r>
-            <a:endParaRPr/>
+            <a:endParaRPr lang="ko-KR" altLang="en-US"/>
           </a:p>
         </p:txBody>
       </p:sp>
       <p:sp>
         <p:nvSpPr>
           <p:cNvPr id="131" name="Google Shape;131;p12:notes"/>
-          <p:cNvSpPr/>
+          <p:cNvSpPr>
+            <a:spLocks noGrp="1" noRot="1" noChangeAspect="1" noTextEdit="1"/>
+          </p:cNvSpPr>
           <p:nvPr>
-            <p:ph idx="2" type="sldImg"/>
+            <p:ph type="sldImg" idx="2"/>
           </p:nvPr>
         </p:nvSpPr>
         <p:spPr>
@@ -2193,9 +2252,11 @@
             <a:ext cx="5116513" cy="3838575"/>
           </a:xfrm>
           <a:custGeom>
-            <a:rect b="b" l="l" r="r" t="t"/>
+            <a:avLst/>
+            <a:gdLst/>
+            <a:rect l="l" t="t" r="r" b="b"/>
             <a:pathLst>
-              <a:path extrusionOk="0" h="120000" w="120000">
+              <a:path w="120000" h="120000" extrusionOk="0">
                 <a:moveTo>
                   <a:pt x="0" y="0"/>
                 </a:moveTo>
@@ -2213,14 +2274,12 @@
             </a:pathLst>
           </a:custGeom>
           <a:noFill/>
-          <a:ln cap="flat" cmpd="sng" w="9525">
+          <a:ln w="9525" cap="flat" cmpd="sng">
             <a:solidFill>
               <a:srgbClr val="000000"/>
             </a:solidFill>
             <a:prstDash val="solid"/>
-            <a:miter lim="800000"/>
-            <a:headEnd len="sm" w="sm" type="none"/>
-            <a:tailEnd len="sm" w="sm" type="none"/>
+            <a:miter/>
           </a:ln>
         </p:spPr>
       </p:sp>
@@ -2233,11 +2292,11 @@
 </file>
 
 <file path=ppt/notesSlides/notesSlide13.xml><?xml version="1.0" encoding="utf-8"?>
-<p:notes xmlns:a="http://schemas.openxmlformats.org/drawingml/2006/main" xmlns:r="http://schemas.openxmlformats.org/officeDocument/2006/relationships" xmlns:mc="http://schemas.openxmlformats.org/markup-compatibility/2006" xmlns:mv="urn:schemas-microsoft-com:mac:vml" xmlns:p="http://schemas.openxmlformats.org/presentationml/2006/main" xmlns:c="http://schemas.openxmlformats.org/drawingml/2006/chart" xmlns:dgm="http://schemas.openxmlformats.org/drawingml/2006/diagram" xmlns:o="urn:schemas-microsoft-com:office:office" xmlns:v="urn:schemas-microsoft-com:vml" xmlns:pvml="urn:schemas-microsoft-com:office:powerpoint" xmlns:com="http://schemas.openxmlformats.org/drawingml/2006/compatibility" xmlns:p14="http://schemas.microsoft.com/office/powerpoint/2010/main" xmlns:p15="http://schemas.microsoft.com/office/powerpoint/2012/main" xmlns:ahyp="http://schemas.microsoft.com/office/drawing/2018/hyperlinkcolor" showMasterPhAnim="0" showMasterSp="0">
+<p:notes xmlns:r="http://schemas.openxmlformats.org/officeDocument/2006/relationships" xmlns:c="http://schemas.openxmlformats.org/drawingml/2006/chart" xmlns:a="http://schemas.openxmlformats.org/drawingml/2006/main" xmlns:dgm="http://schemas.openxmlformats.org/drawingml/2006/diagram" xmlns:dsp="http://schemas.microsoft.com/office/drawing/2008/diagram" xmlns:p="http://schemas.openxmlformats.org/presentationml/2006/main" showMasterSp="0" showMasterPhAnim="0">
   <p:cSld>
     <p:spTree>
       <p:nvGrpSpPr>
-        <p:cNvPr id="139" name="Shape 139"/>
+        <p:cNvPr id="1" name=""/>
         <p:cNvGrpSpPr/>
         <p:nvPr/>
       </p:nvGrpSpPr>
@@ -2252,9 +2311,11 @@
       <p:sp>
         <p:nvSpPr>
           <p:cNvPr id="140" name="Google Shape;140;p13:notes"/>
-          <p:cNvSpPr txBox="1"/>
+          <p:cNvSpPr txBox="1">
+            <a:spLocks noGrp="1"/>
+          </p:cNvSpPr>
           <p:nvPr>
-            <p:ph idx="1" type="body"/>
+            <p:ph type="body" idx="1"/>
           </p:nvPr>
         </p:nvSpPr>
         <p:spPr>
@@ -2271,37 +2332,41 @@
           </a:ln>
         </p:spPr>
         <p:txBody>
-          <a:bodyPr anchorCtr="0" anchor="t" bIns="49525" lIns="99075" spcFirstLastPara="1" rIns="99075" wrap="square" tIns="49525">
+          <a:bodyPr wrap="square" lIns="99075" tIns="49525" rIns="99075" bIns="49525" anchor="t" anchorCtr="0">
             <a:noAutofit/>
           </a:bodyPr>
           <a:lstStyle/>
           <a:p>
-            <a:pPr indent="0" lvl="0" marL="0" rtl="0" algn="l">
-              <a:lnSpc>
-                <a:spcPct val="100000"/>
-              </a:lnSpc>
-              <a:spcBef>
-                <a:spcPts val="468"/>
-              </a:spcBef>
-              <a:spcAft>
-                <a:spcPts val="0"/>
-              </a:spcAft>
-              <a:buSzPts val="1400"/>
-              <a:buNone/>
+            <a:pPr marL="0" lvl="0" indent="0" algn="l" rtl="0">
+              <a:lnSpc>
+                <a:spcPct val="100000"/>
+              </a:lnSpc>
+              <a:spcBef>
+                <a:spcPts val="467"/>
+              </a:spcBef>
+              <a:spcAft>
+                <a:spcPts val="0"/>
+              </a:spcAft>
+              <a:buSzPct val="25000"/>
+              <a:buNone/>
+              <a:defRPr/>
             </a:pPr>
             <a:r>
+              <a:rPr lang="ko-KR" altLang="en-US"/>
               <a:t/>
             </a:r>
-            <a:endParaRPr/>
+            <a:endParaRPr lang="ko-KR" altLang="en-US"/>
           </a:p>
         </p:txBody>
       </p:sp>
       <p:sp>
         <p:nvSpPr>
           <p:cNvPr id="141" name="Google Shape;141;p13:notes"/>
-          <p:cNvSpPr/>
+          <p:cNvSpPr>
+            <a:spLocks noGrp="1" noRot="1" noChangeAspect="1" noTextEdit="1"/>
+          </p:cNvSpPr>
           <p:nvPr>
-            <p:ph idx="2" type="sldImg"/>
+            <p:ph type="sldImg" idx="2"/>
           </p:nvPr>
         </p:nvSpPr>
         <p:spPr>
@@ -2310,9 +2375,11 @@
             <a:ext cx="5116513" cy="3838575"/>
           </a:xfrm>
           <a:custGeom>
-            <a:rect b="b" l="l" r="r" t="t"/>
+            <a:avLst/>
+            <a:gdLst/>
+            <a:rect l="l" t="t" r="r" b="b"/>
             <a:pathLst>
-              <a:path extrusionOk="0" h="120000" w="120000">
+              <a:path w="120000" h="120000" extrusionOk="0">
                 <a:moveTo>
                   <a:pt x="0" y="0"/>
                 </a:moveTo>
@@ -2330,14 +2397,12 @@
             </a:pathLst>
           </a:custGeom>
           <a:noFill/>
-          <a:ln cap="flat" cmpd="sng" w="9525">
+          <a:ln w="9525" cap="flat" cmpd="sng">
             <a:solidFill>
               <a:srgbClr val="000000"/>
             </a:solidFill>
             <a:prstDash val="solid"/>
-            <a:miter lim="800000"/>
-            <a:headEnd len="sm" w="sm" type="none"/>
-            <a:tailEnd len="sm" w="sm" type="none"/>
+            <a:miter/>
           </a:ln>
         </p:spPr>
       </p:sp>
@@ -2350,11 +2415,11 @@
 </file>
 
 <file path=ppt/notesSlides/notesSlide14.xml><?xml version="1.0" encoding="utf-8"?>
-<p:notes xmlns:a="http://schemas.openxmlformats.org/drawingml/2006/main" xmlns:r="http://schemas.openxmlformats.org/officeDocument/2006/relationships" xmlns:mc="http://schemas.openxmlformats.org/markup-compatibility/2006" xmlns:mv="urn:schemas-microsoft-com:mac:vml" xmlns:p="http://schemas.openxmlformats.org/presentationml/2006/main" xmlns:c="http://schemas.openxmlformats.org/drawingml/2006/chart" xmlns:dgm="http://schemas.openxmlformats.org/drawingml/2006/diagram" xmlns:o="urn:schemas-microsoft-com:office:office" xmlns:v="urn:schemas-microsoft-com:vml" xmlns:pvml="urn:schemas-microsoft-com:office:powerpoint" xmlns:com="http://schemas.openxmlformats.org/drawingml/2006/compatibility" xmlns:p14="http://schemas.microsoft.com/office/powerpoint/2010/main" xmlns:p15="http://schemas.microsoft.com/office/powerpoint/2012/main" xmlns:ahyp="http://schemas.microsoft.com/office/drawing/2018/hyperlinkcolor" showMasterPhAnim="0" showMasterSp="0">
+<p:notes xmlns:r="http://schemas.openxmlformats.org/officeDocument/2006/relationships" xmlns:c="http://schemas.openxmlformats.org/drawingml/2006/chart" xmlns:a="http://schemas.openxmlformats.org/drawingml/2006/main" xmlns:dgm="http://schemas.openxmlformats.org/drawingml/2006/diagram" xmlns:dsp="http://schemas.microsoft.com/office/drawing/2008/diagram" xmlns:p="http://schemas.openxmlformats.org/presentationml/2006/main" showMasterSp="0" showMasterPhAnim="0">
   <p:cSld>
     <p:spTree>
       <p:nvGrpSpPr>
-        <p:cNvPr id="146" name="Shape 146"/>
+        <p:cNvPr id="1" name=""/>
         <p:cNvGrpSpPr/>
         <p:nvPr/>
       </p:nvGrpSpPr>
@@ -2369,9 +2434,11 @@
       <p:sp>
         <p:nvSpPr>
           <p:cNvPr id="147" name="Google Shape;147;p14:notes"/>
-          <p:cNvSpPr txBox="1"/>
+          <p:cNvSpPr txBox="1">
+            <a:spLocks noGrp="1"/>
+          </p:cNvSpPr>
           <p:nvPr>
-            <p:ph idx="1" type="body"/>
+            <p:ph type="body" idx="1"/>
           </p:nvPr>
         </p:nvSpPr>
         <p:spPr>
@@ -2388,37 +2455,41 @@
           </a:ln>
         </p:spPr>
         <p:txBody>
-          <a:bodyPr anchorCtr="0" anchor="t" bIns="49525" lIns="99075" spcFirstLastPara="1" rIns="99075" wrap="square" tIns="49525">
+          <a:bodyPr wrap="square" lIns="99075" tIns="49525" rIns="99075" bIns="49525" anchor="t" anchorCtr="0">
             <a:noAutofit/>
           </a:bodyPr>
           <a:lstStyle/>
           <a:p>
-            <a:pPr indent="0" lvl="0" marL="0" rtl="0" algn="l">
-              <a:lnSpc>
-                <a:spcPct val="100000"/>
-              </a:lnSpc>
-              <a:spcBef>
-                <a:spcPts val="468"/>
-              </a:spcBef>
-              <a:spcAft>
-                <a:spcPts val="0"/>
-              </a:spcAft>
-              <a:buSzPts val="1400"/>
-              <a:buNone/>
+            <a:pPr marL="0" lvl="0" indent="0" algn="l" rtl="0">
+              <a:lnSpc>
+                <a:spcPct val="100000"/>
+              </a:lnSpc>
+              <a:spcBef>
+                <a:spcPts val="467"/>
+              </a:spcBef>
+              <a:spcAft>
+                <a:spcPts val="0"/>
+              </a:spcAft>
+              <a:buSzPct val="25000"/>
+              <a:buNone/>
+              <a:defRPr/>
             </a:pPr>
             <a:r>
+              <a:rPr lang="ko-KR" altLang="en-US"/>
               <a:t/>
             </a:r>
-            <a:endParaRPr/>
+            <a:endParaRPr lang="ko-KR" altLang="en-US"/>
           </a:p>
         </p:txBody>
       </p:sp>
       <p:sp>
         <p:nvSpPr>
           <p:cNvPr id="148" name="Google Shape;148;p14:notes"/>
-          <p:cNvSpPr/>
+          <p:cNvSpPr>
+            <a:spLocks noGrp="1" noRot="1" noChangeAspect="1" noTextEdit="1"/>
+          </p:cNvSpPr>
           <p:nvPr>
-            <p:ph idx="2" type="sldImg"/>
+            <p:ph type="sldImg" idx="2"/>
           </p:nvPr>
         </p:nvSpPr>
         <p:spPr>
@@ -2427,9 +2498,11 @@
             <a:ext cx="5116513" cy="3838575"/>
           </a:xfrm>
           <a:custGeom>
-            <a:rect b="b" l="l" r="r" t="t"/>
+            <a:avLst/>
+            <a:gdLst/>
+            <a:rect l="l" t="t" r="r" b="b"/>
             <a:pathLst>
-              <a:path extrusionOk="0" h="120000" w="120000">
+              <a:path w="120000" h="120000" extrusionOk="0">
                 <a:moveTo>
                   <a:pt x="0" y="0"/>
                 </a:moveTo>
@@ -2447,14 +2520,12 @@
             </a:pathLst>
           </a:custGeom>
           <a:noFill/>
-          <a:ln cap="flat" cmpd="sng" w="9525">
+          <a:ln w="9525" cap="flat" cmpd="sng">
             <a:solidFill>
               <a:srgbClr val="000000"/>
             </a:solidFill>
             <a:prstDash val="solid"/>
-            <a:miter lim="800000"/>
-            <a:headEnd len="sm" w="sm" type="none"/>
-            <a:tailEnd len="sm" w="sm" type="none"/>
+            <a:miter/>
           </a:ln>
         </p:spPr>
       </p:sp>
@@ -2467,11 +2538,11 @@
 </file>
 
 <file path=ppt/notesSlides/notesSlide15.xml><?xml version="1.0" encoding="utf-8"?>
-<p:notes xmlns:a="http://schemas.openxmlformats.org/drawingml/2006/main" xmlns:r="http://schemas.openxmlformats.org/officeDocument/2006/relationships" xmlns:mc="http://schemas.openxmlformats.org/markup-compatibility/2006" xmlns:mv="urn:schemas-microsoft-com:mac:vml" xmlns:p="http://schemas.openxmlformats.org/presentationml/2006/main" xmlns:c="http://schemas.openxmlformats.org/drawingml/2006/chart" xmlns:dgm="http://schemas.openxmlformats.org/drawingml/2006/diagram" xmlns:o="urn:schemas-microsoft-com:office:office" xmlns:v="urn:schemas-microsoft-com:vml" xmlns:pvml="urn:schemas-microsoft-com:office:powerpoint" xmlns:com="http://schemas.openxmlformats.org/drawingml/2006/compatibility" xmlns:p14="http://schemas.microsoft.com/office/powerpoint/2010/main" xmlns:p15="http://schemas.microsoft.com/office/powerpoint/2012/main" xmlns:ahyp="http://schemas.microsoft.com/office/drawing/2018/hyperlinkcolor" showMasterPhAnim="0" showMasterSp="0">
+<p:notes xmlns:r="http://schemas.openxmlformats.org/officeDocument/2006/relationships" xmlns:c="http://schemas.openxmlformats.org/drawingml/2006/chart" xmlns:a="http://schemas.openxmlformats.org/drawingml/2006/main" xmlns:dgm="http://schemas.openxmlformats.org/drawingml/2006/diagram" xmlns:dsp="http://schemas.microsoft.com/office/drawing/2008/diagram" xmlns:p="http://schemas.openxmlformats.org/presentationml/2006/main" showMasterSp="0" showMasterPhAnim="0">
   <p:cSld>
     <p:spTree>
       <p:nvGrpSpPr>
-        <p:cNvPr id="153" name="Shape 153"/>
+        <p:cNvPr id="1" name=""/>
         <p:cNvGrpSpPr/>
         <p:nvPr/>
       </p:nvGrpSpPr>
@@ -2486,9 +2557,11 @@
       <p:sp>
         <p:nvSpPr>
           <p:cNvPr id="154" name="Google Shape;154;p15:notes"/>
-          <p:cNvSpPr txBox="1"/>
+          <p:cNvSpPr txBox="1">
+            <a:spLocks noGrp="1"/>
+          </p:cNvSpPr>
           <p:nvPr>
-            <p:ph idx="1" type="body"/>
+            <p:ph type="body" idx="1"/>
           </p:nvPr>
         </p:nvSpPr>
         <p:spPr>
@@ -2505,37 +2578,41 @@
           </a:ln>
         </p:spPr>
         <p:txBody>
-          <a:bodyPr anchorCtr="0" anchor="t" bIns="49525" lIns="99075" spcFirstLastPara="1" rIns="99075" wrap="square" tIns="49525">
+          <a:bodyPr wrap="square" lIns="99075" tIns="49525" rIns="99075" bIns="49525" anchor="t" anchorCtr="0">
             <a:noAutofit/>
           </a:bodyPr>
           <a:lstStyle/>
           <a:p>
-            <a:pPr indent="0" lvl="0" marL="0" rtl="0" algn="l">
-              <a:lnSpc>
-                <a:spcPct val="100000"/>
-              </a:lnSpc>
-              <a:spcBef>
-                <a:spcPts val="468"/>
-              </a:spcBef>
-              <a:spcAft>
-                <a:spcPts val="0"/>
-              </a:spcAft>
-              <a:buSzPts val="1400"/>
-              <a:buNone/>
+            <a:pPr marL="0" lvl="0" indent="0" algn="l" rtl="0">
+              <a:lnSpc>
+                <a:spcPct val="100000"/>
+              </a:lnSpc>
+              <a:spcBef>
+                <a:spcPts val="467"/>
+              </a:spcBef>
+              <a:spcAft>
+                <a:spcPts val="0"/>
+              </a:spcAft>
+              <a:buSzPct val="25000"/>
+              <a:buNone/>
+              <a:defRPr/>
             </a:pPr>
             <a:r>
+              <a:rPr lang="ko-KR" altLang="en-US"/>
               <a:t/>
             </a:r>
-            <a:endParaRPr/>
+            <a:endParaRPr lang="ko-KR" altLang="en-US"/>
           </a:p>
         </p:txBody>
       </p:sp>
       <p:sp>
         <p:nvSpPr>
           <p:cNvPr id="155" name="Google Shape;155;p15:notes"/>
-          <p:cNvSpPr/>
+          <p:cNvSpPr>
+            <a:spLocks noGrp="1" noRot="1" noChangeAspect="1" noTextEdit="1"/>
+          </p:cNvSpPr>
           <p:nvPr>
-            <p:ph idx="2" type="sldImg"/>
+            <p:ph type="sldImg" idx="2"/>
           </p:nvPr>
         </p:nvSpPr>
         <p:spPr>
@@ -2544,9 +2621,11 @@
             <a:ext cx="5116513" cy="3838575"/>
           </a:xfrm>
           <a:custGeom>
-            <a:rect b="b" l="l" r="r" t="t"/>
+            <a:avLst/>
+            <a:gdLst/>
+            <a:rect l="l" t="t" r="r" b="b"/>
             <a:pathLst>
-              <a:path extrusionOk="0" h="120000" w="120000">
+              <a:path w="120000" h="120000" extrusionOk="0">
                 <a:moveTo>
                   <a:pt x="0" y="0"/>
                 </a:moveTo>
@@ -2564,14 +2643,12 @@
             </a:pathLst>
           </a:custGeom>
           <a:noFill/>
-          <a:ln cap="flat" cmpd="sng" w="9525">
+          <a:ln w="9525" cap="flat" cmpd="sng">
             <a:solidFill>
               <a:srgbClr val="000000"/>
             </a:solidFill>
             <a:prstDash val="solid"/>
-            <a:miter lim="800000"/>
-            <a:headEnd len="sm" w="sm" type="none"/>
-            <a:tailEnd len="sm" w="sm" type="none"/>
+            <a:miter/>
           </a:ln>
         </p:spPr>
       </p:sp>
@@ -2584,11 +2661,11 @@
 </file>
 
 <file path=ppt/notesSlides/notesSlide16.xml><?xml version="1.0" encoding="utf-8"?>
-<p:notes xmlns:a="http://schemas.openxmlformats.org/drawingml/2006/main" xmlns:r="http://schemas.openxmlformats.org/officeDocument/2006/relationships" xmlns:mc="http://schemas.openxmlformats.org/markup-compatibility/2006" xmlns:mv="urn:schemas-microsoft-com:mac:vml" xmlns:p="http://schemas.openxmlformats.org/presentationml/2006/main" xmlns:c="http://schemas.openxmlformats.org/drawingml/2006/chart" xmlns:dgm="http://schemas.openxmlformats.org/drawingml/2006/diagram" xmlns:o="urn:schemas-microsoft-com:office:office" xmlns:v="urn:schemas-microsoft-com:vml" xmlns:pvml="urn:schemas-microsoft-com:office:powerpoint" xmlns:com="http://schemas.openxmlformats.org/drawingml/2006/compatibility" xmlns:p14="http://schemas.microsoft.com/office/powerpoint/2010/main" xmlns:p15="http://schemas.microsoft.com/office/powerpoint/2012/main" xmlns:ahyp="http://schemas.microsoft.com/office/drawing/2018/hyperlinkcolor" showMasterPhAnim="0" showMasterSp="0">
+<p:notes xmlns:r="http://schemas.openxmlformats.org/officeDocument/2006/relationships" xmlns:c="http://schemas.openxmlformats.org/drawingml/2006/chart" xmlns:a="http://schemas.openxmlformats.org/drawingml/2006/main" xmlns:dgm="http://schemas.openxmlformats.org/drawingml/2006/diagram" xmlns:dsp="http://schemas.microsoft.com/office/drawing/2008/diagram" xmlns:p="http://schemas.openxmlformats.org/presentationml/2006/main" showMasterSp="0" showMasterPhAnim="0">
   <p:cSld>
     <p:spTree>
       <p:nvGrpSpPr>
-        <p:cNvPr id="162" name="Shape 162"/>
+        <p:cNvPr id="1" name=""/>
         <p:cNvGrpSpPr/>
         <p:nvPr/>
       </p:nvGrpSpPr>
@@ -2603,9 +2680,11 @@
       <p:sp>
         <p:nvSpPr>
           <p:cNvPr id="163" name="Google Shape;163;p16:notes"/>
-          <p:cNvSpPr txBox="1"/>
+          <p:cNvSpPr txBox="1">
+            <a:spLocks noGrp="1"/>
+          </p:cNvSpPr>
           <p:nvPr>
-            <p:ph idx="1" type="body"/>
+            <p:ph type="body" idx="1"/>
           </p:nvPr>
         </p:nvSpPr>
         <p:spPr>
@@ -2622,37 +2701,41 @@
           </a:ln>
         </p:spPr>
         <p:txBody>
-          <a:bodyPr anchorCtr="0" anchor="t" bIns="49525" lIns="99075" spcFirstLastPara="1" rIns="99075" wrap="square" tIns="49525">
+          <a:bodyPr wrap="square" lIns="99075" tIns="49525" rIns="99075" bIns="49525" anchor="t" anchorCtr="0">
             <a:noAutofit/>
           </a:bodyPr>
           <a:lstStyle/>
           <a:p>
-            <a:pPr indent="0" lvl="0" marL="0" rtl="0" algn="l">
-              <a:lnSpc>
-                <a:spcPct val="100000"/>
-              </a:lnSpc>
-              <a:spcBef>
-                <a:spcPts val="468"/>
-              </a:spcBef>
-              <a:spcAft>
-                <a:spcPts val="0"/>
-              </a:spcAft>
-              <a:buSzPts val="1400"/>
-              <a:buNone/>
+            <a:pPr marL="0" lvl="0" indent="0" algn="l" rtl="0">
+              <a:lnSpc>
+                <a:spcPct val="100000"/>
+              </a:lnSpc>
+              <a:spcBef>
+                <a:spcPts val="467"/>
+              </a:spcBef>
+              <a:spcAft>
+                <a:spcPts val="0"/>
+              </a:spcAft>
+              <a:buSzPct val="25000"/>
+              <a:buNone/>
+              <a:defRPr/>
             </a:pPr>
             <a:r>
+              <a:rPr lang="ko-KR" altLang="en-US"/>
               <a:t/>
             </a:r>
-            <a:endParaRPr/>
+            <a:endParaRPr lang="ko-KR" altLang="en-US"/>
           </a:p>
         </p:txBody>
       </p:sp>
       <p:sp>
         <p:nvSpPr>
           <p:cNvPr id="164" name="Google Shape;164;p16:notes"/>
-          <p:cNvSpPr/>
+          <p:cNvSpPr>
+            <a:spLocks noGrp="1" noRot="1" noChangeAspect="1" noTextEdit="1"/>
+          </p:cNvSpPr>
           <p:nvPr>
-            <p:ph idx="2" type="sldImg"/>
+            <p:ph type="sldImg" idx="2"/>
           </p:nvPr>
         </p:nvSpPr>
         <p:spPr>
@@ -2661,9 +2744,11 @@
             <a:ext cx="5116513" cy="3838575"/>
           </a:xfrm>
           <a:custGeom>
-            <a:rect b="b" l="l" r="r" t="t"/>
+            <a:avLst/>
+            <a:gdLst/>
+            <a:rect l="l" t="t" r="r" b="b"/>
             <a:pathLst>
-              <a:path extrusionOk="0" h="120000" w="120000">
+              <a:path w="120000" h="120000" extrusionOk="0">
                 <a:moveTo>
                   <a:pt x="0" y="0"/>
                 </a:moveTo>
@@ -2681,14 +2766,12 @@
             </a:pathLst>
           </a:custGeom>
           <a:noFill/>
-          <a:ln cap="flat" cmpd="sng" w="9525">
+          <a:ln w="9525" cap="flat" cmpd="sng">
             <a:solidFill>
               <a:srgbClr val="000000"/>
             </a:solidFill>
             <a:prstDash val="solid"/>
-            <a:miter lim="800000"/>
-            <a:headEnd len="sm" w="sm" type="none"/>
-            <a:tailEnd len="sm" w="sm" type="none"/>
+            <a:miter/>
           </a:ln>
         </p:spPr>
       </p:sp>
@@ -2701,11 +2784,11 @@
 </file>
 
 <file path=ppt/notesSlides/notesSlide17.xml><?xml version="1.0" encoding="utf-8"?>
-<p:notes xmlns:a="http://schemas.openxmlformats.org/drawingml/2006/main" xmlns:r="http://schemas.openxmlformats.org/officeDocument/2006/relationships" xmlns:mc="http://schemas.openxmlformats.org/markup-compatibility/2006" xmlns:mv="urn:schemas-microsoft-com:mac:vml" xmlns:p="http://schemas.openxmlformats.org/presentationml/2006/main" xmlns:c="http://schemas.openxmlformats.org/drawingml/2006/chart" xmlns:dgm="http://schemas.openxmlformats.org/drawingml/2006/diagram" xmlns:o="urn:schemas-microsoft-com:office:office" xmlns:v="urn:schemas-microsoft-com:vml" xmlns:pvml="urn:schemas-microsoft-com:office:powerpoint" xmlns:com="http://schemas.openxmlformats.org/drawingml/2006/compatibility" xmlns:p14="http://schemas.microsoft.com/office/powerpoint/2010/main" xmlns:p15="http://schemas.microsoft.com/office/powerpoint/2012/main" xmlns:ahyp="http://schemas.microsoft.com/office/drawing/2018/hyperlinkcolor" showMasterPhAnim="0" showMasterSp="0">
+<p:notes xmlns:r="http://schemas.openxmlformats.org/officeDocument/2006/relationships" xmlns:c="http://schemas.openxmlformats.org/drawingml/2006/chart" xmlns:a="http://schemas.openxmlformats.org/drawingml/2006/main" xmlns:dgm="http://schemas.openxmlformats.org/drawingml/2006/diagram" xmlns:dsp="http://schemas.microsoft.com/office/drawing/2008/diagram" xmlns:p="http://schemas.openxmlformats.org/presentationml/2006/main" showMasterSp="0" showMasterPhAnim="0">
   <p:cSld>
     <p:spTree>
       <p:nvGrpSpPr>
-        <p:cNvPr id="171" name="Shape 171"/>
+        <p:cNvPr id="1" name=""/>
         <p:cNvGrpSpPr/>
         <p:nvPr/>
       </p:nvGrpSpPr>
@@ -2720,9 +2803,11 @@
       <p:sp>
         <p:nvSpPr>
           <p:cNvPr id="172" name="Google Shape;172;p17:notes"/>
-          <p:cNvSpPr txBox="1"/>
+          <p:cNvSpPr txBox="1">
+            <a:spLocks noGrp="1"/>
+          </p:cNvSpPr>
           <p:nvPr>
-            <p:ph idx="1" type="body"/>
+            <p:ph type="body" idx="1"/>
           </p:nvPr>
         </p:nvSpPr>
         <p:spPr>
@@ -2739,37 +2824,41 @@
           </a:ln>
         </p:spPr>
         <p:txBody>
-          <a:bodyPr anchorCtr="0" anchor="t" bIns="49525" lIns="99075" spcFirstLastPara="1" rIns="99075" wrap="square" tIns="49525">
+          <a:bodyPr wrap="square" lIns="99075" tIns="49525" rIns="99075" bIns="49525" anchor="t" anchorCtr="0">
             <a:noAutofit/>
           </a:bodyPr>
           <a:lstStyle/>
           <a:p>
-            <a:pPr indent="0" lvl="0" marL="0" rtl="0" algn="l">
-              <a:lnSpc>
-                <a:spcPct val="100000"/>
-              </a:lnSpc>
-              <a:spcBef>
-                <a:spcPts val="468"/>
-              </a:spcBef>
-              <a:spcAft>
-                <a:spcPts val="0"/>
-              </a:spcAft>
-              <a:buSzPts val="1400"/>
-              <a:buNone/>
+            <a:pPr marL="0" lvl="0" indent="0" algn="l" rtl="0">
+              <a:lnSpc>
+                <a:spcPct val="100000"/>
+              </a:lnSpc>
+              <a:spcBef>
+                <a:spcPts val="467"/>
+              </a:spcBef>
+              <a:spcAft>
+                <a:spcPts val="0"/>
+              </a:spcAft>
+              <a:buSzPct val="25000"/>
+              <a:buNone/>
+              <a:defRPr/>
             </a:pPr>
             <a:r>
+              <a:rPr lang="ko-KR" altLang="en-US"/>
               <a:t/>
             </a:r>
-            <a:endParaRPr/>
+            <a:endParaRPr lang="ko-KR" altLang="en-US"/>
           </a:p>
         </p:txBody>
       </p:sp>
       <p:sp>
         <p:nvSpPr>
           <p:cNvPr id="173" name="Google Shape;173;p17:notes"/>
-          <p:cNvSpPr/>
+          <p:cNvSpPr>
+            <a:spLocks noGrp="1" noRot="1" noChangeAspect="1" noTextEdit="1"/>
+          </p:cNvSpPr>
           <p:nvPr>
-            <p:ph idx="2" type="sldImg"/>
+            <p:ph type="sldImg" idx="2"/>
           </p:nvPr>
         </p:nvSpPr>
         <p:spPr>
@@ -2778,9 +2867,11 @@
             <a:ext cx="5116513" cy="3838575"/>
           </a:xfrm>
           <a:custGeom>
-            <a:rect b="b" l="l" r="r" t="t"/>
+            <a:avLst/>
+            <a:gdLst/>
+            <a:rect l="l" t="t" r="r" b="b"/>
             <a:pathLst>
-              <a:path extrusionOk="0" h="120000" w="120000">
+              <a:path w="120000" h="120000" extrusionOk="0">
                 <a:moveTo>
                   <a:pt x="0" y="0"/>
                 </a:moveTo>
@@ -2798,14 +2889,12 @@
             </a:pathLst>
           </a:custGeom>
           <a:noFill/>
-          <a:ln cap="flat" cmpd="sng" w="9525">
+          <a:ln w="9525" cap="flat" cmpd="sng">
             <a:solidFill>
               <a:srgbClr val="000000"/>
             </a:solidFill>
             <a:prstDash val="solid"/>
-            <a:miter lim="800000"/>
-            <a:headEnd len="sm" w="sm" type="none"/>
-            <a:tailEnd len="sm" w="sm" type="none"/>
+            <a:miter/>
           </a:ln>
         </p:spPr>
       </p:sp>
@@ -2818,11 +2907,11 @@
 </file>
 
 <file path=ppt/notesSlides/notesSlide18.xml><?xml version="1.0" encoding="utf-8"?>
-<p:notes xmlns:a="http://schemas.openxmlformats.org/drawingml/2006/main" xmlns:r="http://schemas.openxmlformats.org/officeDocument/2006/relationships" xmlns:mc="http://schemas.openxmlformats.org/markup-compatibility/2006" xmlns:mv="urn:schemas-microsoft-com:mac:vml" xmlns:p="http://schemas.openxmlformats.org/presentationml/2006/main" xmlns:c="http://schemas.openxmlformats.org/drawingml/2006/chart" xmlns:dgm="http://schemas.openxmlformats.org/drawingml/2006/diagram" xmlns:o="urn:schemas-microsoft-com:office:office" xmlns:v="urn:schemas-microsoft-com:vml" xmlns:pvml="urn:schemas-microsoft-com:office:powerpoint" xmlns:com="http://schemas.openxmlformats.org/drawingml/2006/compatibility" xmlns:p14="http://schemas.microsoft.com/office/powerpoint/2010/main" xmlns:p15="http://schemas.microsoft.com/office/powerpoint/2012/main" xmlns:ahyp="http://schemas.microsoft.com/office/drawing/2018/hyperlinkcolor" showMasterPhAnim="0" showMasterSp="0">
+<p:notes xmlns:r="http://schemas.openxmlformats.org/officeDocument/2006/relationships" xmlns:c="http://schemas.openxmlformats.org/drawingml/2006/chart" xmlns:a="http://schemas.openxmlformats.org/drawingml/2006/main" xmlns:dgm="http://schemas.openxmlformats.org/drawingml/2006/diagram" xmlns:dsp="http://schemas.microsoft.com/office/drawing/2008/diagram" xmlns:p="http://schemas.openxmlformats.org/presentationml/2006/main" showMasterSp="0" showMasterPhAnim="0">
   <p:cSld>
     <p:spTree>
       <p:nvGrpSpPr>
-        <p:cNvPr id="179" name="Shape 179"/>
+        <p:cNvPr id="1" name=""/>
         <p:cNvGrpSpPr/>
         <p:nvPr/>
       </p:nvGrpSpPr>
@@ -2837,9 +2926,11 @@
       <p:sp>
         <p:nvSpPr>
           <p:cNvPr id="180" name="Google Shape;180;p18:notes"/>
-          <p:cNvSpPr txBox="1"/>
+          <p:cNvSpPr txBox="1">
+            <a:spLocks noGrp="1"/>
+          </p:cNvSpPr>
           <p:nvPr>
-            <p:ph idx="1" type="body"/>
+            <p:ph type="body" idx="1"/>
           </p:nvPr>
         </p:nvSpPr>
         <p:spPr>
@@ -2856,37 +2947,41 @@
           </a:ln>
         </p:spPr>
         <p:txBody>
-          <a:bodyPr anchorCtr="0" anchor="t" bIns="49525" lIns="99075" spcFirstLastPara="1" rIns="99075" wrap="square" tIns="49525">
+          <a:bodyPr wrap="square" lIns="99075" tIns="49525" rIns="99075" bIns="49525" anchor="t" anchorCtr="0">
             <a:noAutofit/>
           </a:bodyPr>
           <a:lstStyle/>
           <a:p>
-            <a:pPr indent="0" lvl="0" marL="0" rtl="0" algn="l">
-              <a:lnSpc>
-                <a:spcPct val="100000"/>
-              </a:lnSpc>
-              <a:spcBef>
-                <a:spcPts val="468"/>
-              </a:spcBef>
-              <a:spcAft>
-                <a:spcPts val="0"/>
-              </a:spcAft>
-              <a:buSzPts val="1400"/>
-              <a:buNone/>
+            <a:pPr marL="0" lvl="0" indent="0" algn="l" rtl="0">
+              <a:lnSpc>
+                <a:spcPct val="100000"/>
+              </a:lnSpc>
+              <a:spcBef>
+                <a:spcPts val="467"/>
+              </a:spcBef>
+              <a:spcAft>
+                <a:spcPts val="0"/>
+              </a:spcAft>
+              <a:buSzPct val="25000"/>
+              <a:buNone/>
+              <a:defRPr/>
             </a:pPr>
             <a:r>
+              <a:rPr lang="ko-KR" altLang="en-US"/>
               <a:t/>
             </a:r>
-            <a:endParaRPr/>
+            <a:endParaRPr lang="ko-KR" altLang="en-US"/>
           </a:p>
         </p:txBody>
       </p:sp>
       <p:sp>
         <p:nvSpPr>
           <p:cNvPr id="181" name="Google Shape;181;p18:notes"/>
-          <p:cNvSpPr/>
+          <p:cNvSpPr>
+            <a:spLocks noGrp="1" noRot="1" noChangeAspect="1" noTextEdit="1"/>
+          </p:cNvSpPr>
           <p:nvPr>
-            <p:ph idx="2" type="sldImg"/>
+            <p:ph type="sldImg" idx="2"/>
           </p:nvPr>
         </p:nvSpPr>
         <p:spPr>
@@ -2895,9 +2990,11 @@
             <a:ext cx="5116513" cy="3838575"/>
           </a:xfrm>
           <a:custGeom>
-            <a:rect b="b" l="l" r="r" t="t"/>
+            <a:avLst/>
+            <a:gdLst/>
+            <a:rect l="l" t="t" r="r" b="b"/>
             <a:pathLst>
-              <a:path extrusionOk="0" h="120000" w="120000">
+              <a:path w="120000" h="120000" extrusionOk="0">
                 <a:moveTo>
                   <a:pt x="0" y="0"/>
                 </a:moveTo>
@@ -2915,14 +3012,12 @@
             </a:pathLst>
           </a:custGeom>
           <a:noFill/>
-          <a:ln cap="flat" cmpd="sng" w="9525">
+          <a:ln w="9525" cap="flat" cmpd="sng">
             <a:solidFill>
               <a:srgbClr val="000000"/>
             </a:solidFill>
             <a:prstDash val="solid"/>
-            <a:miter lim="800000"/>
-            <a:headEnd len="sm" w="sm" type="none"/>
-            <a:tailEnd len="sm" w="sm" type="none"/>
+            <a:miter/>
           </a:ln>
         </p:spPr>
       </p:sp>
@@ -2935,11 +3030,11 @@
 </file>
 
 <file path=ppt/notesSlides/notesSlide19.xml><?xml version="1.0" encoding="utf-8"?>
-<p:notes xmlns:a="http://schemas.openxmlformats.org/drawingml/2006/main" xmlns:r="http://schemas.openxmlformats.org/officeDocument/2006/relationships" xmlns:mc="http://schemas.openxmlformats.org/markup-compatibility/2006" xmlns:mv="urn:schemas-microsoft-com:mac:vml" xmlns:p="http://schemas.openxmlformats.org/presentationml/2006/main" xmlns:c="http://schemas.openxmlformats.org/drawingml/2006/chart" xmlns:dgm="http://schemas.openxmlformats.org/drawingml/2006/diagram" xmlns:o="urn:schemas-microsoft-com:office:office" xmlns:v="urn:schemas-microsoft-com:vml" xmlns:pvml="urn:schemas-microsoft-com:office:powerpoint" xmlns:com="http://schemas.openxmlformats.org/drawingml/2006/compatibility" xmlns:p14="http://schemas.microsoft.com/office/powerpoint/2010/main" xmlns:p15="http://schemas.microsoft.com/office/powerpoint/2012/main" xmlns:ahyp="http://schemas.microsoft.com/office/drawing/2018/hyperlinkcolor" showMasterPhAnim="0" showMasterSp="0">
+<p:notes xmlns:r="http://schemas.openxmlformats.org/officeDocument/2006/relationships" xmlns:c="http://schemas.openxmlformats.org/drawingml/2006/chart" xmlns:a="http://schemas.openxmlformats.org/drawingml/2006/main" xmlns:dgm="http://schemas.openxmlformats.org/drawingml/2006/diagram" xmlns:dsp="http://schemas.microsoft.com/office/drawing/2008/diagram" xmlns:p="http://schemas.openxmlformats.org/presentationml/2006/main" showMasterSp="0" showMasterPhAnim="0">
   <p:cSld>
     <p:spTree>
       <p:nvGrpSpPr>
-        <p:cNvPr id="187" name="Shape 187"/>
+        <p:cNvPr id="1" name=""/>
         <p:cNvGrpSpPr/>
         <p:nvPr/>
       </p:nvGrpSpPr>
@@ -2954,9 +3049,11 @@
       <p:sp>
         <p:nvSpPr>
           <p:cNvPr id="188" name="Google Shape;188;p19:notes"/>
-          <p:cNvSpPr txBox="1"/>
+          <p:cNvSpPr txBox="1">
+            <a:spLocks noGrp="1"/>
+          </p:cNvSpPr>
           <p:nvPr>
-            <p:ph idx="1" type="body"/>
+            <p:ph type="body" idx="1"/>
           </p:nvPr>
         </p:nvSpPr>
         <p:spPr>
@@ -2973,37 +3070,41 @@
           </a:ln>
         </p:spPr>
         <p:txBody>
-          <a:bodyPr anchorCtr="0" anchor="t" bIns="49525" lIns="99075" spcFirstLastPara="1" rIns="99075" wrap="square" tIns="49525">
+          <a:bodyPr wrap="square" lIns="99075" tIns="49525" rIns="99075" bIns="49525" anchor="t" anchorCtr="0">
             <a:noAutofit/>
           </a:bodyPr>
           <a:lstStyle/>
           <a:p>
-            <a:pPr indent="0" lvl="0" marL="0" rtl="0" algn="l">
-              <a:lnSpc>
-                <a:spcPct val="100000"/>
-              </a:lnSpc>
-              <a:spcBef>
-                <a:spcPts val="468"/>
-              </a:spcBef>
-              <a:spcAft>
-                <a:spcPts val="0"/>
-              </a:spcAft>
-              <a:buSzPts val="1400"/>
-              <a:buNone/>
+            <a:pPr marL="0" lvl="0" indent="0" algn="l" rtl="0">
+              <a:lnSpc>
+                <a:spcPct val="100000"/>
+              </a:lnSpc>
+              <a:spcBef>
+                <a:spcPts val="467"/>
+              </a:spcBef>
+              <a:spcAft>
+                <a:spcPts val="0"/>
+              </a:spcAft>
+              <a:buSzPct val="25000"/>
+              <a:buNone/>
+              <a:defRPr/>
             </a:pPr>
             <a:r>
+              <a:rPr lang="ko-KR" altLang="en-US"/>
               <a:t/>
             </a:r>
-            <a:endParaRPr/>
+            <a:endParaRPr lang="ko-KR" altLang="en-US"/>
           </a:p>
         </p:txBody>
       </p:sp>
       <p:sp>
         <p:nvSpPr>
           <p:cNvPr id="189" name="Google Shape;189;p19:notes"/>
-          <p:cNvSpPr/>
+          <p:cNvSpPr>
+            <a:spLocks noGrp="1" noRot="1" noChangeAspect="1" noTextEdit="1"/>
+          </p:cNvSpPr>
           <p:nvPr>
-            <p:ph idx="2" type="sldImg"/>
+            <p:ph type="sldImg" idx="2"/>
           </p:nvPr>
         </p:nvSpPr>
         <p:spPr>
@@ -3012,9 +3113,11 @@
             <a:ext cx="5116513" cy="3838575"/>
           </a:xfrm>
           <a:custGeom>
-            <a:rect b="b" l="l" r="r" t="t"/>
+            <a:avLst/>
+            <a:gdLst/>
+            <a:rect l="l" t="t" r="r" b="b"/>
             <a:pathLst>
-              <a:path extrusionOk="0" h="120000" w="120000">
+              <a:path w="120000" h="120000" extrusionOk="0">
                 <a:moveTo>
                   <a:pt x="0" y="0"/>
                 </a:moveTo>
@@ -3032,14 +3135,12 @@
             </a:pathLst>
           </a:custGeom>
           <a:noFill/>
-          <a:ln cap="flat" cmpd="sng" w="9525">
+          <a:ln w="9525" cap="flat" cmpd="sng">
             <a:solidFill>
               <a:srgbClr val="000000"/>
             </a:solidFill>
             <a:prstDash val="solid"/>
-            <a:miter lim="800000"/>
-            <a:headEnd len="sm" w="sm" type="none"/>
-            <a:tailEnd len="sm" w="sm" type="none"/>
+            <a:miter/>
           </a:ln>
         </p:spPr>
       </p:sp>
@@ -3052,11 +3153,11 @@
 </file>
 
 <file path=ppt/notesSlides/notesSlide2.xml><?xml version="1.0" encoding="utf-8"?>
-<p:notes xmlns:a="http://schemas.openxmlformats.org/drawingml/2006/main" xmlns:r="http://schemas.openxmlformats.org/officeDocument/2006/relationships" xmlns:mc="http://schemas.openxmlformats.org/markup-compatibility/2006" xmlns:mv="urn:schemas-microsoft-com:mac:vml" xmlns:p="http://schemas.openxmlformats.org/presentationml/2006/main" xmlns:c="http://schemas.openxmlformats.org/drawingml/2006/chart" xmlns:dgm="http://schemas.openxmlformats.org/drawingml/2006/diagram" xmlns:o="urn:schemas-microsoft-com:office:office" xmlns:v="urn:schemas-microsoft-com:vml" xmlns:pvml="urn:schemas-microsoft-com:office:powerpoint" xmlns:com="http://schemas.openxmlformats.org/drawingml/2006/compatibility" xmlns:p14="http://schemas.microsoft.com/office/powerpoint/2010/main" xmlns:p15="http://schemas.microsoft.com/office/powerpoint/2012/main" xmlns:ahyp="http://schemas.microsoft.com/office/drawing/2018/hyperlinkcolor" showMasterPhAnim="0" showMasterSp="0">
+<p:notes xmlns:r="http://schemas.openxmlformats.org/officeDocument/2006/relationships" xmlns:c="http://schemas.openxmlformats.org/drawingml/2006/chart" xmlns:a="http://schemas.openxmlformats.org/drawingml/2006/main" xmlns:dgm="http://schemas.openxmlformats.org/drawingml/2006/diagram" xmlns:dsp="http://schemas.microsoft.com/office/drawing/2008/diagram" xmlns:p="http://schemas.openxmlformats.org/presentationml/2006/main" showMasterSp="0" showMasterPhAnim="0">
   <p:cSld>
     <p:spTree>
       <p:nvGrpSpPr>
-        <p:cNvPr id="32" name="Shape 32"/>
+        <p:cNvPr id="1" name=""/>
         <p:cNvGrpSpPr/>
         <p:nvPr/>
       </p:nvGrpSpPr>
@@ -3071,9 +3172,11 @@
       <p:sp>
         <p:nvSpPr>
           <p:cNvPr id="33" name="Google Shape;33;p2:notes"/>
-          <p:cNvSpPr txBox="1"/>
+          <p:cNvSpPr txBox="1">
+            <a:spLocks noGrp="1"/>
+          </p:cNvSpPr>
           <p:nvPr>
-            <p:ph idx="1" type="body"/>
+            <p:ph type="body" idx="1"/>
           </p:nvPr>
         </p:nvSpPr>
         <p:spPr>
@@ -3090,37 +3193,41 @@
           </a:ln>
         </p:spPr>
         <p:txBody>
-          <a:bodyPr anchorCtr="0" anchor="t" bIns="49525" lIns="99075" spcFirstLastPara="1" rIns="99075" wrap="square" tIns="49525">
+          <a:bodyPr wrap="square" lIns="99075" tIns="49525" rIns="99075" bIns="49525" anchor="t" anchorCtr="0">
             <a:noAutofit/>
           </a:bodyPr>
           <a:lstStyle/>
           <a:p>
-            <a:pPr indent="0" lvl="0" marL="0" rtl="0" algn="l">
-              <a:lnSpc>
-                <a:spcPct val="100000"/>
-              </a:lnSpc>
-              <a:spcBef>
-                <a:spcPts val="468"/>
-              </a:spcBef>
-              <a:spcAft>
-                <a:spcPts val="0"/>
-              </a:spcAft>
-              <a:buSzPts val="1400"/>
-              <a:buNone/>
+            <a:pPr marL="0" lvl="0" indent="0" algn="l" rtl="0">
+              <a:lnSpc>
+                <a:spcPct val="100000"/>
+              </a:lnSpc>
+              <a:spcBef>
+                <a:spcPts val="467"/>
+              </a:spcBef>
+              <a:spcAft>
+                <a:spcPts val="0"/>
+              </a:spcAft>
+              <a:buSzPct val="25000"/>
+              <a:buNone/>
+              <a:defRPr/>
             </a:pPr>
             <a:r>
+              <a:rPr lang="ko-KR" altLang="en-US"/>
               <a:t/>
             </a:r>
-            <a:endParaRPr/>
+            <a:endParaRPr lang="ko-KR" altLang="en-US"/>
           </a:p>
         </p:txBody>
       </p:sp>
       <p:sp>
         <p:nvSpPr>
           <p:cNvPr id="34" name="Google Shape;34;p2:notes"/>
-          <p:cNvSpPr/>
+          <p:cNvSpPr>
+            <a:spLocks noGrp="1" noRot="1" noChangeAspect="1" noTextEdit="1"/>
+          </p:cNvSpPr>
           <p:nvPr>
-            <p:ph idx="2" type="sldImg"/>
+            <p:ph type="sldImg" idx="2"/>
           </p:nvPr>
         </p:nvSpPr>
         <p:spPr>
@@ -3129,9 +3236,11 @@
             <a:ext cx="5116513" cy="3838575"/>
           </a:xfrm>
           <a:custGeom>
-            <a:rect b="b" l="l" r="r" t="t"/>
+            <a:avLst/>
+            <a:gdLst/>
+            <a:rect l="l" t="t" r="r" b="b"/>
             <a:pathLst>
-              <a:path extrusionOk="0" h="120000" w="120000">
+              <a:path w="120000" h="120000" extrusionOk="0">
                 <a:moveTo>
                   <a:pt x="0" y="0"/>
                 </a:moveTo>
@@ -3149,14 +3258,12 @@
             </a:pathLst>
           </a:custGeom>
           <a:noFill/>
-          <a:ln cap="flat" cmpd="sng" w="9525">
+          <a:ln w="9525" cap="flat" cmpd="sng">
             <a:solidFill>
               <a:srgbClr val="000000"/>
             </a:solidFill>
             <a:prstDash val="solid"/>
-            <a:miter lim="800000"/>
-            <a:headEnd len="sm" w="sm" type="none"/>
-            <a:tailEnd len="sm" w="sm" type="none"/>
+            <a:miter/>
           </a:ln>
         </p:spPr>
       </p:sp>
@@ -3169,11 +3276,11 @@
 </file>
 
 <file path=ppt/notesSlides/notesSlide20.xml><?xml version="1.0" encoding="utf-8"?>
-<p:notes xmlns:a="http://schemas.openxmlformats.org/drawingml/2006/main" xmlns:r="http://schemas.openxmlformats.org/officeDocument/2006/relationships" xmlns:mc="http://schemas.openxmlformats.org/markup-compatibility/2006" xmlns:mv="urn:schemas-microsoft-com:mac:vml" xmlns:p="http://schemas.openxmlformats.org/presentationml/2006/main" xmlns:c="http://schemas.openxmlformats.org/drawingml/2006/chart" xmlns:dgm="http://schemas.openxmlformats.org/drawingml/2006/diagram" xmlns:o="urn:schemas-microsoft-com:office:office" xmlns:v="urn:schemas-microsoft-com:vml" xmlns:pvml="urn:schemas-microsoft-com:office:powerpoint" xmlns:com="http://schemas.openxmlformats.org/drawingml/2006/compatibility" xmlns:p14="http://schemas.microsoft.com/office/powerpoint/2010/main" xmlns:p15="http://schemas.microsoft.com/office/powerpoint/2012/main" xmlns:ahyp="http://schemas.microsoft.com/office/drawing/2018/hyperlinkcolor" showMasterPhAnim="0" showMasterSp="0">
+<p:notes xmlns:r="http://schemas.openxmlformats.org/officeDocument/2006/relationships" xmlns:c="http://schemas.openxmlformats.org/drawingml/2006/chart" xmlns:a="http://schemas.openxmlformats.org/drawingml/2006/main" xmlns:dgm="http://schemas.openxmlformats.org/drawingml/2006/diagram" xmlns:dsp="http://schemas.microsoft.com/office/drawing/2008/diagram" xmlns:p="http://schemas.openxmlformats.org/presentationml/2006/main" showMasterSp="0" showMasterPhAnim="0">
   <p:cSld>
     <p:spTree>
       <p:nvGrpSpPr>
-        <p:cNvPr id="194" name="Shape 194"/>
+        <p:cNvPr id="1" name=""/>
         <p:cNvGrpSpPr/>
         <p:nvPr/>
       </p:nvGrpSpPr>
@@ -3188,9 +3295,11 @@
       <p:sp>
         <p:nvSpPr>
           <p:cNvPr id="195" name="Google Shape;195;p20:notes"/>
-          <p:cNvSpPr txBox="1"/>
+          <p:cNvSpPr txBox="1">
+            <a:spLocks noGrp="1"/>
+          </p:cNvSpPr>
           <p:nvPr>
-            <p:ph idx="1" type="body"/>
+            <p:ph type="body" idx="1"/>
           </p:nvPr>
         </p:nvSpPr>
         <p:spPr>
@@ -3207,37 +3316,41 @@
           </a:ln>
         </p:spPr>
         <p:txBody>
-          <a:bodyPr anchorCtr="0" anchor="t" bIns="49525" lIns="99075" spcFirstLastPara="1" rIns="99075" wrap="square" tIns="49525">
+          <a:bodyPr wrap="square" lIns="99075" tIns="49525" rIns="99075" bIns="49525" anchor="t" anchorCtr="0">
             <a:noAutofit/>
           </a:bodyPr>
           <a:lstStyle/>
           <a:p>
-            <a:pPr indent="0" lvl="0" marL="0" rtl="0" algn="l">
-              <a:lnSpc>
-                <a:spcPct val="100000"/>
-              </a:lnSpc>
-              <a:spcBef>
-                <a:spcPts val="468"/>
-              </a:spcBef>
-              <a:spcAft>
-                <a:spcPts val="0"/>
-              </a:spcAft>
-              <a:buSzPts val="1400"/>
-              <a:buNone/>
+            <a:pPr marL="0" lvl="0" indent="0" algn="l" rtl="0">
+              <a:lnSpc>
+                <a:spcPct val="100000"/>
+              </a:lnSpc>
+              <a:spcBef>
+                <a:spcPts val="467"/>
+              </a:spcBef>
+              <a:spcAft>
+                <a:spcPts val="0"/>
+              </a:spcAft>
+              <a:buSzPct val="25000"/>
+              <a:buNone/>
+              <a:defRPr/>
             </a:pPr>
             <a:r>
+              <a:rPr lang="ko-KR" altLang="en-US"/>
               <a:t/>
             </a:r>
-            <a:endParaRPr/>
+            <a:endParaRPr lang="ko-KR" altLang="en-US"/>
           </a:p>
         </p:txBody>
       </p:sp>
       <p:sp>
         <p:nvSpPr>
           <p:cNvPr id="196" name="Google Shape;196;p20:notes"/>
-          <p:cNvSpPr/>
+          <p:cNvSpPr>
+            <a:spLocks noGrp="1" noRot="1" noChangeAspect="1" noTextEdit="1"/>
+          </p:cNvSpPr>
           <p:nvPr>
-            <p:ph idx="2" type="sldImg"/>
+            <p:ph type="sldImg" idx="2"/>
           </p:nvPr>
         </p:nvSpPr>
         <p:spPr>
@@ -3246,9 +3359,11 @@
             <a:ext cx="5116513" cy="3838575"/>
           </a:xfrm>
           <a:custGeom>
-            <a:rect b="b" l="l" r="r" t="t"/>
+            <a:avLst/>
+            <a:gdLst/>
+            <a:rect l="l" t="t" r="r" b="b"/>
             <a:pathLst>
-              <a:path extrusionOk="0" h="120000" w="120000">
+              <a:path w="120000" h="120000" extrusionOk="0">
                 <a:moveTo>
                   <a:pt x="0" y="0"/>
                 </a:moveTo>
@@ -3266,14 +3381,12 @@
             </a:pathLst>
           </a:custGeom>
           <a:noFill/>
-          <a:ln cap="flat" cmpd="sng" w="9525">
+          <a:ln w="9525" cap="flat" cmpd="sng">
             <a:solidFill>
               <a:srgbClr val="000000"/>
             </a:solidFill>
             <a:prstDash val="solid"/>
-            <a:miter lim="800000"/>
-            <a:headEnd len="sm" w="sm" type="none"/>
-            <a:tailEnd len="sm" w="sm" type="none"/>
+            <a:miter/>
           </a:ln>
         </p:spPr>
       </p:sp>
@@ -3286,11 +3399,11 @@
 </file>
 
 <file path=ppt/notesSlides/notesSlide21.xml><?xml version="1.0" encoding="utf-8"?>
-<p:notes xmlns:a="http://schemas.openxmlformats.org/drawingml/2006/main" xmlns:r="http://schemas.openxmlformats.org/officeDocument/2006/relationships" xmlns:mc="http://schemas.openxmlformats.org/markup-compatibility/2006" xmlns:mv="urn:schemas-microsoft-com:mac:vml" xmlns:p="http://schemas.openxmlformats.org/presentationml/2006/main" xmlns:c="http://schemas.openxmlformats.org/drawingml/2006/chart" xmlns:dgm="http://schemas.openxmlformats.org/drawingml/2006/diagram" xmlns:o="urn:schemas-microsoft-com:office:office" xmlns:v="urn:schemas-microsoft-com:vml" xmlns:pvml="urn:schemas-microsoft-com:office:powerpoint" xmlns:com="http://schemas.openxmlformats.org/drawingml/2006/compatibility" xmlns:p14="http://schemas.microsoft.com/office/powerpoint/2010/main" xmlns:p15="http://schemas.microsoft.com/office/powerpoint/2012/main" xmlns:ahyp="http://schemas.microsoft.com/office/drawing/2018/hyperlinkcolor" showMasterPhAnim="0" showMasterSp="0">
+<p:notes xmlns:r="http://schemas.openxmlformats.org/officeDocument/2006/relationships" xmlns:c="http://schemas.openxmlformats.org/drawingml/2006/chart" xmlns:a="http://schemas.openxmlformats.org/drawingml/2006/main" xmlns:dgm="http://schemas.openxmlformats.org/drawingml/2006/diagram" xmlns:dsp="http://schemas.microsoft.com/office/drawing/2008/diagram" xmlns:p="http://schemas.openxmlformats.org/presentationml/2006/main" showMasterSp="0" showMasterPhAnim="0">
   <p:cSld>
     <p:spTree>
       <p:nvGrpSpPr>
-        <p:cNvPr id="203" name="Shape 203"/>
+        <p:cNvPr id="1" name=""/>
         <p:cNvGrpSpPr/>
         <p:nvPr/>
       </p:nvGrpSpPr>
@@ -3305,9 +3418,11 @@
       <p:sp>
         <p:nvSpPr>
           <p:cNvPr id="204" name="Google Shape;204;p21:notes"/>
-          <p:cNvSpPr txBox="1"/>
+          <p:cNvSpPr txBox="1">
+            <a:spLocks noGrp="1"/>
+          </p:cNvSpPr>
           <p:nvPr>
-            <p:ph idx="1" type="body"/>
+            <p:ph type="body" idx="1"/>
           </p:nvPr>
         </p:nvSpPr>
         <p:spPr>
@@ -3324,37 +3439,41 @@
           </a:ln>
         </p:spPr>
         <p:txBody>
-          <a:bodyPr anchorCtr="0" anchor="t" bIns="49525" lIns="99075" spcFirstLastPara="1" rIns="99075" wrap="square" tIns="49525">
+          <a:bodyPr wrap="square" lIns="99075" tIns="49525" rIns="99075" bIns="49525" anchor="t" anchorCtr="0">
             <a:noAutofit/>
           </a:bodyPr>
           <a:lstStyle/>
           <a:p>
-            <a:pPr indent="0" lvl="0" marL="0" rtl="0" algn="l">
-              <a:lnSpc>
-                <a:spcPct val="100000"/>
-              </a:lnSpc>
-              <a:spcBef>
-                <a:spcPts val="468"/>
-              </a:spcBef>
-              <a:spcAft>
-                <a:spcPts val="0"/>
-              </a:spcAft>
-              <a:buSzPts val="1400"/>
-              <a:buNone/>
+            <a:pPr marL="0" lvl="0" indent="0" algn="l" rtl="0">
+              <a:lnSpc>
+                <a:spcPct val="100000"/>
+              </a:lnSpc>
+              <a:spcBef>
+                <a:spcPts val="467"/>
+              </a:spcBef>
+              <a:spcAft>
+                <a:spcPts val="0"/>
+              </a:spcAft>
+              <a:buSzPct val="25000"/>
+              <a:buNone/>
+              <a:defRPr/>
             </a:pPr>
             <a:r>
+              <a:rPr lang="ko-KR" altLang="en-US"/>
               <a:t/>
             </a:r>
-            <a:endParaRPr/>
+            <a:endParaRPr lang="ko-KR" altLang="en-US"/>
           </a:p>
         </p:txBody>
       </p:sp>
       <p:sp>
         <p:nvSpPr>
           <p:cNvPr id="205" name="Google Shape;205;p21:notes"/>
-          <p:cNvSpPr/>
+          <p:cNvSpPr>
+            <a:spLocks noGrp="1" noRot="1" noChangeAspect="1" noTextEdit="1"/>
+          </p:cNvSpPr>
           <p:nvPr>
-            <p:ph idx="2" type="sldImg"/>
+            <p:ph type="sldImg" idx="2"/>
           </p:nvPr>
         </p:nvSpPr>
         <p:spPr>
@@ -3363,9 +3482,11 @@
             <a:ext cx="5116513" cy="3838575"/>
           </a:xfrm>
           <a:custGeom>
-            <a:rect b="b" l="l" r="r" t="t"/>
+            <a:avLst/>
+            <a:gdLst/>
+            <a:rect l="l" t="t" r="r" b="b"/>
             <a:pathLst>
-              <a:path extrusionOk="0" h="120000" w="120000">
+              <a:path w="120000" h="120000" extrusionOk="0">
                 <a:moveTo>
                   <a:pt x="0" y="0"/>
                 </a:moveTo>
@@ -3383,14 +3504,12 @@
             </a:pathLst>
           </a:custGeom>
           <a:noFill/>
-          <a:ln cap="flat" cmpd="sng" w="9525">
+          <a:ln w="9525" cap="flat" cmpd="sng">
             <a:solidFill>
               <a:srgbClr val="000000"/>
             </a:solidFill>
             <a:prstDash val="solid"/>
-            <a:miter lim="800000"/>
-            <a:headEnd len="sm" w="sm" type="none"/>
-            <a:tailEnd len="sm" w="sm" type="none"/>
+            <a:miter/>
           </a:ln>
         </p:spPr>
       </p:sp>
@@ -3403,11 +3522,11 @@
 </file>
 
 <file path=ppt/notesSlides/notesSlide22.xml><?xml version="1.0" encoding="utf-8"?>
-<p:notes xmlns:a="http://schemas.openxmlformats.org/drawingml/2006/main" xmlns:r="http://schemas.openxmlformats.org/officeDocument/2006/relationships" xmlns:mc="http://schemas.openxmlformats.org/markup-compatibility/2006" xmlns:mv="urn:schemas-microsoft-com:mac:vml" xmlns:p="http://schemas.openxmlformats.org/presentationml/2006/main" xmlns:c="http://schemas.openxmlformats.org/drawingml/2006/chart" xmlns:dgm="http://schemas.openxmlformats.org/drawingml/2006/diagram" xmlns:o="urn:schemas-microsoft-com:office:office" xmlns:v="urn:schemas-microsoft-com:vml" xmlns:pvml="urn:schemas-microsoft-com:office:powerpoint" xmlns:com="http://schemas.openxmlformats.org/drawingml/2006/compatibility" xmlns:p14="http://schemas.microsoft.com/office/powerpoint/2010/main" xmlns:p15="http://schemas.microsoft.com/office/powerpoint/2012/main" xmlns:ahyp="http://schemas.microsoft.com/office/drawing/2018/hyperlinkcolor" showMasterPhAnim="0" showMasterSp="0">
+<p:notes xmlns:r="http://schemas.openxmlformats.org/officeDocument/2006/relationships" xmlns:c="http://schemas.openxmlformats.org/drawingml/2006/chart" xmlns:a="http://schemas.openxmlformats.org/drawingml/2006/main" xmlns:dgm="http://schemas.openxmlformats.org/drawingml/2006/diagram" xmlns:dsp="http://schemas.microsoft.com/office/drawing/2008/diagram" xmlns:p="http://schemas.openxmlformats.org/presentationml/2006/main" showMasterSp="0" showMasterPhAnim="0">
   <p:cSld>
     <p:spTree>
       <p:nvGrpSpPr>
-        <p:cNvPr id="210" name="Shape 210"/>
+        <p:cNvPr id="1" name=""/>
         <p:cNvGrpSpPr/>
         <p:nvPr/>
       </p:nvGrpSpPr>
@@ -3422,9 +3541,11 @@
       <p:sp>
         <p:nvSpPr>
           <p:cNvPr id="211" name="Google Shape;211;p22:notes"/>
-          <p:cNvSpPr txBox="1"/>
+          <p:cNvSpPr txBox="1">
+            <a:spLocks noGrp="1"/>
+          </p:cNvSpPr>
           <p:nvPr>
-            <p:ph idx="1" type="body"/>
+            <p:ph type="body" idx="1"/>
           </p:nvPr>
         </p:nvSpPr>
         <p:spPr>
@@ -3441,37 +3562,41 @@
           </a:ln>
         </p:spPr>
         <p:txBody>
-          <a:bodyPr anchorCtr="0" anchor="t" bIns="49525" lIns="99075" spcFirstLastPara="1" rIns="99075" wrap="square" tIns="49525">
+          <a:bodyPr wrap="square" lIns="99075" tIns="49525" rIns="99075" bIns="49525" anchor="t" anchorCtr="0">
             <a:noAutofit/>
           </a:bodyPr>
           <a:lstStyle/>
           <a:p>
-            <a:pPr indent="0" lvl="0" marL="0" rtl="0" algn="l">
-              <a:lnSpc>
-                <a:spcPct val="100000"/>
-              </a:lnSpc>
-              <a:spcBef>
-                <a:spcPts val="468"/>
-              </a:spcBef>
-              <a:spcAft>
-                <a:spcPts val="0"/>
-              </a:spcAft>
-              <a:buSzPts val="1400"/>
-              <a:buNone/>
+            <a:pPr marL="0" lvl="0" indent="0" algn="l" rtl="0">
+              <a:lnSpc>
+                <a:spcPct val="100000"/>
+              </a:lnSpc>
+              <a:spcBef>
+                <a:spcPts val="467"/>
+              </a:spcBef>
+              <a:spcAft>
+                <a:spcPts val="0"/>
+              </a:spcAft>
+              <a:buSzPct val="25000"/>
+              <a:buNone/>
+              <a:defRPr/>
             </a:pPr>
             <a:r>
+              <a:rPr lang="ko-KR" altLang="en-US"/>
               <a:t/>
             </a:r>
-            <a:endParaRPr/>
+            <a:endParaRPr lang="ko-KR" altLang="en-US"/>
           </a:p>
         </p:txBody>
       </p:sp>
       <p:sp>
         <p:nvSpPr>
           <p:cNvPr id="212" name="Google Shape;212;p22:notes"/>
-          <p:cNvSpPr/>
+          <p:cNvSpPr>
+            <a:spLocks noGrp="1" noRot="1" noChangeAspect="1" noTextEdit="1"/>
+          </p:cNvSpPr>
           <p:nvPr>
-            <p:ph idx="2" type="sldImg"/>
+            <p:ph type="sldImg" idx="2"/>
           </p:nvPr>
         </p:nvSpPr>
         <p:spPr>
@@ -3480,9 +3605,11 @@
             <a:ext cx="5116513" cy="3838575"/>
           </a:xfrm>
           <a:custGeom>
-            <a:rect b="b" l="l" r="r" t="t"/>
+            <a:avLst/>
+            <a:gdLst/>
+            <a:rect l="l" t="t" r="r" b="b"/>
             <a:pathLst>
-              <a:path extrusionOk="0" h="120000" w="120000">
+              <a:path w="120000" h="120000" extrusionOk="0">
                 <a:moveTo>
                   <a:pt x="0" y="0"/>
                 </a:moveTo>
@@ -3500,14 +3627,12 @@
             </a:pathLst>
           </a:custGeom>
           <a:noFill/>
-          <a:ln cap="flat" cmpd="sng" w="9525">
+          <a:ln w="9525" cap="flat" cmpd="sng">
             <a:solidFill>
               <a:srgbClr val="000000"/>
             </a:solidFill>
             <a:prstDash val="solid"/>
-            <a:miter lim="800000"/>
-            <a:headEnd len="sm" w="sm" type="none"/>
-            <a:tailEnd len="sm" w="sm" type="none"/>
+            <a:miter/>
           </a:ln>
         </p:spPr>
       </p:sp>
@@ -3520,11 +3645,11 @@
 </file>
 
 <file path=ppt/notesSlides/notesSlide23.xml><?xml version="1.0" encoding="utf-8"?>
-<p:notes xmlns:a="http://schemas.openxmlformats.org/drawingml/2006/main" xmlns:r="http://schemas.openxmlformats.org/officeDocument/2006/relationships" xmlns:mc="http://schemas.openxmlformats.org/markup-compatibility/2006" xmlns:mv="urn:schemas-microsoft-com:mac:vml" xmlns:p="http://schemas.openxmlformats.org/presentationml/2006/main" xmlns:c="http://schemas.openxmlformats.org/drawingml/2006/chart" xmlns:dgm="http://schemas.openxmlformats.org/drawingml/2006/diagram" xmlns:o="urn:schemas-microsoft-com:office:office" xmlns:v="urn:schemas-microsoft-com:vml" xmlns:pvml="urn:schemas-microsoft-com:office:powerpoint" xmlns:com="http://schemas.openxmlformats.org/drawingml/2006/compatibility" xmlns:p14="http://schemas.microsoft.com/office/powerpoint/2010/main" xmlns:p15="http://schemas.microsoft.com/office/powerpoint/2012/main" xmlns:ahyp="http://schemas.microsoft.com/office/drawing/2018/hyperlinkcolor" showMasterPhAnim="0" showMasterSp="0">
+<p:notes xmlns:r="http://schemas.openxmlformats.org/officeDocument/2006/relationships" xmlns:c="http://schemas.openxmlformats.org/drawingml/2006/chart" xmlns:a="http://schemas.openxmlformats.org/drawingml/2006/main" xmlns:dgm="http://schemas.openxmlformats.org/drawingml/2006/diagram" xmlns:dsp="http://schemas.microsoft.com/office/drawing/2008/diagram" xmlns:p="http://schemas.openxmlformats.org/presentationml/2006/main" showMasterSp="0" showMasterPhAnim="0">
   <p:cSld>
     <p:spTree>
       <p:nvGrpSpPr>
-        <p:cNvPr id="224" name="Shape 224"/>
+        <p:cNvPr id="1" name=""/>
         <p:cNvGrpSpPr/>
         <p:nvPr/>
       </p:nvGrpSpPr>
@@ -3539,9 +3664,11 @@
       <p:sp>
         <p:nvSpPr>
           <p:cNvPr id="225" name="Google Shape;225;p23:notes"/>
-          <p:cNvSpPr txBox="1"/>
+          <p:cNvSpPr txBox="1">
+            <a:spLocks noGrp="1"/>
+          </p:cNvSpPr>
           <p:nvPr>
-            <p:ph idx="1" type="body"/>
+            <p:ph type="body" idx="1"/>
           </p:nvPr>
         </p:nvSpPr>
         <p:spPr>
@@ -3558,37 +3685,41 @@
           </a:ln>
         </p:spPr>
         <p:txBody>
-          <a:bodyPr anchorCtr="0" anchor="t" bIns="49525" lIns="99075" spcFirstLastPara="1" rIns="99075" wrap="square" tIns="49525">
+          <a:bodyPr wrap="square" lIns="99075" tIns="49525" rIns="99075" bIns="49525" anchor="t" anchorCtr="0">
             <a:noAutofit/>
           </a:bodyPr>
           <a:lstStyle/>
           <a:p>
-            <a:pPr indent="0" lvl="0" marL="0" rtl="0" algn="l">
-              <a:lnSpc>
-                <a:spcPct val="100000"/>
-              </a:lnSpc>
-              <a:spcBef>
-                <a:spcPts val="468"/>
-              </a:spcBef>
-              <a:spcAft>
-                <a:spcPts val="0"/>
-              </a:spcAft>
-              <a:buSzPts val="1400"/>
-              <a:buNone/>
+            <a:pPr marL="0" lvl="0" indent="0" algn="l" rtl="0">
+              <a:lnSpc>
+                <a:spcPct val="100000"/>
+              </a:lnSpc>
+              <a:spcBef>
+                <a:spcPts val="467"/>
+              </a:spcBef>
+              <a:spcAft>
+                <a:spcPts val="0"/>
+              </a:spcAft>
+              <a:buSzPct val="25000"/>
+              <a:buNone/>
+              <a:defRPr/>
             </a:pPr>
             <a:r>
+              <a:rPr lang="ko-KR" altLang="en-US"/>
               <a:t/>
             </a:r>
-            <a:endParaRPr/>
+            <a:endParaRPr lang="ko-KR" altLang="en-US"/>
           </a:p>
         </p:txBody>
       </p:sp>
       <p:sp>
         <p:nvSpPr>
           <p:cNvPr id="226" name="Google Shape;226;p23:notes"/>
-          <p:cNvSpPr/>
+          <p:cNvSpPr>
+            <a:spLocks noGrp="1" noRot="1" noChangeAspect="1" noTextEdit="1"/>
+          </p:cNvSpPr>
           <p:nvPr>
-            <p:ph idx="2" type="sldImg"/>
+            <p:ph type="sldImg" idx="2"/>
           </p:nvPr>
         </p:nvSpPr>
         <p:spPr>
@@ -3597,9 +3728,11 @@
             <a:ext cx="5116513" cy="3838575"/>
           </a:xfrm>
           <a:custGeom>
-            <a:rect b="b" l="l" r="r" t="t"/>
+            <a:avLst/>
+            <a:gdLst/>
+            <a:rect l="l" t="t" r="r" b="b"/>
             <a:pathLst>
-              <a:path extrusionOk="0" h="120000" w="120000">
+              <a:path w="120000" h="120000" extrusionOk="0">
                 <a:moveTo>
                   <a:pt x="0" y="0"/>
                 </a:moveTo>
@@ -3617,14 +3750,12 @@
             </a:pathLst>
           </a:custGeom>
           <a:noFill/>
-          <a:ln cap="flat" cmpd="sng" w="9525">
+          <a:ln w="9525" cap="flat" cmpd="sng">
             <a:solidFill>
               <a:srgbClr val="000000"/>
             </a:solidFill>
             <a:prstDash val="solid"/>
-            <a:miter lim="800000"/>
-            <a:headEnd len="sm" w="sm" type="none"/>
-            <a:tailEnd len="sm" w="sm" type="none"/>
+            <a:miter/>
           </a:ln>
         </p:spPr>
       </p:sp>
@@ -3637,11 +3768,11 @@
 </file>
 
 <file path=ppt/notesSlides/notesSlide24.xml><?xml version="1.0" encoding="utf-8"?>
-<p:notes xmlns:a="http://schemas.openxmlformats.org/drawingml/2006/main" xmlns:r="http://schemas.openxmlformats.org/officeDocument/2006/relationships" xmlns:mc="http://schemas.openxmlformats.org/markup-compatibility/2006" xmlns:mv="urn:schemas-microsoft-com:mac:vml" xmlns:p="http://schemas.openxmlformats.org/presentationml/2006/main" xmlns:c="http://schemas.openxmlformats.org/drawingml/2006/chart" xmlns:dgm="http://schemas.openxmlformats.org/drawingml/2006/diagram" xmlns:o="urn:schemas-microsoft-com:office:office" xmlns:v="urn:schemas-microsoft-com:vml" xmlns:pvml="urn:schemas-microsoft-com:office:powerpoint" xmlns:com="http://schemas.openxmlformats.org/drawingml/2006/compatibility" xmlns:p14="http://schemas.microsoft.com/office/powerpoint/2010/main" xmlns:p15="http://schemas.microsoft.com/office/powerpoint/2012/main" xmlns:ahyp="http://schemas.microsoft.com/office/drawing/2018/hyperlinkcolor" showMasterPhAnim="0" showMasterSp="0">
+<p:notes xmlns:r="http://schemas.openxmlformats.org/officeDocument/2006/relationships" xmlns:c="http://schemas.openxmlformats.org/drawingml/2006/chart" xmlns:a="http://schemas.openxmlformats.org/drawingml/2006/main" xmlns:dgm="http://schemas.openxmlformats.org/drawingml/2006/diagram" xmlns:dsp="http://schemas.microsoft.com/office/drawing/2008/diagram" xmlns:p="http://schemas.openxmlformats.org/presentationml/2006/main" showMasterSp="0" showMasterPhAnim="0">
   <p:cSld>
     <p:spTree>
       <p:nvGrpSpPr>
-        <p:cNvPr id="231" name="Shape 231"/>
+        <p:cNvPr id="1" name=""/>
         <p:cNvGrpSpPr/>
         <p:nvPr/>
       </p:nvGrpSpPr>
@@ -3656,9 +3787,11 @@
       <p:sp>
         <p:nvSpPr>
           <p:cNvPr id="232" name="Google Shape;232;p24:notes"/>
-          <p:cNvSpPr txBox="1"/>
+          <p:cNvSpPr txBox="1">
+            <a:spLocks noGrp="1"/>
+          </p:cNvSpPr>
           <p:nvPr>
-            <p:ph idx="1" type="body"/>
+            <p:ph type="body" idx="1"/>
           </p:nvPr>
         </p:nvSpPr>
         <p:spPr>
@@ -3675,37 +3808,41 @@
           </a:ln>
         </p:spPr>
         <p:txBody>
-          <a:bodyPr anchorCtr="0" anchor="t" bIns="49525" lIns="99075" spcFirstLastPara="1" rIns="99075" wrap="square" tIns="49525">
+          <a:bodyPr wrap="square" lIns="99075" tIns="49525" rIns="99075" bIns="49525" anchor="t" anchorCtr="0">
             <a:noAutofit/>
           </a:bodyPr>
           <a:lstStyle/>
           <a:p>
-            <a:pPr indent="0" lvl="0" marL="0" rtl="0" algn="l">
-              <a:lnSpc>
-                <a:spcPct val="100000"/>
-              </a:lnSpc>
-              <a:spcBef>
-                <a:spcPts val="468"/>
-              </a:spcBef>
-              <a:spcAft>
-                <a:spcPts val="0"/>
-              </a:spcAft>
-              <a:buSzPts val="1400"/>
-              <a:buNone/>
+            <a:pPr marL="0" lvl="0" indent="0" algn="l" rtl="0">
+              <a:lnSpc>
+                <a:spcPct val="100000"/>
+              </a:lnSpc>
+              <a:spcBef>
+                <a:spcPts val="467"/>
+              </a:spcBef>
+              <a:spcAft>
+                <a:spcPts val="0"/>
+              </a:spcAft>
+              <a:buSzPct val="25000"/>
+              <a:buNone/>
+              <a:defRPr/>
             </a:pPr>
             <a:r>
+              <a:rPr lang="ko-KR" altLang="en-US"/>
               <a:t/>
             </a:r>
-            <a:endParaRPr/>
+            <a:endParaRPr lang="ko-KR" altLang="en-US"/>
           </a:p>
         </p:txBody>
       </p:sp>
       <p:sp>
         <p:nvSpPr>
           <p:cNvPr id="233" name="Google Shape;233;p24:notes"/>
-          <p:cNvSpPr/>
+          <p:cNvSpPr>
+            <a:spLocks noGrp="1" noRot="1" noChangeAspect="1" noTextEdit="1"/>
+          </p:cNvSpPr>
           <p:nvPr>
-            <p:ph idx="2" type="sldImg"/>
+            <p:ph type="sldImg" idx="2"/>
           </p:nvPr>
         </p:nvSpPr>
         <p:spPr>
@@ -3714,9 +3851,11 @@
             <a:ext cx="5116513" cy="3838575"/>
           </a:xfrm>
           <a:custGeom>
-            <a:rect b="b" l="l" r="r" t="t"/>
+            <a:avLst/>
+            <a:gdLst/>
+            <a:rect l="l" t="t" r="r" b="b"/>
             <a:pathLst>
-              <a:path extrusionOk="0" h="120000" w="120000">
+              <a:path w="120000" h="120000" extrusionOk="0">
                 <a:moveTo>
                   <a:pt x="0" y="0"/>
                 </a:moveTo>
@@ -3734,14 +3873,12 @@
             </a:pathLst>
           </a:custGeom>
           <a:noFill/>
-          <a:ln cap="flat" cmpd="sng" w="9525">
+          <a:ln w="9525" cap="flat" cmpd="sng">
             <a:solidFill>
               <a:srgbClr val="000000"/>
             </a:solidFill>
             <a:prstDash val="solid"/>
-            <a:miter lim="800000"/>
-            <a:headEnd len="sm" w="sm" type="none"/>
-            <a:tailEnd len="sm" w="sm" type="none"/>
+            <a:miter/>
           </a:ln>
         </p:spPr>
       </p:sp>
@@ -3754,11 +3891,11 @@
 </file>
 
 <file path=ppt/notesSlides/notesSlide25.xml><?xml version="1.0" encoding="utf-8"?>
-<p:notes xmlns:a="http://schemas.openxmlformats.org/drawingml/2006/main" xmlns:r="http://schemas.openxmlformats.org/officeDocument/2006/relationships" xmlns:mc="http://schemas.openxmlformats.org/markup-compatibility/2006" xmlns:mv="urn:schemas-microsoft-com:mac:vml" xmlns:p="http://schemas.openxmlformats.org/presentationml/2006/main" xmlns:c="http://schemas.openxmlformats.org/drawingml/2006/chart" xmlns:dgm="http://schemas.openxmlformats.org/drawingml/2006/diagram" xmlns:o="urn:schemas-microsoft-com:office:office" xmlns:v="urn:schemas-microsoft-com:vml" xmlns:pvml="urn:schemas-microsoft-com:office:powerpoint" xmlns:com="http://schemas.openxmlformats.org/drawingml/2006/compatibility" xmlns:p14="http://schemas.microsoft.com/office/powerpoint/2010/main" xmlns:p15="http://schemas.microsoft.com/office/powerpoint/2012/main" xmlns:ahyp="http://schemas.microsoft.com/office/drawing/2018/hyperlinkcolor" showMasterPhAnim="0" showMasterSp="0">
+<p:notes xmlns:r="http://schemas.openxmlformats.org/officeDocument/2006/relationships" xmlns:c="http://schemas.openxmlformats.org/drawingml/2006/chart" xmlns:a="http://schemas.openxmlformats.org/drawingml/2006/main" xmlns:dgm="http://schemas.openxmlformats.org/drawingml/2006/diagram" xmlns:dsp="http://schemas.microsoft.com/office/drawing/2008/diagram" xmlns:p="http://schemas.openxmlformats.org/presentationml/2006/main" showMasterSp="0" showMasterPhAnim="0">
   <p:cSld>
     <p:spTree>
       <p:nvGrpSpPr>
-        <p:cNvPr id="241" name="Shape 241"/>
+        <p:cNvPr id="1" name=""/>
         <p:cNvGrpSpPr/>
         <p:nvPr/>
       </p:nvGrpSpPr>
@@ -3773,9 +3910,11 @@
       <p:sp>
         <p:nvSpPr>
           <p:cNvPr id="242" name="Google Shape;242;p25:notes"/>
-          <p:cNvSpPr txBox="1"/>
+          <p:cNvSpPr txBox="1">
+            <a:spLocks noGrp="1"/>
+          </p:cNvSpPr>
           <p:nvPr>
-            <p:ph idx="1" type="body"/>
+            <p:ph type="body" idx="1"/>
           </p:nvPr>
         </p:nvSpPr>
         <p:spPr>
@@ -3792,37 +3931,41 @@
           </a:ln>
         </p:spPr>
         <p:txBody>
-          <a:bodyPr anchorCtr="0" anchor="t" bIns="49525" lIns="99075" spcFirstLastPara="1" rIns="99075" wrap="square" tIns="49525">
+          <a:bodyPr wrap="square" lIns="99075" tIns="49525" rIns="99075" bIns="49525" anchor="t" anchorCtr="0">
             <a:noAutofit/>
           </a:bodyPr>
           <a:lstStyle/>
           <a:p>
-            <a:pPr indent="0" lvl="0" marL="0" rtl="0" algn="l">
-              <a:lnSpc>
-                <a:spcPct val="100000"/>
-              </a:lnSpc>
-              <a:spcBef>
-                <a:spcPts val="468"/>
-              </a:spcBef>
-              <a:spcAft>
-                <a:spcPts val="0"/>
-              </a:spcAft>
-              <a:buSzPts val="1400"/>
-              <a:buNone/>
+            <a:pPr marL="0" lvl="0" indent="0" algn="l" rtl="0">
+              <a:lnSpc>
+                <a:spcPct val="100000"/>
+              </a:lnSpc>
+              <a:spcBef>
+                <a:spcPts val="467"/>
+              </a:spcBef>
+              <a:spcAft>
+                <a:spcPts val="0"/>
+              </a:spcAft>
+              <a:buSzPct val="25000"/>
+              <a:buNone/>
+              <a:defRPr/>
             </a:pPr>
             <a:r>
+              <a:rPr lang="ko-KR" altLang="en-US"/>
               <a:t/>
             </a:r>
-            <a:endParaRPr/>
+            <a:endParaRPr lang="ko-KR" altLang="en-US"/>
           </a:p>
         </p:txBody>
       </p:sp>
       <p:sp>
         <p:nvSpPr>
           <p:cNvPr id="243" name="Google Shape;243;p25:notes"/>
-          <p:cNvSpPr/>
+          <p:cNvSpPr>
+            <a:spLocks noGrp="1" noRot="1" noChangeAspect="1" noTextEdit="1"/>
+          </p:cNvSpPr>
           <p:nvPr>
-            <p:ph idx="2" type="sldImg"/>
+            <p:ph type="sldImg" idx="2"/>
           </p:nvPr>
         </p:nvSpPr>
         <p:spPr>
@@ -3831,9 +3974,11 @@
             <a:ext cx="5116513" cy="3838575"/>
           </a:xfrm>
           <a:custGeom>
-            <a:rect b="b" l="l" r="r" t="t"/>
+            <a:avLst/>
+            <a:gdLst/>
+            <a:rect l="l" t="t" r="r" b="b"/>
             <a:pathLst>
-              <a:path extrusionOk="0" h="120000" w="120000">
+              <a:path w="120000" h="120000" extrusionOk="0">
                 <a:moveTo>
                   <a:pt x="0" y="0"/>
                 </a:moveTo>
@@ -3851,14 +3996,12 @@
             </a:pathLst>
           </a:custGeom>
           <a:noFill/>
-          <a:ln cap="flat" cmpd="sng" w="9525">
+          <a:ln w="9525" cap="flat" cmpd="sng">
             <a:solidFill>
               <a:srgbClr val="000000"/>
             </a:solidFill>
             <a:prstDash val="solid"/>
-            <a:miter lim="800000"/>
-            <a:headEnd len="sm" w="sm" type="none"/>
-            <a:tailEnd len="sm" w="sm" type="none"/>
+            <a:miter/>
           </a:ln>
         </p:spPr>
       </p:sp>
@@ -3871,11 +4014,11 @@
 </file>
 
 <file path=ppt/notesSlides/notesSlide26.xml><?xml version="1.0" encoding="utf-8"?>
-<p:notes xmlns:a="http://schemas.openxmlformats.org/drawingml/2006/main" xmlns:r="http://schemas.openxmlformats.org/officeDocument/2006/relationships" xmlns:mc="http://schemas.openxmlformats.org/markup-compatibility/2006" xmlns:mv="urn:schemas-microsoft-com:mac:vml" xmlns:p="http://schemas.openxmlformats.org/presentationml/2006/main" xmlns:c="http://schemas.openxmlformats.org/drawingml/2006/chart" xmlns:dgm="http://schemas.openxmlformats.org/drawingml/2006/diagram" xmlns:o="urn:schemas-microsoft-com:office:office" xmlns:v="urn:schemas-microsoft-com:vml" xmlns:pvml="urn:schemas-microsoft-com:office:powerpoint" xmlns:com="http://schemas.openxmlformats.org/drawingml/2006/compatibility" xmlns:p14="http://schemas.microsoft.com/office/powerpoint/2010/main" xmlns:p15="http://schemas.microsoft.com/office/powerpoint/2012/main" xmlns:ahyp="http://schemas.microsoft.com/office/drawing/2018/hyperlinkcolor" showMasterPhAnim="0" showMasterSp="0">
+<p:notes xmlns:r="http://schemas.openxmlformats.org/officeDocument/2006/relationships" xmlns:c="http://schemas.openxmlformats.org/drawingml/2006/chart" xmlns:a="http://schemas.openxmlformats.org/drawingml/2006/main" xmlns:dgm="http://schemas.openxmlformats.org/drawingml/2006/diagram" xmlns:dsp="http://schemas.microsoft.com/office/drawing/2008/diagram" xmlns:p="http://schemas.openxmlformats.org/presentationml/2006/main" showMasterSp="0" showMasterPhAnim="0">
   <p:cSld>
     <p:spTree>
       <p:nvGrpSpPr>
-        <p:cNvPr id="249" name="Shape 249"/>
+        <p:cNvPr id="1" name=""/>
         <p:cNvGrpSpPr/>
         <p:nvPr/>
       </p:nvGrpSpPr>
@@ -3890,9 +4033,11 @@
       <p:sp>
         <p:nvSpPr>
           <p:cNvPr id="250" name="Google Shape;250;p26:notes"/>
-          <p:cNvSpPr txBox="1"/>
+          <p:cNvSpPr txBox="1">
+            <a:spLocks noGrp="1"/>
+          </p:cNvSpPr>
           <p:nvPr>
-            <p:ph idx="1" type="body"/>
+            <p:ph type="body" idx="1"/>
           </p:nvPr>
         </p:nvSpPr>
         <p:spPr>
@@ -3909,37 +4054,41 @@
           </a:ln>
         </p:spPr>
         <p:txBody>
-          <a:bodyPr anchorCtr="0" anchor="t" bIns="49525" lIns="99075" spcFirstLastPara="1" rIns="99075" wrap="square" tIns="49525">
+          <a:bodyPr wrap="square" lIns="99075" tIns="49525" rIns="99075" bIns="49525" anchor="t" anchorCtr="0">
             <a:noAutofit/>
           </a:bodyPr>
           <a:lstStyle/>
           <a:p>
-            <a:pPr indent="0" lvl="0" marL="0" rtl="0" algn="l">
-              <a:lnSpc>
-                <a:spcPct val="100000"/>
-              </a:lnSpc>
-              <a:spcBef>
-                <a:spcPts val="468"/>
-              </a:spcBef>
-              <a:spcAft>
-                <a:spcPts val="0"/>
-              </a:spcAft>
-              <a:buSzPts val="1400"/>
-              <a:buNone/>
+            <a:pPr marL="0" lvl="0" indent="0" algn="l" rtl="0">
+              <a:lnSpc>
+                <a:spcPct val="100000"/>
+              </a:lnSpc>
+              <a:spcBef>
+                <a:spcPts val="467"/>
+              </a:spcBef>
+              <a:spcAft>
+                <a:spcPts val="0"/>
+              </a:spcAft>
+              <a:buSzPct val="25000"/>
+              <a:buNone/>
+              <a:defRPr/>
             </a:pPr>
             <a:r>
+              <a:rPr lang="ko-KR" altLang="en-US"/>
               <a:t/>
             </a:r>
-            <a:endParaRPr/>
+            <a:endParaRPr lang="ko-KR" altLang="en-US"/>
           </a:p>
         </p:txBody>
       </p:sp>
       <p:sp>
         <p:nvSpPr>
           <p:cNvPr id="251" name="Google Shape;251;p26:notes"/>
-          <p:cNvSpPr/>
+          <p:cNvSpPr>
+            <a:spLocks noGrp="1" noRot="1" noChangeAspect="1" noTextEdit="1"/>
+          </p:cNvSpPr>
           <p:nvPr>
-            <p:ph idx="2" type="sldImg"/>
+            <p:ph type="sldImg" idx="2"/>
           </p:nvPr>
         </p:nvSpPr>
         <p:spPr>
@@ -3948,9 +4097,11 @@
             <a:ext cx="5116513" cy="3838575"/>
           </a:xfrm>
           <a:custGeom>
-            <a:rect b="b" l="l" r="r" t="t"/>
+            <a:avLst/>
+            <a:gdLst/>
+            <a:rect l="l" t="t" r="r" b="b"/>
             <a:pathLst>
-              <a:path extrusionOk="0" h="120000" w="120000">
+              <a:path w="120000" h="120000" extrusionOk="0">
                 <a:moveTo>
                   <a:pt x="0" y="0"/>
                 </a:moveTo>
@@ -3968,14 +4119,12 @@
             </a:pathLst>
           </a:custGeom>
           <a:noFill/>
-          <a:ln cap="flat" cmpd="sng" w="9525">
+          <a:ln w="9525" cap="flat" cmpd="sng">
             <a:solidFill>
               <a:srgbClr val="000000"/>
             </a:solidFill>
             <a:prstDash val="solid"/>
-            <a:miter lim="800000"/>
-            <a:headEnd len="sm" w="sm" type="none"/>
-            <a:tailEnd len="sm" w="sm" type="none"/>
+            <a:miter/>
           </a:ln>
         </p:spPr>
       </p:sp>
@@ -3988,11 +4137,11 @@
 </file>
 
 <file path=ppt/notesSlides/notesSlide27.xml><?xml version="1.0" encoding="utf-8"?>
-<p:notes xmlns:a="http://schemas.openxmlformats.org/drawingml/2006/main" xmlns:r="http://schemas.openxmlformats.org/officeDocument/2006/relationships" xmlns:mc="http://schemas.openxmlformats.org/markup-compatibility/2006" xmlns:mv="urn:schemas-microsoft-com:mac:vml" xmlns:p="http://schemas.openxmlformats.org/presentationml/2006/main" xmlns:c="http://schemas.openxmlformats.org/drawingml/2006/chart" xmlns:dgm="http://schemas.openxmlformats.org/drawingml/2006/diagram" xmlns:o="urn:schemas-microsoft-com:office:office" xmlns:v="urn:schemas-microsoft-com:vml" xmlns:pvml="urn:schemas-microsoft-com:office:powerpoint" xmlns:com="http://schemas.openxmlformats.org/drawingml/2006/compatibility" xmlns:p14="http://schemas.microsoft.com/office/powerpoint/2010/main" xmlns:p15="http://schemas.microsoft.com/office/powerpoint/2012/main" xmlns:ahyp="http://schemas.microsoft.com/office/drawing/2018/hyperlinkcolor" showMasterPhAnim="0" showMasterSp="0">
+<p:notes xmlns:r="http://schemas.openxmlformats.org/officeDocument/2006/relationships" xmlns:c="http://schemas.openxmlformats.org/drawingml/2006/chart" xmlns:a="http://schemas.openxmlformats.org/drawingml/2006/main" xmlns:dgm="http://schemas.openxmlformats.org/drawingml/2006/diagram" xmlns:dsp="http://schemas.microsoft.com/office/drawing/2008/diagram" xmlns:p="http://schemas.openxmlformats.org/presentationml/2006/main" showMasterSp="0" showMasterPhAnim="0">
   <p:cSld>
     <p:spTree>
       <p:nvGrpSpPr>
-        <p:cNvPr id="258" name="Shape 258"/>
+        <p:cNvPr id="1" name=""/>
         <p:cNvGrpSpPr/>
         <p:nvPr/>
       </p:nvGrpSpPr>
@@ -4007,9 +4156,11 @@
       <p:sp>
         <p:nvSpPr>
           <p:cNvPr id="259" name="Google Shape;259;p27:notes"/>
-          <p:cNvSpPr txBox="1"/>
+          <p:cNvSpPr txBox="1">
+            <a:spLocks noGrp="1"/>
+          </p:cNvSpPr>
           <p:nvPr>
-            <p:ph idx="1" type="body"/>
+            <p:ph type="body" idx="1"/>
           </p:nvPr>
         </p:nvSpPr>
         <p:spPr>
@@ -4026,37 +4177,41 @@
           </a:ln>
         </p:spPr>
         <p:txBody>
-          <a:bodyPr anchorCtr="0" anchor="t" bIns="49525" lIns="99075" spcFirstLastPara="1" rIns="99075" wrap="square" tIns="49525">
+          <a:bodyPr wrap="square" lIns="99075" tIns="49525" rIns="99075" bIns="49525" anchor="t" anchorCtr="0">
             <a:noAutofit/>
           </a:bodyPr>
           <a:lstStyle/>
           <a:p>
-            <a:pPr indent="0" lvl="0" marL="0" rtl="0" algn="l">
-              <a:lnSpc>
-                <a:spcPct val="100000"/>
-              </a:lnSpc>
-              <a:spcBef>
-                <a:spcPts val="468"/>
-              </a:spcBef>
-              <a:spcAft>
-                <a:spcPts val="0"/>
-              </a:spcAft>
-              <a:buSzPts val="1400"/>
-              <a:buNone/>
+            <a:pPr marL="0" lvl="0" indent="0" algn="l" rtl="0">
+              <a:lnSpc>
+                <a:spcPct val="100000"/>
+              </a:lnSpc>
+              <a:spcBef>
+                <a:spcPts val="467"/>
+              </a:spcBef>
+              <a:spcAft>
+                <a:spcPts val="0"/>
+              </a:spcAft>
+              <a:buSzPct val="25000"/>
+              <a:buNone/>
+              <a:defRPr/>
             </a:pPr>
             <a:r>
+              <a:rPr lang="ko-KR" altLang="en-US"/>
               <a:t/>
             </a:r>
-            <a:endParaRPr/>
+            <a:endParaRPr lang="ko-KR" altLang="en-US"/>
           </a:p>
         </p:txBody>
       </p:sp>
       <p:sp>
         <p:nvSpPr>
           <p:cNvPr id="260" name="Google Shape;260;p27:notes"/>
-          <p:cNvSpPr/>
+          <p:cNvSpPr>
+            <a:spLocks noGrp="1" noRot="1" noChangeAspect="1" noTextEdit="1"/>
+          </p:cNvSpPr>
           <p:nvPr>
-            <p:ph idx="2" type="sldImg"/>
+            <p:ph type="sldImg" idx="2"/>
           </p:nvPr>
         </p:nvSpPr>
         <p:spPr>
@@ -4065,9 +4220,11 @@
             <a:ext cx="5116513" cy="3838575"/>
           </a:xfrm>
           <a:custGeom>
-            <a:rect b="b" l="l" r="r" t="t"/>
+            <a:avLst/>
+            <a:gdLst/>
+            <a:rect l="l" t="t" r="r" b="b"/>
             <a:pathLst>
-              <a:path extrusionOk="0" h="120000" w="120000">
+              <a:path w="120000" h="120000" extrusionOk="0">
                 <a:moveTo>
                   <a:pt x="0" y="0"/>
                 </a:moveTo>
@@ -4085,14 +4242,12 @@
             </a:pathLst>
           </a:custGeom>
           <a:noFill/>
-          <a:ln cap="flat" cmpd="sng" w="9525">
+          <a:ln w="9525" cap="flat" cmpd="sng">
             <a:solidFill>
               <a:srgbClr val="000000"/>
             </a:solidFill>
             <a:prstDash val="solid"/>
-            <a:miter lim="800000"/>
-            <a:headEnd len="sm" w="sm" type="none"/>
-            <a:tailEnd len="sm" w="sm" type="none"/>
+            <a:miter/>
           </a:ln>
         </p:spPr>
       </p:sp>
@@ -4105,11 +4260,11 @@
 </file>
 
 <file path=ppt/notesSlides/notesSlide28.xml><?xml version="1.0" encoding="utf-8"?>
-<p:notes xmlns:a="http://schemas.openxmlformats.org/drawingml/2006/main" xmlns:r="http://schemas.openxmlformats.org/officeDocument/2006/relationships" xmlns:mc="http://schemas.openxmlformats.org/markup-compatibility/2006" xmlns:mv="urn:schemas-microsoft-com:mac:vml" xmlns:p="http://schemas.openxmlformats.org/presentationml/2006/main" xmlns:c="http://schemas.openxmlformats.org/drawingml/2006/chart" xmlns:dgm="http://schemas.openxmlformats.org/drawingml/2006/diagram" xmlns:o="urn:schemas-microsoft-com:office:office" xmlns:v="urn:schemas-microsoft-com:vml" xmlns:pvml="urn:schemas-microsoft-com:office:powerpoint" xmlns:com="http://schemas.openxmlformats.org/drawingml/2006/compatibility" xmlns:p14="http://schemas.microsoft.com/office/powerpoint/2010/main" xmlns:p15="http://schemas.microsoft.com/office/powerpoint/2012/main" xmlns:ahyp="http://schemas.microsoft.com/office/drawing/2018/hyperlinkcolor" showMasterPhAnim="0" showMasterSp="0">
+<p:notes xmlns:r="http://schemas.openxmlformats.org/officeDocument/2006/relationships" xmlns:c="http://schemas.openxmlformats.org/drawingml/2006/chart" xmlns:a="http://schemas.openxmlformats.org/drawingml/2006/main" xmlns:dgm="http://schemas.openxmlformats.org/drawingml/2006/diagram" xmlns:dsp="http://schemas.microsoft.com/office/drawing/2008/diagram" xmlns:p="http://schemas.openxmlformats.org/presentationml/2006/main" showMasterSp="0" showMasterPhAnim="0">
   <p:cSld>
     <p:spTree>
       <p:nvGrpSpPr>
-        <p:cNvPr id="267" name="Shape 267"/>
+        <p:cNvPr id="1" name=""/>
         <p:cNvGrpSpPr/>
         <p:nvPr/>
       </p:nvGrpSpPr>
@@ -4124,9 +4279,11 @@
       <p:sp>
         <p:nvSpPr>
           <p:cNvPr id="268" name="Google Shape;268;p30:notes"/>
-          <p:cNvSpPr txBox="1"/>
+          <p:cNvSpPr txBox="1">
+            <a:spLocks noGrp="1"/>
+          </p:cNvSpPr>
           <p:nvPr>
-            <p:ph idx="1" type="body"/>
+            <p:ph type="body" idx="1"/>
           </p:nvPr>
         </p:nvSpPr>
         <p:spPr>
@@ -4143,37 +4300,41 @@
           </a:ln>
         </p:spPr>
         <p:txBody>
-          <a:bodyPr anchorCtr="0" anchor="t" bIns="49525" lIns="99075" spcFirstLastPara="1" rIns="99075" wrap="square" tIns="49525">
+          <a:bodyPr wrap="square" lIns="99075" tIns="49525" rIns="99075" bIns="49525" anchor="t" anchorCtr="0">
             <a:noAutofit/>
           </a:bodyPr>
           <a:lstStyle/>
           <a:p>
-            <a:pPr indent="0" lvl="0" marL="0" rtl="0" algn="l">
-              <a:lnSpc>
-                <a:spcPct val="100000"/>
-              </a:lnSpc>
-              <a:spcBef>
-                <a:spcPts val="468"/>
-              </a:spcBef>
-              <a:spcAft>
-                <a:spcPts val="0"/>
-              </a:spcAft>
-              <a:buSzPts val="1400"/>
-              <a:buNone/>
+            <a:pPr marL="0" lvl="0" indent="0" algn="l" rtl="0">
+              <a:lnSpc>
+                <a:spcPct val="100000"/>
+              </a:lnSpc>
+              <a:spcBef>
+                <a:spcPts val="467"/>
+              </a:spcBef>
+              <a:spcAft>
+                <a:spcPts val="0"/>
+              </a:spcAft>
+              <a:buSzPct val="25000"/>
+              <a:buNone/>
+              <a:defRPr/>
             </a:pPr>
             <a:r>
+              <a:rPr lang="ko-KR" altLang="en-US"/>
               <a:t/>
             </a:r>
-            <a:endParaRPr/>
+            <a:endParaRPr lang="ko-KR" altLang="en-US"/>
           </a:p>
         </p:txBody>
       </p:sp>
       <p:sp>
         <p:nvSpPr>
           <p:cNvPr id="269" name="Google Shape;269;p30:notes"/>
-          <p:cNvSpPr/>
+          <p:cNvSpPr>
+            <a:spLocks noGrp="1" noRot="1" noChangeAspect="1" noTextEdit="1"/>
+          </p:cNvSpPr>
           <p:nvPr>
-            <p:ph idx="2" type="sldImg"/>
+            <p:ph type="sldImg" idx="2"/>
           </p:nvPr>
         </p:nvSpPr>
         <p:spPr>
@@ -4182,9 +4343,11 @@
             <a:ext cx="5116513" cy="3838575"/>
           </a:xfrm>
           <a:custGeom>
-            <a:rect b="b" l="l" r="r" t="t"/>
+            <a:avLst/>
+            <a:gdLst/>
+            <a:rect l="l" t="t" r="r" b="b"/>
             <a:pathLst>
-              <a:path extrusionOk="0" h="120000" w="120000">
+              <a:path w="120000" h="120000" extrusionOk="0">
                 <a:moveTo>
                   <a:pt x="0" y="0"/>
                 </a:moveTo>
@@ -4202,14 +4365,12 @@
             </a:pathLst>
           </a:custGeom>
           <a:noFill/>
-          <a:ln cap="flat" cmpd="sng" w="9525">
+          <a:ln w="9525" cap="flat" cmpd="sng">
             <a:solidFill>
               <a:srgbClr val="000000"/>
             </a:solidFill>
             <a:prstDash val="solid"/>
-            <a:miter lim="800000"/>
-            <a:headEnd len="sm" w="sm" type="none"/>
-            <a:tailEnd len="sm" w="sm" type="none"/>
+            <a:miter/>
           </a:ln>
         </p:spPr>
       </p:sp>
@@ -4222,11 +4383,11 @@
 </file>
 
 <file path=ppt/notesSlides/notesSlide29.xml><?xml version="1.0" encoding="utf-8"?>
-<p:notes xmlns:a="http://schemas.openxmlformats.org/drawingml/2006/main" xmlns:r="http://schemas.openxmlformats.org/officeDocument/2006/relationships" xmlns:mc="http://schemas.openxmlformats.org/markup-compatibility/2006" xmlns:mv="urn:schemas-microsoft-com:mac:vml" xmlns:p="http://schemas.openxmlformats.org/presentationml/2006/main" xmlns:c="http://schemas.openxmlformats.org/drawingml/2006/chart" xmlns:dgm="http://schemas.openxmlformats.org/drawingml/2006/diagram" xmlns:o="urn:schemas-microsoft-com:office:office" xmlns:v="urn:schemas-microsoft-com:vml" xmlns:pvml="urn:schemas-microsoft-com:office:powerpoint" xmlns:com="http://schemas.openxmlformats.org/drawingml/2006/compatibility" xmlns:p14="http://schemas.microsoft.com/office/powerpoint/2010/main" xmlns:p15="http://schemas.microsoft.com/office/powerpoint/2012/main" xmlns:ahyp="http://schemas.microsoft.com/office/drawing/2018/hyperlinkcolor" showMasterPhAnim="0" showMasterSp="0">
+<p:notes xmlns:r="http://schemas.openxmlformats.org/officeDocument/2006/relationships" xmlns:c="http://schemas.openxmlformats.org/drawingml/2006/chart" xmlns:a="http://schemas.openxmlformats.org/drawingml/2006/main" xmlns:dgm="http://schemas.openxmlformats.org/drawingml/2006/diagram" xmlns:dsp="http://schemas.microsoft.com/office/drawing/2008/diagram" xmlns:p="http://schemas.openxmlformats.org/presentationml/2006/main" showMasterSp="0" showMasterPhAnim="0">
   <p:cSld>
     <p:spTree>
       <p:nvGrpSpPr>
-        <p:cNvPr id="280" name="Shape 280"/>
+        <p:cNvPr id="1" name=""/>
         <p:cNvGrpSpPr/>
         <p:nvPr/>
       </p:nvGrpSpPr>
@@ -4241,9 +4402,11 @@
       <p:sp>
         <p:nvSpPr>
           <p:cNvPr id="281" name="Google Shape;281;p31:notes"/>
-          <p:cNvSpPr txBox="1"/>
+          <p:cNvSpPr txBox="1">
+            <a:spLocks noGrp="1"/>
+          </p:cNvSpPr>
           <p:nvPr>
-            <p:ph idx="1" type="body"/>
+            <p:ph type="body" idx="1"/>
           </p:nvPr>
         </p:nvSpPr>
         <p:spPr>
@@ -4260,37 +4423,41 @@
           </a:ln>
         </p:spPr>
         <p:txBody>
-          <a:bodyPr anchorCtr="0" anchor="t" bIns="49525" lIns="99075" spcFirstLastPara="1" rIns="99075" wrap="square" tIns="49525">
+          <a:bodyPr wrap="square" lIns="99075" tIns="49525" rIns="99075" bIns="49525" anchor="t" anchorCtr="0">
             <a:noAutofit/>
           </a:bodyPr>
           <a:lstStyle/>
           <a:p>
-            <a:pPr indent="0" lvl="0" marL="0" rtl="0" algn="l">
-              <a:lnSpc>
-                <a:spcPct val="100000"/>
-              </a:lnSpc>
-              <a:spcBef>
-                <a:spcPts val="468"/>
-              </a:spcBef>
-              <a:spcAft>
-                <a:spcPts val="0"/>
-              </a:spcAft>
-              <a:buSzPts val="1400"/>
-              <a:buNone/>
+            <a:pPr marL="0" lvl="0" indent="0" algn="l" rtl="0">
+              <a:lnSpc>
+                <a:spcPct val="100000"/>
+              </a:lnSpc>
+              <a:spcBef>
+                <a:spcPts val="467"/>
+              </a:spcBef>
+              <a:spcAft>
+                <a:spcPts val="0"/>
+              </a:spcAft>
+              <a:buSzPct val="25000"/>
+              <a:buNone/>
+              <a:defRPr/>
             </a:pPr>
             <a:r>
+              <a:rPr lang="ko-KR" altLang="en-US"/>
               <a:t/>
             </a:r>
-            <a:endParaRPr/>
+            <a:endParaRPr lang="ko-KR" altLang="en-US"/>
           </a:p>
         </p:txBody>
       </p:sp>
       <p:sp>
         <p:nvSpPr>
           <p:cNvPr id="282" name="Google Shape;282;p31:notes"/>
-          <p:cNvSpPr/>
+          <p:cNvSpPr>
+            <a:spLocks noGrp="1" noRot="1" noChangeAspect="1" noTextEdit="1"/>
+          </p:cNvSpPr>
           <p:nvPr>
-            <p:ph idx="2" type="sldImg"/>
+            <p:ph type="sldImg" idx="2"/>
           </p:nvPr>
         </p:nvSpPr>
         <p:spPr>
@@ -4299,9 +4466,11 @@
             <a:ext cx="5116513" cy="3838575"/>
           </a:xfrm>
           <a:custGeom>
-            <a:rect b="b" l="l" r="r" t="t"/>
+            <a:avLst/>
+            <a:gdLst/>
+            <a:rect l="l" t="t" r="r" b="b"/>
             <a:pathLst>
-              <a:path extrusionOk="0" h="120000" w="120000">
+              <a:path w="120000" h="120000" extrusionOk="0">
                 <a:moveTo>
                   <a:pt x="0" y="0"/>
                 </a:moveTo>
@@ -4319,14 +4488,12 @@
             </a:pathLst>
           </a:custGeom>
           <a:noFill/>
-          <a:ln cap="flat" cmpd="sng" w="9525">
+          <a:ln w="9525" cap="flat" cmpd="sng">
             <a:solidFill>
               <a:srgbClr val="000000"/>
             </a:solidFill>
             <a:prstDash val="solid"/>
-            <a:miter lim="800000"/>
-            <a:headEnd len="sm" w="sm" type="none"/>
-            <a:tailEnd len="sm" w="sm" type="none"/>
+            <a:miter/>
           </a:ln>
         </p:spPr>
       </p:sp>
@@ -4339,11 +4506,11 @@
 </file>
 
 <file path=ppt/notesSlides/notesSlide3.xml><?xml version="1.0" encoding="utf-8"?>
-<p:notes xmlns:a="http://schemas.openxmlformats.org/drawingml/2006/main" xmlns:r="http://schemas.openxmlformats.org/officeDocument/2006/relationships" xmlns:mc="http://schemas.openxmlformats.org/markup-compatibility/2006" xmlns:mv="urn:schemas-microsoft-com:mac:vml" xmlns:p="http://schemas.openxmlformats.org/presentationml/2006/main" xmlns:c="http://schemas.openxmlformats.org/drawingml/2006/chart" xmlns:dgm="http://schemas.openxmlformats.org/drawingml/2006/diagram" xmlns:o="urn:schemas-microsoft-com:office:office" xmlns:v="urn:schemas-microsoft-com:vml" xmlns:pvml="urn:schemas-microsoft-com:office:powerpoint" xmlns:com="http://schemas.openxmlformats.org/drawingml/2006/compatibility" xmlns:p14="http://schemas.microsoft.com/office/powerpoint/2010/main" xmlns:p15="http://schemas.microsoft.com/office/powerpoint/2012/main" xmlns:ahyp="http://schemas.microsoft.com/office/drawing/2018/hyperlinkcolor" showMasterPhAnim="0" showMasterSp="0">
+<p:notes xmlns:r="http://schemas.openxmlformats.org/officeDocument/2006/relationships" xmlns:c="http://schemas.openxmlformats.org/drawingml/2006/chart" xmlns:a="http://schemas.openxmlformats.org/drawingml/2006/main" xmlns:dgm="http://schemas.openxmlformats.org/drawingml/2006/diagram" xmlns:dsp="http://schemas.microsoft.com/office/drawing/2008/diagram" xmlns:p="http://schemas.openxmlformats.org/presentationml/2006/main" showMasterSp="0" showMasterPhAnim="0">
   <p:cSld>
     <p:spTree>
       <p:nvGrpSpPr>
-        <p:cNvPr id="40" name="Shape 40"/>
+        <p:cNvPr id="1" name=""/>
         <p:cNvGrpSpPr/>
         <p:nvPr/>
       </p:nvGrpSpPr>
@@ -4358,9 +4525,11 @@
       <p:sp>
         <p:nvSpPr>
           <p:cNvPr id="41" name="Google Shape;41;p3:notes"/>
-          <p:cNvSpPr txBox="1"/>
+          <p:cNvSpPr txBox="1">
+            <a:spLocks noGrp="1"/>
+          </p:cNvSpPr>
           <p:nvPr>
-            <p:ph idx="1" type="body"/>
+            <p:ph type="body" idx="1"/>
           </p:nvPr>
         </p:nvSpPr>
         <p:spPr>
@@ -4377,37 +4546,41 @@
           </a:ln>
         </p:spPr>
         <p:txBody>
-          <a:bodyPr anchorCtr="0" anchor="t" bIns="49525" lIns="99075" spcFirstLastPara="1" rIns="99075" wrap="square" tIns="49525">
+          <a:bodyPr wrap="square" lIns="99075" tIns="49525" rIns="99075" bIns="49525" anchor="t" anchorCtr="0">
             <a:noAutofit/>
           </a:bodyPr>
           <a:lstStyle/>
           <a:p>
-            <a:pPr indent="0" lvl="0" marL="0" rtl="0" algn="l">
-              <a:lnSpc>
-                <a:spcPct val="100000"/>
-              </a:lnSpc>
-              <a:spcBef>
-                <a:spcPts val="468"/>
-              </a:spcBef>
-              <a:spcAft>
-                <a:spcPts val="0"/>
-              </a:spcAft>
-              <a:buSzPts val="1400"/>
-              <a:buNone/>
+            <a:pPr marL="0" lvl="0" indent="0" algn="l" rtl="0">
+              <a:lnSpc>
+                <a:spcPct val="100000"/>
+              </a:lnSpc>
+              <a:spcBef>
+                <a:spcPts val="467"/>
+              </a:spcBef>
+              <a:spcAft>
+                <a:spcPts val="0"/>
+              </a:spcAft>
+              <a:buSzPct val="25000"/>
+              <a:buNone/>
+              <a:defRPr/>
             </a:pPr>
             <a:r>
+              <a:rPr lang="ko-KR" altLang="en-US"/>
               <a:t/>
             </a:r>
-            <a:endParaRPr/>
+            <a:endParaRPr lang="ko-KR" altLang="en-US"/>
           </a:p>
         </p:txBody>
       </p:sp>
       <p:sp>
         <p:nvSpPr>
           <p:cNvPr id="42" name="Google Shape;42;p3:notes"/>
-          <p:cNvSpPr/>
+          <p:cNvSpPr>
+            <a:spLocks noGrp="1" noRot="1" noChangeAspect="1" noTextEdit="1"/>
+          </p:cNvSpPr>
           <p:nvPr>
-            <p:ph idx="2" type="sldImg"/>
+            <p:ph type="sldImg" idx="2"/>
           </p:nvPr>
         </p:nvSpPr>
         <p:spPr>
@@ -4416,9 +4589,11 @@
             <a:ext cx="5116513" cy="3838575"/>
           </a:xfrm>
           <a:custGeom>
-            <a:rect b="b" l="l" r="r" t="t"/>
+            <a:avLst/>
+            <a:gdLst/>
+            <a:rect l="l" t="t" r="r" b="b"/>
             <a:pathLst>
-              <a:path extrusionOk="0" h="120000" w="120000">
+              <a:path w="120000" h="120000" extrusionOk="0">
                 <a:moveTo>
                   <a:pt x="0" y="0"/>
                 </a:moveTo>
@@ -4436,14 +4611,12 @@
             </a:pathLst>
           </a:custGeom>
           <a:noFill/>
-          <a:ln cap="flat" cmpd="sng" w="9525">
+          <a:ln w="9525" cap="flat" cmpd="sng">
             <a:solidFill>
               <a:srgbClr val="000000"/>
             </a:solidFill>
             <a:prstDash val="solid"/>
-            <a:miter lim="800000"/>
-            <a:headEnd len="sm" w="sm" type="none"/>
-            <a:tailEnd len="sm" w="sm" type="none"/>
+            <a:miter/>
           </a:ln>
         </p:spPr>
       </p:sp>
@@ -4456,11 +4629,11 @@
 </file>
 
 <file path=ppt/notesSlides/notesSlide30.xml><?xml version="1.0" encoding="utf-8"?>
-<p:notes xmlns:a="http://schemas.openxmlformats.org/drawingml/2006/main" xmlns:r="http://schemas.openxmlformats.org/officeDocument/2006/relationships" xmlns:mc="http://schemas.openxmlformats.org/markup-compatibility/2006" xmlns:mv="urn:schemas-microsoft-com:mac:vml" xmlns:p="http://schemas.openxmlformats.org/presentationml/2006/main" xmlns:c="http://schemas.openxmlformats.org/drawingml/2006/chart" xmlns:dgm="http://schemas.openxmlformats.org/drawingml/2006/diagram" xmlns:o="urn:schemas-microsoft-com:office:office" xmlns:v="urn:schemas-microsoft-com:vml" xmlns:pvml="urn:schemas-microsoft-com:office:powerpoint" xmlns:com="http://schemas.openxmlformats.org/drawingml/2006/compatibility" xmlns:p14="http://schemas.microsoft.com/office/powerpoint/2010/main" xmlns:p15="http://schemas.microsoft.com/office/powerpoint/2012/main" xmlns:ahyp="http://schemas.microsoft.com/office/drawing/2018/hyperlinkcolor" showMasterPhAnim="0" showMasterSp="0">
+<p:notes xmlns:r="http://schemas.openxmlformats.org/officeDocument/2006/relationships" xmlns:c="http://schemas.openxmlformats.org/drawingml/2006/chart" xmlns:a="http://schemas.openxmlformats.org/drawingml/2006/main" xmlns:dgm="http://schemas.openxmlformats.org/drawingml/2006/diagram" xmlns:dsp="http://schemas.microsoft.com/office/drawing/2008/diagram" xmlns:p="http://schemas.openxmlformats.org/presentationml/2006/main" showMasterSp="0" showMasterPhAnim="0">
   <p:cSld>
     <p:spTree>
       <p:nvGrpSpPr>
-        <p:cNvPr id="287" name="Shape 287"/>
+        <p:cNvPr id="1" name=""/>
         <p:cNvGrpSpPr/>
         <p:nvPr/>
       </p:nvGrpSpPr>
@@ -4475,9 +4648,11 @@
       <p:sp>
         <p:nvSpPr>
           <p:cNvPr id="288" name="Google Shape;288;p32:notes"/>
-          <p:cNvSpPr txBox="1"/>
+          <p:cNvSpPr txBox="1">
+            <a:spLocks noGrp="1"/>
+          </p:cNvSpPr>
           <p:nvPr>
-            <p:ph idx="1" type="body"/>
+            <p:ph type="body" idx="1"/>
           </p:nvPr>
         </p:nvSpPr>
         <p:spPr>
@@ -4494,37 +4669,41 @@
           </a:ln>
         </p:spPr>
         <p:txBody>
-          <a:bodyPr anchorCtr="0" anchor="t" bIns="49525" lIns="99075" spcFirstLastPara="1" rIns="99075" wrap="square" tIns="49525">
+          <a:bodyPr wrap="square" lIns="99075" tIns="49525" rIns="99075" bIns="49525" anchor="t" anchorCtr="0">
             <a:noAutofit/>
           </a:bodyPr>
           <a:lstStyle/>
           <a:p>
-            <a:pPr indent="0" lvl="0" marL="0" rtl="0" algn="l">
-              <a:lnSpc>
-                <a:spcPct val="100000"/>
-              </a:lnSpc>
-              <a:spcBef>
-                <a:spcPts val="468"/>
-              </a:spcBef>
-              <a:spcAft>
-                <a:spcPts val="0"/>
-              </a:spcAft>
-              <a:buSzPts val="1400"/>
-              <a:buNone/>
+            <a:pPr marL="0" lvl="0" indent="0" algn="l" rtl="0">
+              <a:lnSpc>
+                <a:spcPct val="100000"/>
+              </a:lnSpc>
+              <a:spcBef>
+                <a:spcPts val="467"/>
+              </a:spcBef>
+              <a:spcAft>
+                <a:spcPts val="0"/>
+              </a:spcAft>
+              <a:buSzPct val="25000"/>
+              <a:buNone/>
+              <a:defRPr/>
             </a:pPr>
             <a:r>
+              <a:rPr lang="ko-KR" altLang="en-US"/>
               <a:t/>
             </a:r>
-            <a:endParaRPr/>
+            <a:endParaRPr lang="ko-KR" altLang="en-US"/>
           </a:p>
         </p:txBody>
       </p:sp>
       <p:sp>
         <p:nvSpPr>
           <p:cNvPr id="289" name="Google Shape;289;p32:notes"/>
-          <p:cNvSpPr/>
+          <p:cNvSpPr>
+            <a:spLocks noGrp="1" noRot="1" noChangeAspect="1" noTextEdit="1"/>
+          </p:cNvSpPr>
           <p:nvPr>
-            <p:ph idx="2" type="sldImg"/>
+            <p:ph type="sldImg" idx="2"/>
           </p:nvPr>
         </p:nvSpPr>
         <p:spPr>
@@ -4533,9 +4712,11 @@
             <a:ext cx="5116513" cy="3838575"/>
           </a:xfrm>
           <a:custGeom>
-            <a:rect b="b" l="l" r="r" t="t"/>
+            <a:avLst/>
+            <a:gdLst/>
+            <a:rect l="l" t="t" r="r" b="b"/>
             <a:pathLst>
-              <a:path extrusionOk="0" h="120000" w="120000">
+              <a:path w="120000" h="120000" extrusionOk="0">
                 <a:moveTo>
                   <a:pt x="0" y="0"/>
                 </a:moveTo>
@@ -4553,14 +4734,12 @@
             </a:pathLst>
           </a:custGeom>
           <a:noFill/>
-          <a:ln cap="flat" cmpd="sng" w="9525">
+          <a:ln w="9525" cap="flat" cmpd="sng">
             <a:solidFill>
               <a:srgbClr val="000000"/>
             </a:solidFill>
             <a:prstDash val="solid"/>
-            <a:miter lim="800000"/>
-            <a:headEnd len="sm" w="sm" type="none"/>
-            <a:tailEnd len="sm" w="sm" type="none"/>
+            <a:miter/>
           </a:ln>
         </p:spPr>
       </p:sp>
@@ -4573,11 +4752,11 @@
 </file>
 
 <file path=ppt/notesSlides/notesSlide31.xml><?xml version="1.0" encoding="utf-8"?>
-<p:notes xmlns:a="http://schemas.openxmlformats.org/drawingml/2006/main" xmlns:r="http://schemas.openxmlformats.org/officeDocument/2006/relationships" xmlns:mc="http://schemas.openxmlformats.org/markup-compatibility/2006" xmlns:mv="urn:schemas-microsoft-com:mac:vml" xmlns:p="http://schemas.openxmlformats.org/presentationml/2006/main" xmlns:c="http://schemas.openxmlformats.org/drawingml/2006/chart" xmlns:dgm="http://schemas.openxmlformats.org/drawingml/2006/diagram" xmlns:o="urn:schemas-microsoft-com:office:office" xmlns:v="urn:schemas-microsoft-com:vml" xmlns:pvml="urn:schemas-microsoft-com:office:powerpoint" xmlns:com="http://schemas.openxmlformats.org/drawingml/2006/compatibility" xmlns:p14="http://schemas.microsoft.com/office/powerpoint/2010/main" xmlns:p15="http://schemas.microsoft.com/office/powerpoint/2012/main" xmlns:ahyp="http://schemas.microsoft.com/office/drawing/2018/hyperlinkcolor" showMasterPhAnim="0" showMasterSp="0">
+<p:notes xmlns:r="http://schemas.openxmlformats.org/officeDocument/2006/relationships" xmlns:c="http://schemas.openxmlformats.org/drawingml/2006/chart" xmlns:a="http://schemas.openxmlformats.org/drawingml/2006/main" xmlns:dgm="http://schemas.openxmlformats.org/drawingml/2006/diagram" xmlns:dsp="http://schemas.microsoft.com/office/drawing/2008/diagram" xmlns:p="http://schemas.openxmlformats.org/presentationml/2006/main" showMasterSp="0" showMasterPhAnim="0">
   <p:cSld>
     <p:spTree>
       <p:nvGrpSpPr>
-        <p:cNvPr id="295" name="Shape 295"/>
+        <p:cNvPr id="1" name=""/>
         <p:cNvGrpSpPr/>
         <p:nvPr/>
       </p:nvGrpSpPr>
@@ -4592,9 +4771,11 @@
       <p:sp>
         <p:nvSpPr>
           <p:cNvPr id="296" name="Google Shape;296;p33:notes"/>
-          <p:cNvSpPr txBox="1"/>
+          <p:cNvSpPr txBox="1">
+            <a:spLocks noGrp="1"/>
+          </p:cNvSpPr>
           <p:nvPr>
-            <p:ph idx="1" type="body"/>
+            <p:ph type="body" idx="1"/>
           </p:nvPr>
         </p:nvSpPr>
         <p:spPr>
@@ -4611,37 +4792,41 @@
           </a:ln>
         </p:spPr>
         <p:txBody>
-          <a:bodyPr anchorCtr="0" anchor="t" bIns="49525" lIns="99075" spcFirstLastPara="1" rIns="99075" wrap="square" tIns="49525">
+          <a:bodyPr wrap="square" lIns="99075" tIns="49525" rIns="99075" bIns="49525" anchor="t" anchorCtr="0">
             <a:noAutofit/>
           </a:bodyPr>
           <a:lstStyle/>
           <a:p>
-            <a:pPr indent="0" lvl="0" marL="0" rtl="0" algn="l">
-              <a:lnSpc>
-                <a:spcPct val="100000"/>
-              </a:lnSpc>
-              <a:spcBef>
-                <a:spcPts val="468"/>
-              </a:spcBef>
-              <a:spcAft>
-                <a:spcPts val="0"/>
-              </a:spcAft>
-              <a:buSzPts val="1400"/>
-              <a:buNone/>
+            <a:pPr marL="0" lvl="0" indent="0" algn="l" rtl="0">
+              <a:lnSpc>
+                <a:spcPct val="100000"/>
+              </a:lnSpc>
+              <a:spcBef>
+                <a:spcPts val="467"/>
+              </a:spcBef>
+              <a:spcAft>
+                <a:spcPts val="0"/>
+              </a:spcAft>
+              <a:buSzPct val="25000"/>
+              <a:buNone/>
+              <a:defRPr/>
             </a:pPr>
             <a:r>
+              <a:rPr lang="ko-KR" altLang="en-US"/>
               <a:t/>
             </a:r>
-            <a:endParaRPr/>
+            <a:endParaRPr lang="ko-KR" altLang="en-US"/>
           </a:p>
         </p:txBody>
       </p:sp>
       <p:sp>
         <p:nvSpPr>
           <p:cNvPr id="297" name="Google Shape;297;p33:notes"/>
-          <p:cNvSpPr/>
+          <p:cNvSpPr>
+            <a:spLocks noGrp="1" noRot="1" noChangeAspect="1" noTextEdit="1"/>
+          </p:cNvSpPr>
           <p:nvPr>
-            <p:ph idx="2" type="sldImg"/>
+            <p:ph type="sldImg" idx="2"/>
           </p:nvPr>
         </p:nvSpPr>
         <p:spPr>
@@ -4650,9 +4835,11 @@
             <a:ext cx="5116513" cy="3838575"/>
           </a:xfrm>
           <a:custGeom>
-            <a:rect b="b" l="l" r="r" t="t"/>
+            <a:avLst/>
+            <a:gdLst/>
+            <a:rect l="l" t="t" r="r" b="b"/>
             <a:pathLst>
-              <a:path extrusionOk="0" h="120000" w="120000">
+              <a:path w="120000" h="120000" extrusionOk="0">
                 <a:moveTo>
                   <a:pt x="0" y="0"/>
                 </a:moveTo>
@@ -4670,14 +4857,12 @@
             </a:pathLst>
           </a:custGeom>
           <a:noFill/>
-          <a:ln cap="flat" cmpd="sng" w="9525">
+          <a:ln w="9525" cap="flat" cmpd="sng">
             <a:solidFill>
               <a:srgbClr val="000000"/>
             </a:solidFill>
             <a:prstDash val="solid"/>
-            <a:miter lim="800000"/>
-            <a:headEnd len="sm" w="sm" type="none"/>
-            <a:tailEnd len="sm" w="sm" type="none"/>
+            <a:miter/>
           </a:ln>
         </p:spPr>
       </p:sp>
@@ -4690,11 +4875,11 @@
 </file>
 
 <file path=ppt/notesSlides/notesSlide32.xml><?xml version="1.0" encoding="utf-8"?>
-<p:notes xmlns:a="http://schemas.openxmlformats.org/drawingml/2006/main" xmlns:r="http://schemas.openxmlformats.org/officeDocument/2006/relationships" xmlns:mc="http://schemas.openxmlformats.org/markup-compatibility/2006" xmlns:mv="urn:schemas-microsoft-com:mac:vml" xmlns:p="http://schemas.openxmlformats.org/presentationml/2006/main" xmlns:c="http://schemas.openxmlformats.org/drawingml/2006/chart" xmlns:dgm="http://schemas.openxmlformats.org/drawingml/2006/diagram" xmlns:o="urn:schemas-microsoft-com:office:office" xmlns:v="urn:schemas-microsoft-com:vml" xmlns:pvml="urn:schemas-microsoft-com:office:powerpoint" xmlns:com="http://schemas.openxmlformats.org/drawingml/2006/compatibility" xmlns:p14="http://schemas.microsoft.com/office/powerpoint/2010/main" xmlns:p15="http://schemas.microsoft.com/office/powerpoint/2012/main" xmlns:ahyp="http://schemas.microsoft.com/office/drawing/2018/hyperlinkcolor" showMasterPhAnim="0" showMasterSp="0">
+<p:notes xmlns:r="http://schemas.openxmlformats.org/officeDocument/2006/relationships" xmlns:c="http://schemas.openxmlformats.org/drawingml/2006/chart" xmlns:a="http://schemas.openxmlformats.org/drawingml/2006/main" xmlns:dgm="http://schemas.openxmlformats.org/drawingml/2006/diagram" xmlns:dsp="http://schemas.microsoft.com/office/drawing/2008/diagram" xmlns:p="http://schemas.openxmlformats.org/presentationml/2006/main" showMasterSp="0" showMasterPhAnim="0">
   <p:cSld>
     <p:spTree>
       <p:nvGrpSpPr>
-        <p:cNvPr id="303" name="Shape 303"/>
+        <p:cNvPr id="1" name=""/>
         <p:cNvGrpSpPr/>
         <p:nvPr/>
       </p:nvGrpSpPr>
@@ -4709,9 +4894,11 @@
       <p:sp>
         <p:nvSpPr>
           <p:cNvPr id="304" name="Google Shape;304;p34:notes"/>
-          <p:cNvSpPr txBox="1"/>
+          <p:cNvSpPr txBox="1">
+            <a:spLocks noGrp="1"/>
+          </p:cNvSpPr>
           <p:nvPr>
-            <p:ph idx="1" type="body"/>
+            <p:ph type="body" idx="1"/>
           </p:nvPr>
         </p:nvSpPr>
         <p:spPr>
@@ -4728,37 +4915,41 @@
           </a:ln>
         </p:spPr>
         <p:txBody>
-          <a:bodyPr anchorCtr="0" anchor="t" bIns="49525" lIns="99075" spcFirstLastPara="1" rIns="99075" wrap="square" tIns="49525">
+          <a:bodyPr wrap="square" lIns="99075" tIns="49525" rIns="99075" bIns="49525" anchor="t" anchorCtr="0">
             <a:noAutofit/>
           </a:bodyPr>
           <a:lstStyle/>
           <a:p>
-            <a:pPr indent="0" lvl="0" marL="0" rtl="0" algn="l">
-              <a:lnSpc>
-                <a:spcPct val="100000"/>
-              </a:lnSpc>
-              <a:spcBef>
-                <a:spcPts val="468"/>
-              </a:spcBef>
-              <a:spcAft>
-                <a:spcPts val="0"/>
-              </a:spcAft>
-              <a:buSzPts val="1400"/>
-              <a:buNone/>
+            <a:pPr marL="0" lvl="0" indent="0" algn="l" rtl="0">
+              <a:lnSpc>
+                <a:spcPct val="100000"/>
+              </a:lnSpc>
+              <a:spcBef>
+                <a:spcPts val="467"/>
+              </a:spcBef>
+              <a:spcAft>
+                <a:spcPts val="0"/>
+              </a:spcAft>
+              <a:buSzPct val="25000"/>
+              <a:buNone/>
+              <a:defRPr/>
             </a:pPr>
             <a:r>
+              <a:rPr lang="ko-KR" altLang="en-US"/>
               <a:t/>
             </a:r>
-            <a:endParaRPr/>
+            <a:endParaRPr lang="ko-KR" altLang="en-US"/>
           </a:p>
         </p:txBody>
       </p:sp>
       <p:sp>
         <p:nvSpPr>
           <p:cNvPr id="305" name="Google Shape;305;p34:notes"/>
-          <p:cNvSpPr/>
+          <p:cNvSpPr>
+            <a:spLocks noGrp="1" noRot="1" noChangeAspect="1" noTextEdit="1"/>
+          </p:cNvSpPr>
           <p:nvPr>
-            <p:ph idx="2" type="sldImg"/>
+            <p:ph type="sldImg" idx="2"/>
           </p:nvPr>
         </p:nvSpPr>
         <p:spPr>
@@ -4767,9 +4958,11 @@
             <a:ext cx="5116513" cy="3838575"/>
           </a:xfrm>
           <a:custGeom>
-            <a:rect b="b" l="l" r="r" t="t"/>
+            <a:avLst/>
+            <a:gdLst/>
+            <a:rect l="l" t="t" r="r" b="b"/>
             <a:pathLst>
-              <a:path extrusionOk="0" h="120000" w="120000">
+              <a:path w="120000" h="120000" extrusionOk="0">
                 <a:moveTo>
                   <a:pt x="0" y="0"/>
                 </a:moveTo>
@@ -4787,14 +4980,12 @@
             </a:pathLst>
           </a:custGeom>
           <a:noFill/>
-          <a:ln cap="flat" cmpd="sng" w="9525">
+          <a:ln w="9525" cap="flat" cmpd="sng">
             <a:solidFill>
               <a:srgbClr val="000000"/>
             </a:solidFill>
             <a:prstDash val="solid"/>
-            <a:miter lim="800000"/>
-            <a:headEnd len="sm" w="sm" type="none"/>
-            <a:tailEnd len="sm" w="sm" type="none"/>
+            <a:miter/>
           </a:ln>
         </p:spPr>
       </p:sp>
@@ -4807,11 +4998,11 @@
 </file>
 
 <file path=ppt/notesSlides/notesSlide33.xml><?xml version="1.0" encoding="utf-8"?>
-<p:notes xmlns:a="http://schemas.openxmlformats.org/drawingml/2006/main" xmlns:r="http://schemas.openxmlformats.org/officeDocument/2006/relationships" xmlns:mc="http://schemas.openxmlformats.org/markup-compatibility/2006" xmlns:mv="urn:schemas-microsoft-com:mac:vml" xmlns:p="http://schemas.openxmlformats.org/presentationml/2006/main" xmlns:c="http://schemas.openxmlformats.org/drawingml/2006/chart" xmlns:dgm="http://schemas.openxmlformats.org/drawingml/2006/diagram" xmlns:o="urn:schemas-microsoft-com:office:office" xmlns:v="urn:schemas-microsoft-com:vml" xmlns:pvml="urn:schemas-microsoft-com:office:powerpoint" xmlns:com="http://schemas.openxmlformats.org/drawingml/2006/compatibility" xmlns:p14="http://schemas.microsoft.com/office/powerpoint/2010/main" xmlns:p15="http://schemas.microsoft.com/office/powerpoint/2012/main" xmlns:ahyp="http://schemas.microsoft.com/office/drawing/2018/hyperlinkcolor" showMasterPhAnim="0" showMasterSp="0">
+<p:notes xmlns:r="http://schemas.openxmlformats.org/officeDocument/2006/relationships" xmlns:c="http://schemas.openxmlformats.org/drawingml/2006/chart" xmlns:a="http://schemas.openxmlformats.org/drawingml/2006/main" xmlns:dgm="http://schemas.openxmlformats.org/drawingml/2006/diagram" xmlns:dsp="http://schemas.microsoft.com/office/drawing/2008/diagram" xmlns:p="http://schemas.openxmlformats.org/presentationml/2006/main" showMasterSp="0" showMasterPhAnim="0">
   <p:cSld>
     <p:spTree>
       <p:nvGrpSpPr>
-        <p:cNvPr id="311" name="Shape 311"/>
+        <p:cNvPr id="1" name=""/>
         <p:cNvGrpSpPr/>
         <p:nvPr/>
       </p:nvGrpSpPr>
@@ -4826,9 +5017,11 @@
       <p:sp>
         <p:nvSpPr>
           <p:cNvPr id="312" name="Google Shape;312;p35:notes"/>
-          <p:cNvSpPr txBox="1"/>
+          <p:cNvSpPr txBox="1">
+            <a:spLocks noGrp="1"/>
+          </p:cNvSpPr>
           <p:nvPr>
-            <p:ph idx="1" type="body"/>
+            <p:ph type="body" idx="1"/>
           </p:nvPr>
         </p:nvSpPr>
         <p:spPr>
@@ -4845,37 +5038,41 @@
           </a:ln>
         </p:spPr>
         <p:txBody>
-          <a:bodyPr anchorCtr="0" anchor="t" bIns="49525" lIns="99075" spcFirstLastPara="1" rIns="99075" wrap="square" tIns="49525">
+          <a:bodyPr wrap="square" lIns="99075" tIns="49525" rIns="99075" bIns="49525" anchor="t" anchorCtr="0">
             <a:noAutofit/>
           </a:bodyPr>
           <a:lstStyle/>
           <a:p>
-            <a:pPr indent="0" lvl="0" marL="0" rtl="0" algn="l">
-              <a:lnSpc>
-                <a:spcPct val="100000"/>
-              </a:lnSpc>
-              <a:spcBef>
-                <a:spcPts val="468"/>
-              </a:spcBef>
-              <a:spcAft>
-                <a:spcPts val="0"/>
-              </a:spcAft>
-              <a:buSzPts val="1400"/>
-              <a:buNone/>
+            <a:pPr marL="0" lvl="0" indent="0" algn="l" rtl="0">
+              <a:lnSpc>
+                <a:spcPct val="100000"/>
+              </a:lnSpc>
+              <a:spcBef>
+                <a:spcPts val="467"/>
+              </a:spcBef>
+              <a:spcAft>
+                <a:spcPts val="0"/>
+              </a:spcAft>
+              <a:buSzPct val="25000"/>
+              <a:buNone/>
+              <a:defRPr/>
             </a:pPr>
             <a:r>
+              <a:rPr lang="ko-KR" altLang="en-US"/>
               <a:t/>
             </a:r>
-            <a:endParaRPr/>
+            <a:endParaRPr lang="ko-KR" altLang="en-US"/>
           </a:p>
         </p:txBody>
       </p:sp>
       <p:sp>
         <p:nvSpPr>
           <p:cNvPr id="313" name="Google Shape;313;p35:notes"/>
-          <p:cNvSpPr/>
+          <p:cNvSpPr>
+            <a:spLocks noGrp="1" noRot="1" noChangeAspect="1" noTextEdit="1"/>
+          </p:cNvSpPr>
           <p:nvPr>
-            <p:ph idx="2" type="sldImg"/>
+            <p:ph type="sldImg" idx="2"/>
           </p:nvPr>
         </p:nvSpPr>
         <p:spPr>
@@ -4884,9 +5081,11 @@
             <a:ext cx="5116513" cy="3838575"/>
           </a:xfrm>
           <a:custGeom>
-            <a:rect b="b" l="l" r="r" t="t"/>
+            <a:avLst/>
+            <a:gdLst/>
+            <a:rect l="l" t="t" r="r" b="b"/>
             <a:pathLst>
-              <a:path extrusionOk="0" h="120000" w="120000">
+              <a:path w="120000" h="120000" extrusionOk="0">
                 <a:moveTo>
                   <a:pt x="0" y="0"/>
                 </a:moveTo>
@@ -4904,14 +5103,12 @@
             </a:pathLst>
           </a:custGeom>
           <a:noFill/>
-          <a:ln cap="flat" cmpd="sng" w="9525">
+          <a:ln w="9525" cap="flat" cmpd="sng">
             <a:solidFill>
               <a:srgbClr val="000000"/>
             </a:solidFill>
             <a:prstDash val="solid"/>
-            <a:miter lim="800000"/>
-            <a:headEnd len="sm" w="sm" type="none"/>
-            <a:tailEnd len="sm" w="sm" type="none"/>
+            <a:miter/>
           </a:ln>
         </p:spPr>
       </p:sp>
@@ -4924,11 +5121,11 @@
 </file>
 
 <file path=ppt/notesSlides/notesSlide34.xml><?xml version="1.0" encoding="utf-8"?>
-<p:notes xmlns:a="http://schemas.openxmlformats.org/drawingml/2006/main" xmlns:r="http://schemas.openxmlformats.org/officeDocument/2006/relationships" xmlns:mc="http://schemas.openxmlformats.org/markup-compatibility/2006" xmlns:mv="urn:schemas-microsoft-com:mac:vml" xmlns:p="http://schemas.openxmlformats.org/presentationml/2006/main" xmlns:c="http://schemas.openxmlformats.org/drawingml/2006/chart" xmlns:dgm="http://schemas.openxmlformats.org/drawingml/2006/diagram" xmlns:o="urn:schemas-microsoft-com:office:office" xmlns:v="urn:schemas-microsoft-com:vml" xmlns:pvml="urn:schemas-microsoft-com:office:powerpoint" xmlns:com="http://schemas.openxmlformats.org/drawingml/2006/compatibility" xmlns:p14="http://schemas.microsoft.com/office/powerpoint/2010/main" xmlns:p15="http://schemas.microsoft.com/office/powerpoint/2012/main" xmlns:ahyp="http://schemas.microsoft.com/office/drawing/2018/hyperlinkcolor" showMasterPhAnim="0" showMasterSp="0">
+<p:notes xmlns:r="http://schemas.openxmlformats.org/officeDocument/2006/relationships" xmlns:c="http://schemas.openxmlformats.org/drawingml/2006/chart" xmlns:a="http://schemas.openxmlformats.org/drawingml/2006/main" xmlns:dgm="http://schemas.openxmlformats.org/drawingml/2006/diagram" xmlns:dsp="http://schemas.microsoft.com/office/drawing/2008/diagram" xmlns:p="http://schemas.openxmlformats.org/presentationml/2006/main" showMasterSp="0" showMasterPhAnim="0">
   <p:cSld>
     <p:spTree>
       <p:nvGrpSpPr>
-        <p:cNvPr id="319" name="Shape 319"/>
+        <p:cNvPr id="1" name=""/>
         <p:cNvGrpSpPr/>
         <p:nvPr/>
       </p:nvGrpSpPr>
@@ -4943,9 +5140,11 @@
       <p:sp>
         <p:nvSpPr>
           <p:cNvPr id="320" name="Google Shape;320;p36:notes"/>
-          <p:cNvSpPr txBox="1"/>
+          <p:cNvSpPr txBox="1">
+            <a:spLocks noGrp="1"/>
+          </p:cNvSpPr>
           <p:nvPr>
-            <p:ph idx="1" type="body"/>
+            <p:ph type="body" idx="1"/>
           </p:nvPr>
         </p:nvSpPr>
         <p:spPr>
@@ -4962,37 +5161,41 @@
           </a:ln>
         </p:spPr>
         <p:txBody>
-          <a:bodyPr anchorCtr="0" anchor="t" bIns="49525" lIns="99075" spcFirstLastPara="1" rIns="99075" wrap="square" tIns="49525">
+          <a:bodyPr wrap="square" lIns="99075" tIns="49525" rIns="99075" bIns="49525" anchor="t" anchorCtr="0">
             <a:noAutofit/>
           </a:bodyPr>
           <a:lstStyle/>
           <a:p>
-            <a:pPr indent="0" lvl="0" marL="0" rtl="0" algn="l">
-              <a:lnSpc>
-                <a:spcPct val="100000"/>
-              </a:lnSpc>
-              <a:spcBef>
-                <a:spcPts val="468"/>
-              </a:spcBef>
-              <a:spcAft>
-                <a:spcPts val="0"/>
-              </a:spcAft>
-              <a:buSzPts val="1400"/>
-              <a:buNone/>
+            <a:pPr marL="0" lvl="0" indent="0" algn="l" rtl="0">
+              <a:lnSpc>
+                <a:spcPct val="100000"/>
+              </a:lnSpc>
+              <a:spcBef>
+                <a:spcPts val="467"/>
+              </a:spcBef>
+              <a:spcAft>
+                <a:spcPts val="0"/>
+              </a:spcAft>
+              <a:buSzPct val="25000"/>
+              <a:buNone/>
+              <a:defRPr/>
             </a:pPr>
             <a:r>
+              <a:rPr lang="ko-KR" altLang="en-US"/>
               <a:t/>
             </a:r>
-            <a:endParaRPr/>
+            <a:endParaRPr lang="ko-KR" altLang="en-US"/>
           </a:p>
         </p:txBody>
       </p:sp>
       <p:sp>
         <p:nvSpPr>
           <p:cNvPr id="321" name="Google Shape;321;p36:notes"/>
-          <p:cNvSpPr/>
+          <p:cNvSpPr>
+            <a:spLocks noGrp="1" noRot="1" noChangeAspect="1" noTextEdit="1"/>
+          </p:cNvSpPr>
           <p:nvPr>
-            <p:ph idx="2" type="sldImg"/>
+            <p:ph type="sldImg" idx="2"/>
           </p:nvPr>
         </p:nvSpPr>
         <p:spPr>
@@ -5001,9 +5204,11 @@
             <a:ext cx="5116513" cy="3838575"/>
           </a:xfrm>
           <a:custGeom>
-            <a:rect b="b" l="l" r="r" t="t"/>
+            <a:avLst/>
+            <a:gdLst/>
+            <a:rect l="l" t="t" r="r" b="b"/>
             <a:pathLst>
-              <a:path extrusionOk="0" h="120000" w="120000">
+              <a:path w="120000" h="120000" extrusionOk="0">
                 <a:moveTo>
                   <a:pt x="0" y="0"/>
                 </a:moveTo>
@@ -5021,14 +5226,12 @@
             </a:pathLst>
           </a:custGeom>
           <a:noFill/>
-          <a:ln cap="flat" cmpd="sng" w="9525">
+          <a:ln w="9525" cap="flat" cmpd="sng">
             <a:solidFill>
               <a:srgbClr val="000000"/>
             </a:solidFill>
             <a:prstDash val="solid"/>
-            <a:miter lim="800000"/>
-            <a:headEnd len="sm" w="sm" type="none"/>
-            <a:tailEnd len="sm" w="sm" type="none"/>
+            <a:miter/>
           </a:ln>
         </p:spPr>
       </p:sp>
@@ -5626,11 +5829,11 @@
 </file>
 
 <file path=ppt/notesSlides/notesSlide4.xml><?xml version="1.0" encoding="utf-8"?>
-<p:notes xmlns:a="http://schemas.openxmlformats.org/drawingml/2006/main" xmlns:r="http://schemas.openxmlformats.org/officeDocument/2006/relationships" xmlns:mc="http://schemas.openxmlformats.org/markup-compatibility/2006" xmlns:mv="urn:schemas-microsoft-com:mac:vml" xmlns:p="http://schemas.openxmlformats.org/presentationml/2006/main" xmlns:c="http://schemas.openxmlformats.org/drawingml/2006/chart" xmlns:dgm="http://schemas.openxmlformats.org/drawingml/2006/diagram" xmlns:o="urn:schemas-microsoft-com:office:office" xmlns:v="urn:schemas-microsoft-com:vml" xmlns:pvml="urn:schemas-microsoft-com:office:powerpoint" xmlns:com="http://schemas.openxmlformats.org/drawingml/2006/compatibility" xmlns:p14="http://schemas.microsoft.com/office/powerpoint/2010/main" xmlns:p15="http://schemas.microsoft.com/office/powerpoint/2012/main" xmlns:ahyp="http://schemas.microsoft.com/office/drawing/2018/hyperlinkcolor" showMasterPhAnim="0" showMasterSp="0">
+<p:notes xmlns:r="http://schemas.openxmlformats.org/officeDocument/2006/relationships" xmlns:c="http://schemas.openxmlformats.org/drawingml/2006/chart" xmlns:a="http://schemas.openxmlformats.org/drawingml/2006/main" xmlns:dgm="http://schemas.openxmlformats.org/drawingml/2006/diagram" xmlns:dsp="http://schemas.microsoft.com/office/drawing/2008/diagram" xmlns:p="http://schemas.openxmlformats.org/presentationml/2006/main" showMasterSp="0" showMasterPhAnim="0">
   <p:cSld>
     <p:spTree>
       <p:nvGrpSpPr>
-        <p:cNvPr id="56" name="Shape 56"/>
+        <p:cNvPr id="1" name=""/>
         <p:cNvGrpSpPr/>
         <p:nvPr/>
       </p:nvGrpSpPr>
@@ -5645,9 +5848,11 @@
       <p:sp>
         <p:nvSpPr>
           <p:cNvPr id="57" name="Google Shape;57;p4:notes"/>
-          <p:cNvSpPr txBox="1"/>
+          <p:cNvSpPr txBox="1">
+            <a:spLocks noGrp="1"/>
+          </p:cNvSpPr>
           <p:nvPr>
-            <p:ph idx="1" type="body"/>
+            <p:ph type="body" idx="1"/>
           </p:nvPr>
         </p:nvSpPr>
         <p:spPr>
@@ -5664,37 +5869,41 @@
           </a:ln>
         </p:spPr>
         <p:txBody>
-          <a:bodyPr anchorCtr="0" anchor="t" bIns="49525" lIns="99075" spcFirstLastPara="1" rIns="99075" wrap="square" tIns="49525">
+          <a:bodyPr wrap="square" lIns="99075" tIns="49525" rIns="99075" bIns="49525" anchor="t" anchorCtr="0">
             <a:noAutofit/>
           </a:bodyPr>
           <a:lstStyle/>
           <a:p>
-            <a:pPr indent="0" lvl="0" marL="0" rtl="0" algn="l">
-              <a:lnSpc>
-                <a:spcPct val="100000"/>
-              </a:lnSpc>
-              <a:spcBef>
-                <a:spcPts val="468"/>
-              </a:spcBef>
-              <a:spcAft>
-                <a:spcPts val="0"/>
-              </a:spcAft>
-              <a:buSzPts val="1400"/>
-              <a:buNone/>
+            <a:pPr marL="0" lvl="0" indent="0" algn="l" rtl="0">
+              <a:lnSpc>
+                <a:spcPct val="100000"/>
+              </a:lnSpc>
+              <a:spcBef>
+                <a:spcPts val="467"/>
+              </a:spcBef>
+              <a:spcAft>
+                <a:spcPts val="0"/>
+              </a:spcAft>
+              <a:buSzPct val="25000"/>
+              <a:buNone/>
+              <a:defRPr/>
             </a:pPr>
             <a:r>
+              <a:rPr lang="ko-KR" altLang="en-US"/>
               <a:t/>
             </a:r>
-            <a:endParaRPr/>
+            <a:endParaRPr lang="ko-KR" altLang="en-US"/>
           </a:p>
         </p:txBody>
       </p:sp>
       <p:sp>
         <p:nvSpPr>
           <p:cNvPr id="58" name="Google Shape;58;p4:notes"/>
-          <p:cNvSpPr/>
+          <p:cNvSpPr>
+            <a:spLocks noGrp="1" noRot="1" noChangeAspect="1" noTextEdit="1"/>
+          </p:cNvSpPr>
           <p:nvPr>
-            <p:ph idx="2" type="sldImg"/>
+            <p:ph type="sldImg" idx="2"/>
           </p:nvPr>
         </p:nvSpPr>
         <p:spPr>
@@ -5703,9 +5912,11 @@
             <a:ext cx="5116513" cy="3838575"/>
           </a:xfrm>
           <a:custGeom>
-            <a:rect b="b" l="l" r="r" t="t"/>
+            <a:avLst/>
+            <a:gdLst/>
+            <a:rect l="l" t="t" r="r" b="b"/>
             <a:pathLst>
-              <a:path extrusionOk="0" h="120000" w="120000">
+              <a:path w="120000" h="120000" extrusionOk="0">
                 <a:moveTo>
                   <a:pt x="0" y="0"/>
                 </a:moveTo>
@@ -5723,14 +5934,12 @@
             </a:pathLst>
           </a:custGeom>
           <a:noFill/>
-          <a:ln cap="flat" cmpd="sng" w="9525">
+          <a:ln w="9525" cap="flat" cmpd="sng">
             <a:solidFill>
               <a:srgbClr val="000000"/>
             </a:solidFill>
             <a:prstDash val="solid"/>
-            <a:miter lim="800000"/>
-            <a:headEnd len="sm" w="sm" type="none"/>
-            <a:tailEnd len="sm" w="sm" type="none"/>
+            <a:miter/>
           </a:ln>
         </p:spPr>
       </p:sp>
@@ -6913,11 +7122,11 @@
 </file>
 
 <file path=ppt/notesSlides/notesSlide5.xml><?xml version="1.0" encoding="utf-8"?>
-<p:notes xmlns:a="http://schemas.openxmlformats.org/drawingml/2006/main" xmlns:r="http://schemas.openxmlformats.org/officeDocument/2006/relationships" xmlns:mc="http://schemas.openxmlformats.org/markup-compatibility/2006" xmlns:mv="urn:schemas-microsoft-com:mac:vml" xmlns:p="http://schemas.openxmlformats.org/presentationml/2006/main" xmlns:c="http://schemas.openxmlformats.org/drawingml/2006/chart" xmlns:dgm="http://schemas.openxmlformats.org/drawingml/2006/diagram" xmlns:o="urn:schemas-microsoft-com:office:office" xmlns:v="urn:schemas-microsoft-com:vml" xmlns:pvml="urn:schemas-microsoft-com:office:powerpoint" xmlns:com="http://schemas.openxmlformats.org/drawingml/2006/compatibility" xmlns:p14="http://schemas.microsoft.com/office/powerpoint/2010/main" xmlns:p15="http://schemas.microsoft.com/office/powerpoint/2012/main" xmlns:ahyp="http://schemas.microsoft.com/office/drawing/2018/hyperlinkcolor" showMasterPhAnim="0" showMasterSp="0">
+<p:notes xmlns:r="http://schemas.openxmlformats.org/officeDocument/2006/relationships" xmlns:c="http://schemas.openxmlformats.org/drawingml/2006/chart" xmlns:a="http://schemas.openxmlformats.org/drawingml/2006/main" xmlns:dgm="http://schemas.openxmlformats.org/drawingml/2006/diagram" xmlns:dsp="http://schemas.microsoft.com/office/drawing/2008/diagram" xmlns:p="http://schemas.openxmlformats.org/presentationml/2006/main" showMasterSp="0" showMasterPhAnim="0">
   <p:cSld>
     <p:spTree>
       <p:nvGrpSpPr>
-        <p:cNvPr id="63" name="Shape 63"/>
+        <p:cNvPr id="1" name=""/>
         <p:cNvGrpSpPr/>
         <p:nvPr/>
       </p:nvGrpSpPr>
@@ -6932,9 +7141,11 @@
       <p:sp>
         <p:nvSpPr>
           <p:cNvPr id="64" name="Google Shape;64;p5:notes"/>
-          <p:cNvSpPr txBox="1"/>
+          <p:cNvSpPr txBox="1">
+            <a:spLocks noGrp="1"/>
+          </p:cNvSpPr>
           <p:nvPr>
-            <p:ph idx="1" type="body"/>
+            <p:ph type="body" idx="1"/>
           </p:nvPr>
         </p:nvSpPr>
         <p:spPr>
@@ -6951,37 +7162,41 @@
           </a:ln>
         </p:spPr>
         <p:txBody>
-          <a:bodyPr anchorCtr="0" anchor="t" bIns="49525" lIns="99075" spcFirstLastPara="1" rIns="99075" wrap="square" tIns="49525">
+          <a:bodyPr wrap="square" lIns="99075" tIns="49525" rIns="99075" bIns="49525" anchor="t" anchorCtr="0">
             <a:noAutofit/>
           </a:bodyPr>
           <a:lstStyle/>
           <a:p>
-            <a:pPr indent="0" lvl="0" marL="0" rtl="0" algn="l">
-              <a:lnSpc>
-                <a:spcPct val="100000"/>
-              </a:lnSpc>
-              <a:spcBef>
-                <a:spcPts val="468"/>
-              </a:spcBef>
-              <a:spcAft>
-                <a:spcPts val="0"/>
-              </a:spcAft>
-              <a:buSzPts val="1400"/>
-              <a:buNone/>
+            <a:pPr marL="0" lvl="0" indent="0" algn="l" rtl="0">
+              <a:lnSpc>
+                <a:spcPct val="100000"/>
+              </a:lnSpc>
+              <a:spcBef>
+                <a:spcPts val="467"/>
+              </a:spcBef>
+              <a:spcAft>
+                <a:spcPts val="0"/>
+              </a:spcAft>
+              <a:buSzPct val="25000"/>
+              <a:buNone/>
+              <a:defRPr/>
             </a:pPr>
             <a:r>
+              <a:rPr lang="ko-KR" altLang="en-US"/>
               <a:t/>
             </a:r>
-            <a:endParaRPr/>
+            <a:endParaRPr lang="ko-KR" altLang="en-US"/>
           </a:p>
         </p:txBody>
       </p:sp>
       <p:sp>
         <p:nvSpPr>
           <p:cNvPr id="65" name="Google Shape;65;p5:notes"/>
-          <p:cNvSpPr/>
+          <p:cNvSpPr>
+            <a:spLocks noGrp="1" noRot="1" noChangeAspect="1" noTextEdit="1"/>
+          </p:cNvSpPr>
           <p:nvPr>
-            <p:ph idx="2" type="sldImg"/>
+            <p:ph type="sldImg" idx="2"/>
           </p:nvPr>
         </p:nvSpPr>
         <p:spPr>
@@ -6990,9 +7205,11 @@
             <a:ext cx="5116513" cy="3838575"/>
           </a:xfrm>
           <a:custGeom>
-            <a:rect b="b" l="l" r="r" t="t"/>
+            <a:avLst/>
+            <a:gdLst/>
+            <a:rect l="l" t="t" r="r" b="b"/>
             <a:pathLst>
-              <a:path extrusionOk="0" h="120000" w="120000">
+              <a:path w="120000" h="120000" extrusionOk="0">
                 <a:moveTo>
                   <a:pt x="0" y="0"/>
                 </a:moveTo>
@@ -7010,14 +7227,12 @@
             </a:pathLst>
           </a:custGeom>
           <a:noFill/>
-          <a:ln cap="flat" cmpd="sng" w="9525">
+          <a:ln w="9525" cap="flat" cmpd="sng">
             <a:solidFill>
               <a:srgbClr val="000000"/>
             </a:solidFill>
             <a:prstDash val="solid"/>
-            <a:miter lim="800000"/>
-            <a:headEnd len="sm" w="sm" type="none"/>
-            <a:tailEnd len="sm" w="sm" type="none"/>
+            <a:miter/>
           </a:ln>
         </p:spPr>
       </p:sp>
@@ -8200,11 +8415,11 @@
 </file>
 
 <file path=ppt/notesSlides/notesSlide6.xml><?xml version="1.0" encoding="utf-8"?>
-<p:notes xmlns:a="http://schemas.openxmlformats.org/drawingml/2006/main" xmlns:r="http://schemas.openxmlformats.org/officeDocument/2006/relationships" xmlns:mc="http://schemas.openxmlformats.org/markup-compatibility/2006" xmlns:mv="urn:schemas-microsoft-com:mac:vml" xmlns:p="http://schemas.openxmlformats.org/presentationml/2006/main" xmlns:c="http://schemas.openxmlformats.org/drawingml/2006/chart" xmlns:dgm="http://schemas.openxmlformats.org/drawingml/2006/diagram" xmlns:o="urn:schemas-microsoft-com:office:office" xmlns:v="urn:schemas-microsoft-com:vml" xmlns:pvml="urn:schemas-microsoft-com:office:powerpoint" xmlns:com="http://schemas.openxmlformats.org/drawingml/2006/compatibility" xmlns:p14="http://schemas.microsoft.com/office/powerpoint/2010/main" xmlns:p15="http://schemas.microsoft.com/office/powerpoint/2012/main" xmlns:ahyp="http://schemas.microsoft.com/office/drawing/2018/hyperlinkcolor" showMasterPhAnim="0" showMasterSp="0">
+<p:notes xmlns:r="http://schemas.openxmlformats.org/officeDocument/2006/relationships" xmlns:c="http://schemas.openxmlformats.org/drawingml/2006/chart" xmlns:a="http://schemas.openxmlformats.org/drawingml/2006/main" xmlns:dgm="http://schemas.openxmlformats.org/drawingml/2006/diagram" xmlns:dsp="http://schemas.microsoft.com/office/drawing/2008/diagram" xmlns:p="http://schemas.openxmlformats.org/presentationml/2006/main" showMasterSp="0" showMasterPhAnim="0">
   <p:cSld>
     <p:spTree>
       <p:nvGrpSpPr>
-        <p:cNvPr id="71" name="Shape 71"/>
+        <p:cNvPr id="1" name=""/>
         <p:cNvGrpSpPr/>
         <p:nvPr/>
       </p:nvGrpSpPr>
@@ -8219,9 +8434,11 @@
       <p:sp>
         <p:nvSpPr>
           <p:cNvPr id="72" name="Google Shape;72;p6:notes"/>
-          <p:cNvSpPr txBox="1"/>
+          <p:cNvSpPr txBox="1">
+            <a:spLocks noGrp="1"/>
+          </p:cNvSpPr>
           <p:nvPr>
-            <p:ph idx="1" type="body"/>
+            <p:ph type="body" idx="1"/>
           </p:nvPr>
         </p:nvSpPr>
         <p:spPr>
@@ -8238,37 +8455,41 @@
           </a:ln>
         </p:spPr>
         <p:txBody>
-          <a:bodyPr anchorCtr="0" anchor="t" bIns="49525" lIns="99075" spcFirstLastPara="1" rIns="99075" wrap="square" tIns="49525">
+          <a:bodyPr wrap="square" lIns="99075" tIns="49525" rIns="99075" bIns="49525" anchor="t" anchorCtr="0">
             <a:noAutofit/>
           </a:bodyPr>
           <a:lstStyle/>
           <a:p>
-            <a:pPr indent="0" lvl="0" marL="0" rtl="0" algn="l">
-              <a:lnSpc>
-                <a:spcPct val="100000"/>
-              </a:lnSpc>
-              <a:spcBef>
-                <a:spcPts val="468"/>
-              </a:spcBef>
-              <a:spcAft>
-                <a:spcPts val="0"/>
-              </a:spcAft>
-              <a:buSzPts val="1400"/>
-              <a:buNone/>
+            <a:pPr marL="0" lvl="0" indent="0" algn="l" rtl="0">
+              <a:lnSpc>
+                <a:spcPct val="100000"/>
+              </a:lnSpc>
+              <a:spcBef>
+                <a:spcPts val="467"/>
+              </a:spcBef>
+              <a:spcAft>
+                <a:spcPts val="0"/>
+              </a:spcAft>
+              <a:buSzPct val="25000"/>
+              <a:buNone/>
+              <a:defRPr/>
             </a:pPr>
             <a:r>
+              <a:rPr lang="ko-KR" altLang="en-US"/>
               <a:t/>
             </a:r>
-            <a:endParaRPr/>
+            <a:endParaRPr lang="ko-KR" altLang="en-US"/>
           </a:p>
         </p:txBody>
       </p:sp>
       <p:sp>
         <p:nvSpPr>
           <p:cNvPr id="73" name="Google Shape;73;p6:notes"/>
-          <p:cNvSpPr/>
+          <p:cNvSpPr>
+            <a:spLocks noGrp="1" noRot="1" noChangeAspect="1" noTextEdit="1"/>
+          </p:cNvSpPr>
           <p:nvPr>
-            <p:ph idx="2" type="sldImg"/>
+            <p:ph type="sldImg" idx="2"/>
           </p:nvPr>
         </p:nvSpPr>
         <p:spPr>
@@ -8277,9 +8498,11 @@
             <a:ext cx="5116513" cy="3838575"/>
           </a:xfrm>
           <a:custGeom>
-            <a:rect b="b" l="l" r="r" t="t"/>
+            <a:avLst/>
+            <a:gdLst/>
+            <a:rect l="l" t="t" r="r" b="b"/>
             <a:pathLst>
-              <a:path extrusionOk="0" h="120000" w="120000">
+              <a:path w="120000" h="120000" extrusionOk="0">
                 <a:moveTo>
                   <a:pt x="0" y="0"/>
                 </a:moveTo>
@@ -8297,14 +8520,12 @@
             </a:pathLst>
           </a:custGeom>
           <a:noFill/>
-          <a:ln cap="flat" cmpd="sng" w="9525">
+          <a:ln w="9525" cap="flat" cmpd="sng">
             <a:solidFill>
               <a:srgbClr val="000000"/>
             </a:solidFill>
             <a:prstDash val="solid"/>
-            <a:miter lim="800000"/>
-            <a:headEnd len="sm" w="sm" type="none"/>
-            <a:tailEnd len="sm" w="sm" type="none"/>
+            <a:miter/>
           </a:ln>
         </p:spPr>
       </p:sp>
@@ -8434,11 +8655,11 @@
 </file>
 
 <file path=ppt/notesSlides/notesSlide7.xml><?xml version="1.0" encoding="utf-8"?>
-<p:notes xmlns:a="http://schemas.openxmlformats.org/drawingml/2006/main" xmlns:r="http://schemas.openxmlformats.org/officeDocument/2006/relationships" xmlns:mc="http://schemas.openxmlformats.org/markup-compatibility/2006" xmlns:mv="urn:schemas-microsoft-com:mac:vml" xmlns:p="http://schemas.openxmlformats.org/presentationml/2006/main" xmlns:c="http://schemas.openxmlformats.org/drawingml/2006/chart" xmlns:dgm="http://schemas.openxmlformats.org/drawingml/2006/diagram" xmlns:o="urn:schemas-microsoft-com:office:office" xmlns:v="urn:schemas-microsoft-com:vml" xmlns:pvml="urn:schemas-microsoft-com:office:powerpoint" xmlns:com="http://schemas.openxmlformats.org/drawingml/2006/compatibility" xmlns:p14="http://schemas.microsoft.com/office/powerpoint/2010/main" xmlns:p15="http://schemas.microsoft.com/office/powerpoint/2012/main" xmlns:ahyp="http://schemas.microsoft.com/office/drawing/2018/hyperlinkcolor" showMasterPhAnim="0" showMasterSp="0">
+<p:notes xmlns:r="http://schemas.openxmlformats.org/officeDocument/2006/relationships" xmlns:c="http://schemas.openxmlformats.org/drawingml/2006/chart" xmlns:a="http://schemas.openxmlformats.org/drawingml/2006/main" xmlns:dgm="http://schemas.openxmlformats.org/drawingml/2006/diagram" xmlns:dsp="http://schemas.microsoft.com/office/drawing/2008/diagram" xmlns:p="http://schemas.openxmlformats.org/presentationml/2006/main" showMasterSp="0" showMasterPhAnim="0">
   <p:cSld>
     <p:spTree>
       <p:nvGrpSpPr>
-        <p:cNvPr id="80" name="Shape 80"/>
+        <p:cNvPr id="1" name=""/>
         <p:cNvGrpSpPr/>
         <p:nvPr/>
       </p:nvGrpSpPr>
@@ -8453,9 +8674,11 @@
       <p:sp>
         <p:nvSpPr>
           <p:cNvPr id="81" name="Google Shape;81;p7:notes"/>
-          <p:cNvSpPr txBox="1"/>
+          <p:cNvSpPr txBox="1">
+            <a:spLocks noGrp="1"/>
+          </p:cNvSpPr>
           <p:nvPr>
-            <p:ph idx="1" type="body"/>
+            <p:ph type="body" idx="1"/>
           </p:nvPr>
         </p:nvSpPr>
         <p:spPr>
@@ -8472,37 +8695,41 @@
           </a:ln>
         </p:spPr>
         <p:txBody>
-          <a:bodyPr anchorCtr="0" anchor="t" bIns="49525" lIns="99075" spcFirstLastPara="1" rIns="99075" wrap="square" tIns="49525">
+          <a:bodyPr wrap="square" lIns="99075" tIns="49525" rIns="99075" bIns="49525" anchor="t" anchorCtr="0">
             <a:noAutofit/>
           </a:bodyPr>
           <a:lstStyle/>
           <a:p>
-            <a:pPr indent="0" lvl="0" marL="0" rtl="0" algn="l">
-              <a:lnSpc>
-                <a:spcPct val="100000"/>
-              </a:lnSpc>
-              <a:spcBef>
-                <a:spcPts val="468"/>
-              </a:spcBef>
-              <a:spcAft>
-                <a:spcPts val="0"/>
-              </a:spcAft>
-              <a:buSzPts val="1400"/>
-              <a:buNone/>
+            <a:pPr marL="0" lvl="0" indent="0" algn="l" rtl="0">
+              <a:lnSpc>
+                <a:spcPct val="100000"/>
+              </a:lnSpc>
+              <a:spcBef>
+                <a:spcPts val="467"/>
+              </a:spcBef>
+              <a:spcAft>
+                <a:spcPts val="0"/>
+              </a:spcAft>
+              <a:buSzPct val="25000"/>
+              <a:buNone/>
+              <a:defRPr/>
             </a:pPr>
             <a:r>
+              <a:rPr lang="ko-KR" altLang="en-US"/>
               <a:t/>
             </a:r>
-            <a:endParaRPr/>
+            <a:endParaRPr lang="ko-KR" altLang="en-US"/>
           </a:p>
         </p:txBody>
       </p:sp>
       <p:sp>
         <p:nvSpPr>
           <p:cNvPr id="82" name="Google Shape;82;p7:notes"/>
-          <p:cNvSpPr/>
+          <p:cNvSpPr>
+            <a:spLocks noGrp="1" noRot="1" noChangeAspect="1" noTextEdit="1"/>
+          </p:cNvSpPr>
           <p:nvPr>
-            <p:ph idx="2" type="sldImg"/>
+            <p:ph type="sldImg" idx="2"/>
           </p:nvPr>
         </p:nvSpPr>
         <p:spPr>
@@ -8511,9 +8738,11 @@
             <a:ext cx="5116513" cy="3838575"/>
           </a:xfrm>
           <a:custGeom>
-            <a:rect b="b" l="l" r="r" t="t"/>
+            <a:avLst/>
+            <a:gdLst/>
+            <a:rect l="l" t="t" r="r" b="b"/>
             <a:pathLst>
-              <a:path extrusionOk="0" h="120000" w="120000">
+              <a:path w="120000" h="120000" extrusionOk="0">
                 <a:moveTo>
                   <a:pt x="0" y="0"/>
                 </a:moveTo>
@@ -8531,14 +8760,12 @@
             </a:pathLst>
           </a:custGeom>
           <a:noFill/>
-          <a:ln cap="flat" cmpd="sng" w="9525">
+          <a:ln w="9525" cap="flat" cmpd="sng">
             <a:solidFill>
               <a:srgbClr val="000000"/>
             </a:solidFill>
             <a:prstDash val="solid"/>
-            <a:miter lim="800000"/>
-            <a:headEnd len="sm" w="sm" type="none"/>
-            <a:tailEnd len="sm" w="sm" type="none"/>
+            <a:miter/>
           </a:ln>
         </p:spPr>
       </p:sp>
@@ -8551,11 +8778,11 @@
 </file>
 
 <file path=ppt/notesSlides/notesSlide8.xml><?xml version="1.0" encoding="utf-8"?>
-<p:notes xmlns:a="http://schemas.openxmlformats.org/drawingml/2006/main" xmlns:r="http://schemas.openxmlformats.org/officeDocument/2006/relationships" xmlns:mc="http://schemas.openxmlformats.org/markup-compatibility/2006" xmlns:mv="urn:schemas-microsoft-com:mac:vml" xmlns:p="http://schemas.openxmlformats.org/presentationml/2006/main" xmlns:c="http://schemas.openxmlformats.org/drawingml/2006/chart" xmlns:dgm="http://schemas.openxmlformats.org/drawingml/2006/diagram" xmlns:o="urn:schemas-microsoft-com:office:office" xmlns:v="urn:schemas-microsoft-com:vml" xmlns:pvml="urn:schemas-microsoft-com:office:powerpoint" xmlns:com="http://schemas.openxmlformats.org/drawingml/2006/compatibility" xmlns:p14="http://schemas.microsoft.com/office/powerpoint/2010/main" xmlns:p15="http://schemas.microsoft.com/office/powerpoint/2012/main" xmlns:ahyp="http://schemas.microsoft.com/office/drawing/2018/hyperlinkcolor" showMasterPhAnim="0" showMasterSp="0">
+<p:notes xmlns:r="http://schemas.openxmlformats.org/officeDocument/2006/relationships" xmlns:c="http://schemas.openxmlformats.org/drawingml/2006/chart" xmlns:a="http://schemas.openxmlformats.org/drawingml/2006/main" xmlns:dgm="http://schemas.openxmlformats.org/drawingml/2006/diagram" xmlns:dsp="http://schemas.microsoft.com/office/drawing/2008/diagram" xmlns:p="http://schemas.openxmlformats.org/presentationml/2006/main" showMasterSp="0" showMasterPhAnim="0">
   <p:cSld>
     <p:spTree>
       <p:nvGrpSpPr>
-        <p:cNvPr id="90" name="Shape 90"/>
+        <p:cNvPr id="1" name=""/>
         <p:cNvGrpSpPr/>
         <p:nvPr/>
       </p:nvGrpSpPr>
@@ -8570,9 +8797,11 @@
       <p:sp>
         <p:nvSpPr>
           <p:cNvPr id="91" name="Google Shape;91;p8:notes"/>
-          <p:cNvSpPr txBox="1"/>
+          <p:cNvSpPr txBox="1">
+            <a:spLocks noGrp="1"/>
+          </p:cNvSpPr>
           <p:nvPr>
-            <p:ph idx="1" type="body"/>
+            <p:ph type="body" idx="1"/>
           </p:nvPr>
         </p:nvSpPr>
         <p:spPr>
@@ -8589,37 +8818,41 @@
           </a:ln>
         </p:spPr>
         <p:txBody>
-          <a:bodyPr anchorCtr="0" anchor="t" bIns="49525" lIns="99075" spcFirstLastPara="1" rIns="99075" wrap="square" tIns="49525">
+          <a:bodyPr wrap="square" lIns="99075" tIns="49525" rIns="99075" bIns="49525" anchor="t" anchorCtr="0">
             <a:noAutofit/>
           </a:bodyPr>
           <a:lstStyle/>
           <a:p>
-            <a:pPr indent="0" lvl="0" marL="0" rtl="0" algn="l">
-              <a:lnSpc>
-                <a:spcPct val="100000"/>
-              </a:lnSpc>
-              <a:spcBef>
-                <a:spcPts val="468"/>
-              </a:spcBef>
-              <a:spcAft>
-                <a:spcPts val="0"/>
-              </a:spcAft>
-              <a:buSzPts val="1400"/>
-              <a:buNone/>
+            <a:pPr marL="0" lvl="0" indent="0" algn="l" rtl="0">
+              <a:lnSpc>
+                <a:spcPct val="100000"/>
+              </a:lnSpc>
+              <a:spcBef>
+                <a:spcPts val="467"/>
+              </a:spcBef>
+              <a:spcAft>
+                <a:spcPts val="0"/>
+              </a:spcAft>
+              <a:buSzPct val="25000"/>
+              <a:buNone/>
+              <a:defRPr/>
             </a:pPr>
             <a:r>
+              <a:rPr lang="ko-KR" altLang="en-US"/>
               <a:t/>
             </a:r>
-            <a:endParaRPr/>
+            <a:endParaRPr lang="ko-KR" altLang="en-US"/>
           </a:p>
         </p:txBody>
       </p:sp>
       <p:sp>
         <p:nvSpPr>
           <p:cNvPr id="92" name="Google Shape;92;p8:notes"/>
-          <p:cNvSpPr/>
+          <p:cNvSpPr>
+            <a:spLocks noGrp="1" noRot="1" noChangeAspect="1" noTextEdit="1"/>
+          </p:cNvSpPr>
           <p:nvPr>
-            <p:ph idx="2" type="sldImg"/>
+            <p:ph type="sldImg" idx="2"/>
           </p:nvPr>
         </p:nvSpPr>
         <p:spPr>
@@ -8628,9 +8861,11 @@
             <a:ext cx="5116513" cy="3838575"/>
           </a:xfrm>
           <a:custGeom>
-            <a:rect b="b" l="l" r="r" t="t"/>
+            <a:avLst/>
+            <a:gdLst/>
+            <a:rect l="l" t="t" r="r" b="b"/>
             <a:pathLst>
-              <a:path extrusionOk="0" h="120000" w="120000">
+              <a:path w="120000" h="120000" extrusionOk="0">
                 <a:moveTo>
                   <a:pt x="0" y="0"/>
                 </a:moveTo>
@@ -8648,14 +8883,12 @@
             </a:pathLst>
           </a:custGeom>
           <a:noFill/>
-          <a:ln cap="flat" cmpd="sng" w="9525">
+          <a:ln w="9525" cap="flat" cmpd="sng">
             <a:solidFill>
               <a:srgbClr val="000000"/>
             </a:solidFill>
             <a:prstDash val="solid"/>
-            <a:miter lim="800000"/>
-            <a:headEnd len="sm" w="sm" type="none"/>
-            <a:tailEnd len="sm" w="sm" type="none"/>
+            <a:miter/>
           </a:ln>
         </p:spPr>
       </p:sp>
@@ -8668,11 +8901,11 @@
 </file>
 
 <file path=ppt/notesSlides/notesSlide9.xml><?xml version="1.0" encoding="utf-8"?>
-<p:notes xmlns:a="http://schemas.openxmlformats.org/drawingml/2006/main" xmlns:r="http://schemas.openxmlformats.org/officeDocument/2006/relationships" xmlns:mc="http://schemas.openxmlformats.org/markup-compatibility/2006" xmlns:mv="urn:schemas-microsoft-com:mac:vml" xmlns:p="http://schemas.openxmlformats.org/presentationml/2006/main" xmlns:c="http://schemas.openxmlformats.org/drawingml/2006/chart" xmlns:dgm="http://schemas.openxmlformats.org/drawingml/2006/diagram" xmlns:o="urn:schemas-microsoft-com:office:office" xmlns:v="urn:schemas-microsoft-com:vml" xmlns:pvml="urn:schemas-microsoft-com:office:powerpoint" xmlns:com="http://schemas.openxmlformats.org/drawingml/2006/compatibility" xmlns:p14="http://schemas.microsoft.com/office/powerpoint/2010/main" xmlns:p15="http://schemas.microsoft.com/office/powerpoint/2012/main" xmlns:ahyp="http://schemas.microsoft.com/office/drawing/2018/hyperlinkcolor" showMasterPhAnim="0" showMasterSp="0">
+<p:notes xmlns:r="http://schemas.openxmlformats.org/officeDocument/2006/relationships" xmlns:c="http://schemas.openxmlformats.org/drawingml/2006/chart" xmlns:a="http://schemas.openxmlformats.org/drawingml/2006/main" xmlns:dgm="http://schemas.openxmlformats.org/drawingml/2006/diagram" xmlns:dsp="http://schemas.microsoft.com/office/drawing/2008/diagram" xmlns:p="http://schemas.openxmlformats.org/presentationml/2006/main" showMasterSp="0" showMasterPhAnim="0">
   <p:cSld>
     <p:spTree>
       <p:nvGrpSpPr>
-        <p:cNvPr id="106" name="Shape 106"/>
+        <p:cNvPr id="1" name=""/>
         <p:cNvGrpSpPr/>
         <p:nvPr/>
       </p:nvGrpSpPr>
@@ -8687,9 +8920,11 @@
       <p:sp>
         <p:nvSpPr>
           <p:cNvPr id="107" name="Google Shape;107;p9:notes"/>
-          <p:cNvSpPr txBox="1"/>
+          <p:cNvSpPr txBox="1">
+            <a:spLocks noGrp="1"/>
+          </p:cNvSpPr>
           <p:nvPr>
-            <p:ph idx="1" type="body"/>
+            <p:ph type="body" idx="1"/>
           </p:nvPr>
         </p:nvSpPr>
         <p:spPr>
@@ -8706,37 +8941,41 @@
           </a:ln>
         </p:spPr>
         <p:txBody>
-          <a:bodyPr anchorCtr="0" anchor="t" bIns="49525" lIns="99075" spcFirstLastPara="1" rIns="99075" wrap="square" tIns="49525">
+          <a:bodyPr wrap="square" lIns="99075" tIns="49525" rIns="99075" bIns="49525" anchor="t" anchorCtr="0">
             <a:noAutofit/>
           </a:bodyPr>
           <a:lstStyle/>
           <a:p>
-            <a:pPr indent="0" lvl="0" marL="0" rtl="0" algn="l">
-              <a:lnSpc>
-                <a:spcPct val="100000"/>
-              </a:lnSpc>
-              <a:spcBef>
-                <a:spcPts val="468"/>
-              </a:spcBef>
-              <a:spcAft>
-                <a:spcPts val="0"/>
-              </a:spcAft>
-              <a:buSzPts val="1400"/>
-              <a:buNone/>
+            <a:pPr marL="0" lvl="0" indent="0" algn="l" rtl="0">
+              <a:lnSpc>
+                <a:spcPct val="100000"/>
+              </a:lnSpc>
+              <a:spcBef>
+                <a:spcPts val="467"/>
+              </a:spcBef>
+              <a:spcAft>
+                <a:spcPts val="0"/>
+              </a:spcAft>
+              <a:buSzPct val="25000"/>
+              <a:buNone/>
+              <a:defRPr/>
             </a:pPr>
             <a:r>
+              <a:rPr lang="ko-KR" altLang="en-US"/>
               <a:t/>
             </a:r>
-            <a:endParaRPr/>
+            <a:endParaRPr lang="ko-KR" altLang="en-US"/>
           </a:p>
         </p:txBody>
       </p:sp>
       <p:sp>
         <p:nvSpPr>
           <p:cNvPr id="108" name="Google Shape;108;p9:notes"/>
-          <p:cNvSpPr/>
+          <p:cNvSpPr>
+            <a:spLocks noGrp="1" noRot="1" noChangeAspect="1" noTextEdit="1"/>
+          </p:cNvSpPr>
           <p:nvPr>
-            <p:ph idx="2" type="sldImg"/>
+            <p:ph type="sldImg" idx="2"/>
           </p:nvPr>
         </p:nvSpPr>
         <p:spPr>
@@ -8745,9 +8984,11 @@
             <a:ext cx="5116513" cy="3838575"/>
           </a:xfrm>
           <a:custGeom>
-            <a:rect b="b" l="l" r="r" t="t"/>
+            <a:avLst/>
+            <a:gdLst/>
+            <a:rect l="l" t="t" r="r" b="b"/>
             <a:pathLst>
-              <a:path extrusionOk="0" h="120000" w="120000">
+              <a:path w="120000" h="120000" extrusionOk="0">
                 <a:moveTo>
                   <a:pt x="0" y="0"/>
                 </a:moveTo>
@@ -8765,14 +9006,12 @@
             </a:pathLst>
           </a:custGeom>
           <a:noFill/>
-          <a:ln cap="flat" cmpd="sng" w="9525">
+          <a:ln w="9525" cap="flat" cmpd="sng">
             <a:solidFill>
               <a:srgbClr val="000000"/>
             </a:solidFill>
             <a:prstDash val="solid"/>
-            <a:miter lim="800000"/>
-            <a:headEnd len="sm" w="sm" type="none"/>
-            <a:tailEnd len="sm" w="sm" type="none"/>
+            <a:miter/>
           </a:ln>
         </p:spPr>
       </p:sp>
@@ -16320,11 +16559,11 @@
 </file>
 
 <file path=ppt/slides/slide16.xml><?xml version="1.0" encoding="utf-8"?>
-<p:sld xmlns:a="http://schemas.openxmlformats.org/drawingml/2006/main" xmlns:r="http://schemas.openxmlformats.org/officeDocument/2006/relationships" xmlns:mc="http://schemas.openxmlformats.org/markup-compatibility/2006" xmlns:mv="urn:schemas-microsoft-com:mac:vml" xmlns:p="http://schemas.openxmlformats.org/presentationml/2006/main" xmlns:c="http://schemas.openxmlformats.org/drawingml/2006/chart" xmlns:dgm="http://schemas.openxmlformats.org/drawingml/2006/diagram" xmlns:o="urn:schemas-microsoft-com:office:office" xmlns:v="urn:schemas-microsoft-com:vml" xmlns:pvml="urn:schemas-microsoft-com:office:powerpoint" xmlns:com="http://schemas.openxmlformats.org/drawingml/2006/compatibility" xmlns:p14="http://schemas.microsoft.com/office/powerpoint/2010/main" xmlns:p15="http://schemas.microsoft.com/office/powerpoint/2012/main" xmlns:ahyp="http://schemas.microsoft.com/office/drawing/2018/hyperlinkcolor">
+<p:sld xmlns:r="http://schemas.openxmlformats.org/officeDocument/2006/relationships" xmlns:c="http://schemas.openxmlformats.org/drawingml/2006/chart" xmlns:a="http://schemas.openxmlformats.org/drawingml/2006/main" xmlns:dgm="http://schemas.openxmlformats.org/drawingml/2006/diagram" xmlns:dsp="http://schemas.microsoft.com/office/drawing/2008/diagram" xmlns:p="http://schemas.openxmlformats.org/presentationml/2006/main">
   <p:cSld>
     <p:spTree>
       <p:nvGrpSpPr>
-        <p:cNvPr id="165" name="Shape 165"/>
+        <p:cNvPr id="1" name=""/>
         <p:cNvGrpSpPr/>
         <p:nvPr/>
       </p:nvGrpSpPr>
@@ -16339,9 +16578,11 @@
       <p:sp>
         <p:nvSpPr>
           <p:cNvPr id="166" name="Google Shape;166;p16"/>
-          <p:cNvSpPr txBox="1"/>
+          <p:cNvSpPr txBox="1">
+            <a:spLocks noGrp="1"/>
+          </p:cNvSpPr>
           <p:nvPr>
-            <p:ph type="title"/>
+            <p:ph type="title" idx="0"/>
           </p:nvPr>
         </p:nvSpPr>
         <p:spPr>
@@ -16358,23 +16599,24 @@
           </a:ln>
         </p:spPr>
         <p:txBody>
-          <a:bodyPr anchorCtr="0" anchor="b" bIns="59400" lIns="118800" spcFirstLastPara="1" rIns="118800" wrap="square" tIns="59400">
+          <a:bodyPr wrap="square" lIns="118800" tIns="59400" rIns="118800" bIns="59400" anchor="b" anchorCtr="0">
             <a:noAutofit/>
           </a:bodyPr>
           <a:lstStyle/>
           <a:p>
-            <a:pPr indent="0" lvl="1" marL="0" rtl="0" algn="ctr">
-              <a:lnSpc>
-                <a:spcPct val="100000"/>
-              </a:lnSpc>
-              <a:spcBef>
-                <a:spcPts val="0"/>
-              </a:spcBef>
-              <a:spcAft>
-                <a:spcPts val="0"/>
-              </a:spcAft>
-              <a:buSzPts val="1400"/>
-              <a:buNone/>
+            <a:pPr marL="0" lvl="1" indent="0" algn="ctr" rtl="0">
+              <a:lnSpc>
+                <a:spcPct val="100000"/>
+              </a:lnSpc>
+              <a:spcBef>
+                <a:spcPts val="0"/>
+              </a:spcBef>
+              <a:spcAft>
+                <a:spcPts val="0"/>
+              </a:spcAft>
+              <a:buSzPct val="25000"/>
+              <a:buNone/>
+              <a:defRPr/>
             </a:pPr>
             <a:r>
               <a:rPr lang="en-US" sz="5717">
@@ -16397,9 +16639,11 @@
       <p:sp>
         <p:nvSpPr>
           <p:cNvPr id="167" name="Google Shape;167;p16"/>
-          <p:cNvSpPr txBox="1"/>
+          <p:cNvSpPr txBox="1">
+            <a:spLocks noGrp="1"/>
+          </p:cNvSpPr>
           <p:nvPr>
-            <p:ph idx="1" type="body"/>
+            <p:ph type="body" idx="1"/>
           </p:nvPr>
         </p:nvSpPr>
         <p:spPr>
@@ -16416,32 +16660,33 @@
           </a:ln>
         </p:spPr>
         <p:txBody>
-          <a:bodyPr anchorCtr="0" anchor="t" bIns="45700" lIns="91425" spcFirstLastPara="1" rIns="91425" wrap="square" tIns="45700">
+          <a:bodyPr wrap="square" lIns="91424" tIns="45700" rIns="91424" bIns="45700" anchor="t" anchorCtr="0">
             <a:noAutofit/>
           </a:bodyPr>
           <a:lstStyle/>
           <a:p>
-            <a:pPr indent="-445549" lvl="0" marL="445549" rtl="0" algn="l">
-              <a:lnSpc>
-                <a:spcPct val="100000"/>
-              </a:lnSpc>
-              <a:spcBef>
-                <a:spcPts val="0"/>
-              </a:spcBef>
-              <a:spcAft>
-                <a:spcPts val="0"/>
-              </a:spcAft>
-              <a:buSzPts val="3100"/>
+            <a:pPr marL="445549" lvl="0" indent="-445549" algn="l" rtl="0">
+              <a:lnSpc>
+                <a:spcPct val="100000"/>
+              </a:lnSpc>
+              <a:spcBef>
+                <a:spcPts val="0"/>
+              </a:spcBef>
+              <a:spcAft>
+                <a:spcPts val="0"/>
+              </a:spcAft>
+              <a:buSzPct val="25000"/>
               <a:buChar char="∙"/>
+              <a:defRPr/>
             </a:pPr>
             <a:r>
               <a:rPr lang="en-US"/>
               <a:t>&lt;div&gt;은 "divide"의 약자로서 페이지를 논리적인 섹션으로 분리하는데 사용되는 태그</a:t>
             </a:r>
-            <a:endParaRPr/>
+            <a:endParaRPr lang="en-US"/>
           </a:p>
           <a:p>
-            <a:pPr indent="-247493" lvl="0" marL="445549" rtl="0" algn="l">
+            <a:pPr marL="445549" lvl="0" indent="-247493" algn="l" rtl="0">
               <a:lnSpc>
                 <a:spcPct val="100000"/>
               </a:lnSpc>
@@ -16451,12 +16696,10 @@
               <a:spcAft>
                 <a:spcPts val="0"/>
               </a:spcAft>
-              <a:buSzPts val="3119"/>
-              <a:buNone/>
+              <a:buSzPct val="25000"/>
+              <a:buNone/>
+              <a:defRPr/>
             </a:pPr>
-            <a:r>
-              <a:t/>
-            </a:r>
             <a:endParaRPr/>
           </a:p>
         </p:txBody>
@@ -16476,23 +16719,21 @@
             <a:avLst/>
           </a:prstGeom>
           <a:noFill/>
-          <a:ln cap="flat" cmpd="sng" w="9525">
+          <a:ln w="9525" cap="flat" cmpd="sng">
             <a:solidFill>
               <a:schemeClr val="dk1"/>
             </a:solidFill>
             <a:prstDash val="solid"/>
             <a:round/>
-            <a:headEnd len="sm" w="sm" type="none"/>
-            <a:tailEnd len="sm" w="sm" type="none"/>
           </a:ln>
         </p:spPr>
         <p:txBody>
-          <a:bodyPr anchorCtr="0" anchor="ctr" bIns="59400" lIns="118800" spcFirstLastPara="1" rIns="118800" wrap="square" tIns="59400">
+          <a:bodyPr wrap="square" lIns="118800" tIns="59400" rIns="118800" bIns="59400" anchor="ctr" anchorCtr="0">
             <a:noAutofit/>
           </a:bodyPr>
           <a:lstStyle/>
           <a:p>
-            <a:pPr indent="0" lvl="0" marL="0" marR="0" rtl="0" algn="l">
+            <a:pPr marL="0" marR="0" lvl="0" indent="0" algn="l" rtl="0">
               <a:lnSpc>
                 <a:spcPct val="100000"/>
               </a:lnSpc>
@@ -16505,14 +16746,15 @@
               <a:buClr>
                 <a:schemeClr val="folHlink"/>
               </a:buClr>
-              <a:buSzPts val="2339"/>
+              <a:buSzPct val="25000"/>
               <a:buFont typeface="Noto Sans Symbols"/>
               <a:buNone/>
+              <a:defRPr/>
             </a:pPr>
             <a:r>
-              <a:rPr b="1" i="0" lang="en-US" sz="2339" u="none" cap="none" strike="noStrike">
-                <a:solidFill>
-                  <a:srgbClr val="0000FF"/>
+              <a:rPr lang="en-US" sz="2339" b="1" i="0" u="none" strike="noStrike" cap="none">
+                <a:solidFill>
+                  <a:srgbClr val="0000ff"/>
                 </a:solidFill>
                 <a:latin typeface="Arial"/>
                 <a:ea typeface="Arial"/>
@@ -16522,7 +16764,7 @@
               <a:t>&lt;div</a:t>
             </a:r>
             <a:r>
-              <a:rPr b="1" i="0" lang="en-US" sz="2339" u="none" cap="none" strike="noStrike">
+              <a:rPr lang="en-US" sz="2339" b="1" i="0" u="none" strike="noStrike" cap="none">
                 <a:solidFill>
                   <a:schemeClr val="dk1"/>
                 </a:solidFill>
@@ -16534,9 +16776,9 @@
               <a:t> </a:t>
             </a:r>
             <a:r>
-              <a:rPr b="1" i="0" lang="en-US" sz="2339" u="none" cap="none" strike="noStrike">
-                <a:solidFill>
-                  <a:srgbClr val="FF0000"/>
+              <a:rPr lang="en-US" sz="2339" b="1" i="0" u="none" strike="noStrike" cap="none">
+                <a:solidFill>
+                  <a:srgbClr val="ff0000"/>
                 </a:solidFill>
                 <a:latin typeface="Arial"/>
                 <a:ea typeface="Arial"/>
@@ -16546,7 +16788,7 @@
               <a:t>style</a:t>
             </a:r>
             <a:r>
-              <a:rPr b="1" i="0" lang="en-US" sz="2339" u="none" cap="none" strike="noStrike">
+              <a:rPr lang="en-US" sz="2339" b="1" i="0" u="none" strike="noStrike" cap="none">
                 <a:solidFill>
                   <a:schemeClr val="dk1"/>
                 </a:solidFill>
@@ -16558,9 +16800,9 @@
               <a:t>=</a:t>
             </a:r>
             <a:r>
-              <a:rPr b="1" i="0" lang="en-US" sz="2339" u="none" cap="none" strike="noStrike">
-                <a:solidFill>
-                  <a:srgbClr val="6600FF"/>
+              <a:rPr lang="en-US" sz="2339" b="1" i="0" u="none" strike="noStrike" cap="none">
+                <a:solidFill>
+                  <a:srgbClr val="6600ff"/>
                 </a:solidFill>
                 <a:latin typeface="Arial"/>
                 <a:ea typeface="Arial"/>
@@ -16570,9 +16812,9 @@
               <a:t>"border: 3px solid red"</a:t>
             </a:r>
             <a:r>
-              <a:rPr b="1" i="0" lang="en-US" sz="2339" u="none" cap="none" strike="noStrike">
-                <a:solidFill>
-                  <a:srgbClr val="0000FF"/>
+              <a:rPr lang="en-US" sz="2339" b="1" i="0" u="none" strike="noStrike" cap="none">
+                <a:solidFill>
+                  <a:srgbClr val="0000ff"/>
                 </a:solidFill>
                 <a:latin typeface="Arial"/>
                 <a:ea typeface="Arial"/>
@@ -16581,9 +16823,9 @@
               </a:rPr>
               <a:t>&gt;</a:t>
             </a:r>
-            <a:endParaRPr b="0" i="0" sz="1400" u="none" cap="none" strike="noStrike">
+            <a:endParaRPr lang="en-US" sz="2339" b="1" i="0" u="none" strike="noStrike" cap="none">
               <a:solidFill>
-                <a:srgbClr val="000000"/>
+                <a:srgbClr val="0000ff"/>
               </a:solidFill>
               <a:latin typeface="Arial"/>
               <a:ea typeface="Arial"/>
@@ -16592,12 +16834,12 @@
             </a:endParaRPr>
           </a:p>
           <a:p>
-            <a:pPr indent="0" lvl="0" marL="0" marR="0" rtl="0" algn="l">
-              <a:lnSpc>
-                <a:spcPct val="100000"/>
-              </a:lnSpc>
-              <a:spcBef>
-                <a:spcPts val="468"/>
+            <a:pPr marL="0" marR="0" lvl="0" indent="0" algn="l" rtl="0">
+              <a:lnSpc>
+                <a:spcPct val="100000"/>
+              </a:lnSpc>
+              <a:spcBef>
+                <a:spcPts val="467"/>
               </a:spcBef>
               <a:spcAft>
                 <a:spcPts val="0"/>
@@ -16605,14 +16847,15 @@
               <a:buClr>
                 <a:schemeClr val="folHlink"/>
               </a:buClr>
-              <a:buSzPts val="2339"/>
+              <a:buSzPct val="25000"/>
               <a:buFont typeface="Noto Sans Symbols"/>
               <a:buNone/>
+              <a:defRPr/>
             </a:pPr>
             <a:r>
-              <a:rPr b="1" i="0" lang="en-US" sz="2339" u="none" cap="none" strike="noStrike">
-                <a:solidFill>
-                  <a:srgbClr val="0000FF"/>
+              <a:rPr lang="en-US" sz="2339" b="1" i="0" u="none" strike="noStrike" cap="none">
+                <a:solidFill>
+                  <a:srgbClr val="0000ff"/>
                 </a:solidFill>
                 <a:latin typeface="Arial"/>
                 <a:ea typeface="Arial"/>
@@ -16622,7 +16865,7 @@
               <a:t>   &lt;h2&gt;</a:t>
             </a:r>
             <a:r>
-              <a:rPr b="1" i="0" lang="en-US" sz="2339" u="none" cap="none" strike="noStrike">
+              <a:rPr lang="en-US" sz="2339" b="1" i="0" u="none" strike="noStrike" cap="none">
                 <a:solidFill>
                   <a:schemeClr val="dk1"/>
                 </a:solidFill>
@@ -16634,9 +16877,9 @@
               <a:t>사자</a:t>
             </a:r>
             <a:r>
-              <a:rPr b="1" i="0" lang="en-US" sz="2339" u="none" cap="none" strike="noStrike">
-                <a:solidFill>
-                  <a:srgbClr val="0000FF"/>
+              <a:rPr lang="en-US" sz="2339" b="1" i="0" u="none" strike="noStrike" cap="none">
+                <a:solidFill>
+                  <a:srgbClr val="0000ff"/>
                 </a:solidFill>
                 <a:latin typeface="Arial"/>
                 <a:ea typeface="Arial"/>
@@ -16645,9 +16888,9 @@
               </a:rPr>
               <a:t>&lt;/h2&gt;</a:t>
             </a:r>
-            <a:endParaRPr b="0" i="0" sz="1400" u="none" cap="none" strike="noStrike">
+            <a:endParaRPr lang="en-US" sz="2339" b="1" i="0" u="none" strike="noStrike" cap="none">
               <a:solidFill>
-                <a:srgbClr val="000000"/>
+                <a:srgbClr val="0000ff"/>
               </a:solidFill>
               <a:latin typeface="Arial"/>
               <a:ea typeface="Arial"/>
@@ -16656,12 +16899,12 @@
             </a:endParaRPr>
           </a:p>
           <a:p>
-            <a:pPr indent="0" lvl="0" marL="0" marR="0" rtl="0" algn="l">
-              <a:lnSpc>
-                <a:spcPct val="100000"/>
-              </a:lnSpc>
-              <a:spcBef>
-                <a:spcPts val="468"/>
+            <a:pPr marL="0" marR="0" lvl="0" indent="0" algn="l" rtl="0">
+              <a:lnSpc>
+                <a:spcPct val="100000"/>
+              </a:lnSpc>
+              <a:spcBef>
+                <a:spcPts val="467"/>
               </a:spcBef>
               <a:spcAft>
                 <a:spcPts val="0"/>
@@ -16669,14 +16912,15 @@
               <a:buClr>
                 <a:schemeClr val="folHlink"/>
               </a:buClr>
-              <a:buSzPts val="2339"/>
+              <a:buSzPct val="25000"/>
               <a:buFont typeface="Noto Sans Symbols"/>
               <a:buNone/>
+              <a:defRPr/>
             </a:pPr>
             <a:r>
-              <a:rPr b="1" i="0" lang="en-US" sz="2339" u="none" cap="none" strike="noStrike">
-                <a:solidFill>
-                  <a:srgbClr val="0000FF"/>
+              <a:rPr lang="en-US" sz="2339" b="1" i="0" u="none" strike="noStrike" cap="none">
+                <a:solidFill>
+                  <a:srgbClr val="0000ff"/>
                 </a:solidFill>
                 <a:latin typeface="Arial"/>
                 <a:ea typeface="Arial"/>
@@ -16686,7 +16930,7 @@
               <a:t>   &lt;p&gt;</a:t>
             </a:r>
             <a:r>
-              <a:rPr b="1" i="0" lang="en-US" sz="2339" u="none" cap="none" strike="noStrike">
+              <a:rPr lang="en-US" sz="2339" b="1" i="0" u="none" strike="noStrike" cap="none">
                 <a:solidFill>
                   <a:schemeClr val="dk1"/>
                 </a:solidFill>
@@ -16698,9 +16942,9 @@
               <a:t>사자는 아프리카에 살며 ...</a:t>
             </a:r>
             <a:r>
-              <a:rPr b="1" i="0" lang="en-US" sz="2339" u="none" cap="none" strike="noStrike">
-                <a:solidFill>
-                  <a:srgbClr val="0000FF"/>
+              <a:rPr lang="en-US" sz="2339" b="1" i="0" u="none" strike="noStrike" cap="none">
+                <a:solidFill>
+                  <a:srgbClr val="0000ff"/>
                 </a:solidFill>
                 <a:latin typeface="Arial"/>
                 <a:ea typeface="Arial"/>
@@ -16709,9 +16953,9 @@
               </a:rPr>
               <a:t>&lt;/p&gt;</a:t>
             </a:r>
-            <a:endParaRPr b="1" i="0" sz="2339" u="none" cap="none" strike="noStrike">
+            <a:endParaRPr lang="en-US" sz="2339" b="1" i="0" u="none" strike="noStrike" cap="none">
               <a:solidFill>
-                <a:srgbClr val="0000FF"/>
+                <a:srgbClr val="0000ff"/>
               </a:solidFill>
               <a:latin typeface="Arial"/>
               <a:ea typeface="Arial"/>
@@ -16720,12 +16964,12 @@
             </a:endParaRPr>
           </a:p>
           <a:p>
-            <a:pPr indent="0" lvl="0" marL="0" marR="0" rtl="0" algn="l">
-              <a:lnSpc>
-                <a:spcPct val="100000"/>
-              </a:lnSpc>
-              <a:spcBef>
-                <a:spcPts val="468"/>
+            <a:pPr marL="0" marR="0" lvl="0" indent="0" algn="l" rtl="0">
+              <a:lnSpc>
+                <a:spcPct val="100000"/>
+              </a:lnSpc>
+              <a:spcBef>
+                <a:spcPts val="467"/>
               </a:spcBef>
               <a:spcAft>
                 <a:spcPts val="0"/>
@@ -16733,14 +16977,15 @@
               <a:buClr>
                 <a:schemeClr val="folHlink"/>
               </a:buClr>
-              <a:buSzPts val="2339"/>
+              <a:buSzPct val="25000"/>
               <a:buFont typeface="Noto Sans Symbols"/>
               <a:buNone/>
+              <a:defRPr/>
             </a:pPr>
             <a:r>
-              <a:rPr b="1" i="0" lang="en-US" sz="2339" u="none" cap="none" strike="noStrike">
-                <a:solidFill>
-                  <a:srgbClr val="0000FF"/>
+              <a:rPr lang="en-US" sz="2339" b="1" i="0" u="none" strike="noStrike" cap="none">
+                <a:solidFill>
+                  <a:srgbClr val="0000ff"/>
                 </a:solidFill>
                 <a:latin typeface="Arial"/>
                 <a:ea typeface="Arial"/>
@@ -16750,7 +16995,7 @@
               <a:t>&lt;/div&gt;</a:t>
             </a:r>
             <a:r>
-              <a:rPr b="1" i="0" lang="en-US" sz="2339" u="none" cap="none" strike="noStrike">
+              <a:rPr lang="en-US" sz="2339" b="1" i="0" u="none" strike="noStrike" cap="none">
                 <a:solidFill>
                   <a:schemeClr val="dk1"/>
                 </a:solidFill>
@@ -16761,7 +17006,7 @@
               </a:rPr>
               <a:t> </a:t>
             </a:r>
-            <a:endParaRPr b="1" i="0" sz="2339" u="none" cap="none" strike="noStrike">
+            <a:endParaRPr sz="2339" b="1" i="0" u="none" strike="noStrike" cap="none">
               <a:solidFill>
                 <a:schemeClr val="dk1"/>
               </a:solidFill>
@@ -16776,15 +17021,17 @@
       <p:pic>
         <p:nvPicPr>
           <p:cNvPr id="169" name="Google Shape;169;p16"/>
-          <p:cNvPicPr preferRelativeResize="0"/>
+          <p:cNvPicPr/>
           <p:nvPr/>
         </p:nvPicPr>
         <p:blipFill rotWithShape="1">
           <a:blip r:embed="rId3">
             <a:alphaModFix/>
           </a:blip>
-          <a:srcRect b="0" l="0" r="0" t="0"/>
-          <a:stretch/>
+          <a:srcRect/>
+          <a:stretch>
+            <a:fillRect/>
+          </a:stretch>
         </p:blipFill>
         <p:spPr>
           <a:xfrm>
@@ -16803,9 +17050,11 @@
       <p:sp>
         <p:nvSpPr>
           <p:cNvPr id="170" name="Google Shape;170;p16"/>
-          <p:cNvSpPr txBox="1"/>
+          <p:cNvSpPr txBox="1">
+            <a:spLocks noGrp="1"/>
+          </p:cNvSpPr>
           <p:nvPr>
-            <p:ph idx="12" type="sldNum"/>
+            <p:ph type="sldNum" idx="12"/>
           </p:nvPr>
         </p:nvSpPr>
         <p:spPr>
@@ -16822,29 +17071,44 @@
           </a:ln>
         </p:spPr>
         <p:txBody>
-          <a:bodyPr anchorCtr="0" anchor="ctr" bIns="45700" lIns="91425" spcFirstLastPara="1" rIns="91425" wrap="square" tIns="45700">
+          <a:bodyPr wrap="square" lIns="91424" tIns="45700" rIns="91424" bIns="45700" anchor="ctr" anchorCtr="0">
             <a:noAutofit/>
           </a:bodyPr>
           <a:lstStyle/>
           <a:p>
-            <a:pPr indent="0" lvl="0" marL="0" rtl="0" algn="r">
-              <a:lnSpc>
-                <a:spcPct val="100000"/>
-              </a:lnSpc>
-              <a:spcBef>
-                <a:spcPts val="0"/>
-              </a:spcBef>
-              <a:spcAft>
-                <a:spcPts val="0"/>
-              </a:spcAft>
-              <a:buSzPts val="1800"/>
-              <a:buNone/>
+            <a:pPr marL="0" lvl="0" indent="0" algn="r" rtl="0">
+              <a:lnSpc>
+                <a:spcPct val="100000"/>
+              </a:lnSpc>
+              <a:spcBef>
+                <a:spcPts val="0"/>
+              </a:spcBef>
+              <a:spcAft>
+                <a:spcPts val="0"/>
+              </a:spcAft>
+              <a:buSzPct val="25000"/>
+              <a:buNone/>
+              <a:defRPr/>
             </a:pPr>
             <a:fld id="{00000000-1234-1234-1234-123412341234}" type="slidenum">
               <a:rPr lang="en-US"/>
-              <a:t>‹#›</a:t>
+              <a:pPr marL="0" lvl="0" indent="0" algn="r" rtl="0">
+                <a:lnSpc>
+                  <a:spcPct val="100000"/>
+                </a:lnSpc>
+                <a:spcBef>
+                  <a:spcPts val="0"/>
+                </a:spcBef>
+                <a:spcAft>
+                  <a:spcPts val="0"/>
+                </a:spcAft>
+                <a:buSzPct val="25000"/>
+                <a:buNone/>
+                <a:defRPr/>
+              </a:pPr>
+              <a:t>16</a:t>
             </a:fld>
-            <a:endParaRPr/>
+            <a:endParaRPr lang="en-US"/>
           </a:p>
         </p:txBody>
       </p:sp>
@@ -16853,6 +17117,14 @@
   <p:clrMapOvr>
     <a:masterClrMapping/>
   </p:clrMapOvr>
+  <mc:AlternateContent xmlns:mc="http://schemas.openxmlformats.org/markup-compatibility/2006">
+    <mc:Choice xmlns:p14="http://schemas.microsoft.com/office/powerpoint/2010/main" Requires="p14">
+      <p:transition xmlns:mc="http://schemas.openxmlformats.org/markup-compatibility/2006" xmlns:p14="http://schemas.microsoft.com/office/powerpoint/2010/main" mc:Ignorable="p14" p14:dur="500"/>
+    </mc:Choice>
+    <mc:Fallback>
+      <p:transition/>
+    </mc:Fallback>
+  </mc:AlternateContent>
 </p:sld>
 </file>
 
@@ -52519,44 +52791,44 @@
 </file>
 
 <file path=ppt/theme/theme1.xml><?xml version="1.0" encoding="utf-8"?>
-<a:theme xmlns:a="http://schemas.openxmlformats.org/drawingml/2006/main" xmlns:r="http://schemas.openxmlformats.org/officeDocument/2006/relationships" name="Office 테마">
+<a:theme xmlns:r="http://schemas.openxmlformats.org/officeDocument/2006/relationships" xmlns:c="http://schemas.openxmlformats.org/drawingml/2006/chart" xmlns:dgm="http://schemas.openxmlformats.org/drawingml/2006/diagram" xmlns:dsp="http://schemas.microsoft.com/office/drawing/2008/diagram" xmlns:a="http://schemas.openxmlformats.org/drawingml/2006/main" xmlns:pic="http://schemas.openxmlformats.org/drawingml/2006/picture" xmlns:wp="http://schemas.openxmlformats.org/drawingml/2006/wordprocessingDrawing" xmlns:xdr="http://schemas.openxmlformats.org/drawingml/2006/spreadsheetDrawing" xmlns:p="http://schemas.openxmlformats.org/presentationml/2006/main" name="1_Crayons">
   <a:themeElements>
-    <a:clrScheme name="">
+    <a:clrScheme name="1_Crayons 1">
       <a:dk1>
         <a:srgbClr val="000000"/>
       </a:dk1>
       <a:lt1>
-        <a:srgbClr val="FFFFFF"/>
+        <a:srgbClr val="ffffff"/>
       </a:lt1>
       <a:dk2>
-        <a:srgbClr val="000000"/>
+        <a:srgbClr val="ff0000"/>
       </a:dk2>
       <a:lt2>
-        <a:srgbClr val="808080"/>
+        <a:srgbClr val="ffb800"/>
       </a:lt2>
       <a:accent1>
-        <a:srgbClr val="BBE0E3"/>
+        <a:srgbClr val="ffef66"/>
       </a:accent1>
       <a:accent2>
-        <a:srgbClr val="333399"/>
+        <a:srgbClr val="000000"/>
       </a:accent2>
       <a:accent3>
-        <a:srgbClr val="FFFFFF"/>
+        <a:srgbClr val="ffffff"/>
       </a:accent3>
       <a:accent4>
         <a:srgbClr val="000000"/>
       </a:accent4>
       <a:accent5>
-        <a:srgbClr val="DAEDEF"/>
+        <a:srgbClr val="fff6b8"/>
       </a:accent5>
       <a:accent6>
-        <a:srgbClr val="2D2D8A"/>
+        <a:srgbClr val="000000"/>
       </a:accent6>
       <a:hlink>
-        <a:srgbClr val="009999"/>
+        <a:srgbClr val="00b200"/>
       </a:hlink>
       <a:folHlink>
-        <a:srgbClr val="99CC00"/>
+        <a:srgbClr val="703dff"/>
       </a:folHlink>
     </a:clrScheme>
     <a:fontScheme name="Office">
@@ -52564,9 +52836,9 @@
         <a:latin typeface="Arial"/>
         <a:ea typeface=""/>
         <a:cs typeface=""/>
-        <a:font script="Jpan" typeface="ＭＳ Ｐゴシック"/>
+        <a:font script="Jpan" typeface="MS PGothic"/>
         <a:font script="Hang" typeface="맑은 고딕"/>
-        <a:font script="Hans" typeface="宋体"/>
+        <a:font script="Hans" typeface="SimSun"/>
         <a:font script="Hant" typeface="新細明體"/>
         <a:font script="Arab" typeface="Times New Roman"/>
         <a:font script="Hebr" typeface="Times New Roman"/>
@@ -52599,9 +52871,9 @@
         <a:latin typeface="Arial"/>
         <a:ea typeface=""/>
         <a:cs typeface=""/>
-        <a:font script="Jpan" typeface="ＭＳ Ｐゴシック"/>
+        <a:font script="Jpan" typeface="MS PGothic"/>
         <a:font script="Hang" typeface="맑은 고딕"/>
-        <a:font script="Hans" typeface="宋体"/>
+        <a:font script="Hans" typeface="SimSun"/>
         <a:font script="Hant" typeface="新細明體"/>
         <a:font script="Arab" typeface="Arial"/>
         <a:font script="Hebr" typeface="Arial"/>
@@ -52798,44 +53070,44 @@
 </file>
 
 <file path=ppt/theme/theme2.xml><?xml version="1.0" encoding="utf-8"?>
-<a:theme xmlns:a="http://schemas.openxmlformats.org/drawingml/2006/main" xmlns:r="http://schemas.openxmlformats.org/officeDocument/2006/relationships" name="1_Crayons">
+<a:theme xmlns:r="http://schemas.openxmlformats.org/officeDocument/2006/relationships" xmlns:c="http://schemas.openxmlformats.org/drawingml/2006/chart" xmlns:dgm="http://schemas.openxmlformats.org/drawingml/2006/diagram" xmlns:dsp="http://schemas.microsoft.com/office/drawing/2008/diagram" xmlns:a="http://schemas.openxmlformats.org/drawingml/2006/main" xmlns:pic="http://schemas.openxmlformats.org/drawingml/2006/picture" xmlns:wp="http://schemas.openxmlformats.org/drawingml/2006/wordprocessingDrawing" xmlns:xdr="http://schemas.openxmlformats.org/drawingml/2006/spreadsheetDrawing" xmlns:p="http://schemas.openxmlformats.org/presentationml/2006/main" name="Office 테마">
   <a:themeElements>
-    <a:clrScheme name="1_Crayons 1">
+    <a:clrScheme name="">
       <a:dk1>
         <a:srgbClr val="000000"/>
       </a:dk1>
       <a:lt1>
-        <a:srgbClr val="FFFFFF"/>
+        <a:srgbClr val="ffffff"/>
       </a:lt1>
       <a:dk2>
-        <a:srgbClr val="FF0000"/>
+        <a:srgbClr val="000000"/>
       </a:dk2>
       <a:lt2>
-        <a:srgbClr val="FFB800"/>
+        <a:srgbClr val="808080"/>
       </a:lt2>
       <a:accent1>
-        <a:srgbClr val="FFEF66"/>
+        <a:srgbClr val="bbe0e3"/>
       </a:accent1>
       <a:accent2>
-        <a:srgbClr val="000000"/>
+        <a:srgbClr val="333399"/>
       </a:accent2>
       <a:accent3>
-        <a:srgbClr val="FFFFFF"/>
+        <a:srgbClr val="ffffff"/>
       </a:accent3>
       <a:accent4>
         <a:srgbClr val="000000"/>
       </a:accent4>
       <a:accent5>
-        <a:srgbClr val="FFF6B8"/>
+        <a:srgbClr val="daedef"/>
       </a:accent5>
       <a:accent6>
-        <a:srgbClr val="000000"/>
+        <a:srgbClr val="2d2d8a"/>
       </a:accent6>
       <a:hlink>
-        <a:srgbClr val="00B200"/>
+        <a:srgbClr val="009999"/>
       </a:hlink>
       <a:folHlink>
-        <a:srgbClr val="703DFF"/>
+        <a:srgbClr val="99cc00"/>
       </a:folHlink>
     </a:clrScheme>
     <a:fontScheme name="Office">
@@ -52843,9 +53115,9 @@
         <a:latin typeface="Arial"/>
         <a:ea typeface=""/>
         <a:cs typeface=""/>
-        <a:font script="Jpan" typeface="ＭＳ Ｐゴシック"/>
+        <a:font script="Jpan" typeface="MS PGothic"/>
         <a:font script="Hang" typeface="맑은 고딕"/>
-        <a:font script="Hans" typeface="宋体"/>
+        <a:font script="Hans" typeface="SimSun"/>
         <a:font script="Hant" typeface="新細明體"/>
         <a:font script="Arab" typeface="Times New Roman"/>
         <a:font script="Hebr" typeface="Times New Roman"/>
@@ -52878,9 +53150,9 @@
         <a:latin typeface="Arial"/>
         <a:ea typeface=""/>
         <a:cs typeface=""/>
-        <a:font script="Jpan" typeface="ＭＳ Ｐゴシック"/>
+        <a:font script="Jpan" typeface="MS PGothic"/>
         <a:font script="Hang" typeface="맑은 고딕"/>
-        <a:font script="Hans" typeface="宋体"/>
+        <a:font script="Hans" typeface="SimSun"/>
         <a:font script="Hant" typeface="新細明體"/>
         <a:font script="Arab" typeface="Arial"/>
         <a:font script="Hebr" typeface="Arial"/>
